--- a/templates/modelo.pptx
+++ b/templates/modelo.pptx
@@ -335,7 +335,7 @@
             <a:fld id="{1D8BD707-D9CF-40AE-B4C6-C98DA3205C09}" type="datetimeFigureOut">
               <a:rPr lang="en-US" smtClean="0"/>
               <a:pPr/>
-              <a:t>6/11/25</a:t>
+              <a:t>6/12/25</a:t>
             </a:fld>
             <a:endParaRPr lang="en-US"/>
           </a:p>
@@ -500,7 +500,7 @@
             <a:fld id="{1D8BD707-D9CF-40AE-B4C6-C98DA3205C09}" type="datetimeFigureOut">
               <a:rPr lang="en-US" smtClean="0"/>
               <a:pPr/>
-              <a:t>6/11/25</a:t>
+              <a:t>6/12/25</a:t>
             </a:fld>
             <a:endParaRPr lang="en-US"/>
           </a:p>
@@ -675,7 +675,7 @@
             <a:fld id="{1D8BD707-D9CF-40AE-B4C6-C98DA3205C09}" type="datetimeFigureOut">
               <a:rPr lang="en-US" smtClean="0"/>
               <a:pPr/>
-              <a:t>6/11/25</a:t>
+              <a:t>6/12/25</a:t>
             </a:fld>
             <a:endParaRPr lang="en-US"/>
           </a:p>
@@ -840,7 +840,7 @@
             <a:fld id="{1D8BD707-D9CF-40AE-B4C6-C98DA3205C09}" type="datetimeFigureOut">
               <a:rPr lang="en-US" smtClean="0"/>
               <a:pPr/>
-              <a:t>6/11/25</a:t>
+              <a:t>6/12/25</a:t>
             </a:fld>
             <a:endParaRPr lang="en-US"/>
           </a:p>
@@ -1082,7 +1082,7 @@
             <a:fld id="{1D8BD707-D9CF-40AE-B4C6-C98DA3205C09}" type="datetimeFigureOut">
               <a:rPr lang="en-US" smtClean="0"/>
               <a:pPr/>
-              <a:t>6/11/25</a:t>
+              <a:t>6/12/25</a:t>
             </a:fld>
             <a:endParaRPr lang="en-US"/>
           </a:p>
@@ -1364,7 +1364,7 @@
             <a:fld id="{1D8BD707-D9CF-40AE-B4C6-C98DA3205C09}" type="datetimeFigureOut">
               <a:rPr lang="en-US" smtClean="0"/>
               <a:pPr/>
-              <a:t>6/11/25</a:t>
+              <a:t>6/12/25</a:t>
             </a:fld>
             <a:endParaRPr lang="en-US"/>
           </a:p>
@@ -1780,7 +1780,7 @@
             <a:fld id="{1D8BD707-D9CF-40AE-B4C6-C98DA3205C09}" type="datetimeFigureOut">
               <a:rPr lang="en-US" smtClean="0"/>
               <a:pPr/>
-              <a:t>6/11/25</a:t>
+              <a:t>6/12/25</a:t>
             </a:fld>
             <a:endParaRPr lang="en-US"/>
           </a:p>
@@ -1894,7 +1894,7 @@
             <a:fld id="{1D8BD707-D9CF-40AE-B4C6-C98DA3205C09}" type="datetimeFigureOut">
               <a:rPr lang="en-US" smtClean="0"/>
               <a:pPr/>
-              <a:t>6/11/25</a:t>
+              <a:t>6/12/25</a:t>
             </a:fld>
             <a:endParaRPr lang="en-US"/>
           </a:p>
@@ -1986,7 +1986,7 @@
             <a:fld id="{1D8BD707-D9CF-40AE-B4C6-C98DA3205C09}" type="datetimeFigureOut">
               <a:rPr lang="en-US" smtClean="0"/>
               <a:pPr/>
-              <a:t>6/11/25</a:t>
+              <a:t>6/12/25</a:t>
             </a:fld>
             <a:endParaRPr lang="en-US"/>
           </a:p>
@@ -2258,7 +2258,7 @@
             <a:fld id="{1D8BD707-D9CF-40AE-B4C6-C98DA3205C09}" type="datetimeFigureOut">
               <a:rPr lang="en-US" smtClean="0"/>
               <a:pPr/>
-              <a:t>6/11/25</a:t>
+              <a:t>6/12/25</a:t>
             </a:fld>
             <a:endParaRPr lang="en-US"/>
           </a:p>
@@ -2507,7 +2507,7 @@
             <a:fld id="{1D8BD707-D9CF-40AE-B4C6-C98DA3205C09}" type="datetimeFigureOut">
               <a:rPr lang="en-US" smtClean="0"/>
               <a:pPr/>
-              <a:t>6/11/25</a:t>
+              <a:t>6/12/25</a:t>
             </a:fld>
             <a:endParaRPr lang="en-US"/>
           </a:p>
@@ -2715,7 +2715,7 @@
             <a:fld id="{1D8BD707-D9CF-40AE-B4C6-C98DA3205C09}" type="datetimeFigureOut">
               <a:rPr lang="en-US" smtClean="0"/>
               <a:pPr/>
-              <a:t>6/11/25</a:t>
+              <a:t>6/12/25</a:t>
             </a:fld>
             <a:endParaRPr lang="en-US"/>
           </a:p>
@@ -3302,15 +3302,15 @@
         </p:nvSpPr>
         <p:spPr>
           <a:xfrm>
-            <a:off x="5769397" y="8696960"/>
-            <a:ext cx="3374603" cy="395621"/>
+            <a:off x="5029200" y="8696960"/>
+            <a:ext cx="4800600" cy="395621"/>
           </a:xfrm>
           <a:prstGeom prst="rect">
             <a:avLst/>
           </a:prstGeom>
         </p:spPr>
         <p:txBody>
-          <a:bodyPr lIns="0" tIns="0" rIns="0" bIns="0" rtlCol="0" anchor="t">
+          <a:bodyPr wrap="square" lIns="0" tIns="0" rIns="0" bIns="0" rtlCol="0" anchor="t">
             <a:spAutoFit/>
           </a:bodyPr>
           <a:lstStyle/>
@@ -3384,15 +3384,15 @@
         </p:nvSpPr>
         <p:spPr>
           <a:xfrm>
-            <a:off x="5769397" y="9220200"/>
-            <a:ext cx="3374603" cy="314607"/>
+            <a:off x="5029200" y="9220200"/>
+            <a:ext cx="4800600" cy="314607"/>
           </a:xfrm>
           <a:prstGeom prst="rect">
             <a:avLst/>
           </a:prstGeom>
         </p:spPr>
         <p:txBody>
-          <a:bodyPr lIns="0" tIns="0" rIns="0" bIns="0" rtlCol="0" anchor="t">
+          <a:bodyPr wrap="square" lIns="0" tIns="0" rIns="0" bIns="0" rtlCol="0" anchor="t">
             <a:spAutoFit/>
           </a:bodyPr>
           <a:lstStyle/>

--- a/templates/modelo.pptx
+++ b/templates/modelo.pptx
@@ -335,7 +335,7 @@
             <a:fld id="{1D8BD707-D9CF-40AE-B4C6-C98DA3205C09}" type="datetimeFigureOut">
               <a:rPr lang="en-US" smtClean="0"/>
               <a:pPr/>
-              <a:t>6/12/25</a:t>
+              <a:t>6/14/25</a:t>
             </a:fld>
             <a:endParaRPr lang="en-US"/>
           </a:p>
@@ -500,7 +500,7 @@
             <a:fld id="{1D8BD707-D9CF-40AE-B4C6-C98DA3205C09}" type="datetimeFigureOut">
               <a:rPr lang="en-US" smtClean="0"/>
               <a:pPr/>
-              <a:t>6/12/25</a:t>
+              <a:t>6/14/25</a:t>
             </a:fld>
             <a:endParaRPr lang="en-US"/>
           </a:p>
@@ -675,7 +675,7 @@
             <a:fld id="{1D8BD707-D9CF-40AE-B4C6-C98DA3205C09}" type="datetimeFigureOut">
               <a:rPr lang="en-US" smtClean="0"/>
               <a:pPr/>
-              <a:t>6/12/25</a:t>
+              <a:t>6/14/25</a:t>
             </a:fld>
             <a:endParaRPr lang="en-US"/>
           </a:p>
@@ -840,7 +840,7 @@
             <a:fld id="{1D8BD707-D9CF-40AE-B4C6-C98DA3205C09}" type="datetimeFigureOut">
               <a:rPr lang="en-US" smtClean="0"/>
               <a:pPr/>
-              <a:t>6/12/25</a:t>
+              <a:t>6/14/25</a:t>
             </a:fld>
             <a:endParaRPr lang="en-US"/>
           </a:p>
@@ -1082,7 +1082,7 @@
             <a:fld id="{1D8BD707-D9CF-40AE-B4C6-C98DA3205C09}" type="datetimeFigureOut">
               <a:rPr lang="en-US" smtClean="0"/>
               <a:pPr/>
-              <a:t>6/12/25</a:t>
+              <a:t>6/14/25</a:t>
             </a:fld>
             <a:endParaRPr lang="en-US"/>
           </a:p>
@@ -1364,7 +1364,7 @@
             <a:fld id="{1D8BD707-D9CF-40AE-B4C6-C98DA3205C09}" type="datetimeFigureOut">
               <a:rPr lang="en-US" smtClean="0"/>
               <a:pPr/>
-              <a:t>6/12/25</a:t>
+              <a:t>6/14/25</a:t>
             </a:fld>
             <a:endParaRPr lang="en-US"/>
           </a:p>
@@ -1780,7 +1780,7 @@
             <a:fld id="{1D8BD707-D9CF-40AE-B4C6-C98DA3205C09}" type="datetimeFigureOut">
               <a:rPr lang="en-US" smtClean="0"/>
               <a:pPr/>
-              <a:t>6/12/25</a:t>
+              <a:t>6/14/25</a:t>
             </a:fld>
             <a:endParaRPr lang="en-US"/>
           </a:p>
@@ -1894,7 +1894,7 @@
             <a:fld id="{1D8BD707-D9CF-40AE-B4C6-C98DA3205C09}" type="datetimeFigureOut">
               <a:rPr lang="en-US" smtClean="0"/>
               <a:pPr/>
-              <a:t>6/12/25</a:t>
+              <a:t>6/14/25</a:t>
             </a:fld>
             <a:endParaRPr lang="en-US"/>
           </a:p>
@@ -1986,7 +1986,7 @@
             <a:fld id="{1D8BD707-D9CF-40AE-B4C6-C98DA3205C09}" type="datetimeFigureOut">
               <a:rPr lang="en-US" smtClean="0"/>
               <a:pPr/>
-              <a:t>6/12/25</a:t>
+              <a:t>6/14/25</a:t>
             </a:fld>
             <a:endParaRPr lang="en-US"/>
           </a:p>
@@ -2258,7 +2258,7 @@
             <a:fld id="{1D8BD707-D9CF-40AE-B4C6-C98DA3205C09}" type="datetimeFigureOut">
               <a:rPr lang="en-US" smtClean="0"/>
               <a:pPr/>
-              <a:t>6/12/25</a:t>
+              <a:t>6/14/25</a:t>
             </a:fld>
             <a:endParaRPr lang="en-US"/>
           </a:p>
@@ -2507,7 +2507,7 @@
             <a:fld id="{1D8BD707-D9CF-40AE-B4C6-C98DA3205C09}" type="datetimeFigureOut">
               <a:rPr lang="en-US" smtClean="0"/>
               <a:pPr/>
-              <a:t>6/12/25</a:t>
+              <a:t>6/14/25</a:t>
             </a:fld>
             <a:endParaRPr lang="en-US"/>
           </a:p>
@@ -2715,7 +2715,7 @@
             <a:fld id="{1D8BD707-D9CF-40AE-B4C6-C98DA3205C09}" type="datetimeFigureOut">
               <a:rPr lang="en-US" smtClean="0"/>
               <a:pPr/>
-              <a:t>6/12/25</a:t>
+              <a:t>6/14/25</a:t>
             </a:fld>
             <a:endParaRPr lang="en-US"/>
           </a:p>
@@ -7073,7 +7073,7 @@
               </a:lnSpc>
             </a:pPr>
             <a:r>
-              <a:rPr lang="en-US" sz="1800">
+              <a:rPr lang="en-US" sz="1800" dirty="0">
                 <a:solidFill>
                   <a:srgbClr val="134E4A"/>
                 </a:solidFill>
@@ -8069,14 +8069,14 @@
       </p:sp>
       <p:sp>
         <p:nvSpPr>
-          <p:cNvPr id="6" name="TextBox 6"/>
+          <p:cNvPr id="7" name="TextBox 7"/>
           <p:cNvSpPr txBox="1"/>
           <p:nvPr/>
         </p:nvSpPr>
         <p:spPr>
           <a:xfrm>
-            <a:off x="1133326" y="3177389"/>
-            <a:ext cx="5229796" cy="325755"/>
+            <a:off x="2759351" y="985788"/>
+            <a:ext cx="3619633" cy="291211"/>
           </a:xfrm>
           <a:prstGeom prst="rect">
             <a:avLst/>
@@ -8090,11 +8090,14 @@
           <a:p>
             <a:pPr algn="l">
               <a:lnSpc>
-                <a:spcPts val="2520"/>
-              </a:lnSpc>
-            </a:pPr>
-            <a:r>
-              <a:rPr lang="en-US" sz="1800">
+                <a:spcPts val="2323"/>
+              </a:lnSpc>
+              <a:spcBef>
+                <a:spcPct val="0"/>
+              </a:spcBef>
+            </a:pPr>
+            <a:r>
+              <a:rPr lang="en-US" sz="1659">
                 <a:solidFill>
                   <a:srgbClr val="134E4A"/>
                 </a:solidFill>
@@ -8103,21 +8106,27 @@
                 <a:cs typeface="Poppins"/>
                 <a:sym typeface="Poppins"/>
               </a:rPr>
-              <a:t>{{por_que_aumenta}}</a:t>
-            </a:r>
-          </a:p>
-        </p:txBody>
-      </p:sp>
-      <p:sp>
-        <p:nvSpPr>
-          <p:cNvPr id="7" name="TextBox 7"/>
+              <a:t>{{CLIENTE}}</a:t>
+            </a:r>
+          </a:p>
+        </p:txBody>
+      </p:sp>
+      <p:sp>
+        <p:nvSpPr>
+          <p:cNvPr id="8" name="TextBox 5">
+            <a:extLst>
+              <a:ext uri="{FF2B5EF4-FFF2-40B4-BE49-F238E27FC236}">
+                <a16:creationId xmlns:a16="http://schemas.microsoft.com/office/drawing/2014/main" id="{380DB61F-24E5-56B9-5662-661B7BBDED30}"/>
+              </a:ext>
+            </a:extLst>
+          </p:cNvPr>
           <p:cNvSpPr txBox="1"/>
           <p:nvPr/>
         </p:nvSpPr>
         <p:spPr>
           <a:xfrm>
-            <a:off x="2759351" y="985788"/>
-            <a:ext cx="3619633" cy="291211"/>
+            <a:off x="1028700" y="3177389"/>
+            <a:ext cx="5290377" cy="309700"/>
           </a:xfrm>
           <a:prstGeom prst="rect">
             <a:avLst/>
@@ -8131,14 +8140,11 @@
           <a:p>
             <a:pPr algn="l">
               <a:lnSpc>
-                <a:spcPts val="2323"/>
-              </a:lnSpc>
-              <a:spcBef>
-                <a:spcPct val="0"/>
-              </a:spcBef>
-            </a:pPr>
-            <a:r>
-              <a:rPr lang="en-US" sz="1659">
+                <a:spcPts val="2520"/>
+              </a:lnSpc>
+            </a:pPr>
+            <a:r>
+              <a:rPr lang="en-US" sz="1800" dirty="0">
                 <a:solidFill>
                   <a:srgbClr val="134E4A"/>
                 </a:solidFill>
@@ -8147,7 +8153,7 @@
                 <a:cs typeface="Poppins"/>
                 <a:sym typeface="Poppins"/>
               </a:rPr>
-              <a:t>{{CLIENTE}}</a:t>
+              <a:t>{{por_que_aumenta}}</a:t>
             </a:r>
           </a:p>
         </p:txBody>
@@ -8493,50 +8499,6 @@
       </p:sp>
       <p:sp>
         <p:nvSpPr>
-          <p:cNvPr id="9" name="TextBox 9"/>
-          <p:cNvSpPr txBox="1"/>
-          <p:nvPr/>
-        </p:nvSpPr>
-        <p:spPr>
-          <a:xfrm>
-            <a:off x="1028700" y="3027031"/>
-            <a:ext cx="5421561" cy="325755"/>
-          </a:xfrm>
-          <a:prstGeom prst="rect">
-            <a:avLst/>
-          </a:prstGeom>
-        </p:spPr>
-        <p:txBody>
-          <a:bodyPr lIns="0" tIns="0" rIns="0" bIns="0" rtlCol="0" anchor="t">
-            <a:spAutoFit/>
-          </a:bodyPr>
-          <a:lstStyle/>
-          <a:p>
-            <a:pPr algn="l">
-              <a:lnSpc>
-                <a:spcPts val="2520"/>
-              </a:lnSpc>
-              <a:spcBef>
-                <a:spcPct val="0"/>
-              </a:spcBef>
-            </a:pPr>
-            <a:r>
-              <a:rPr lang="en-US" sz="1800">
-                <a:solidFill>
-                  <a:srgbClr val="134E4A"/>
-                </a:solidFill>
-                <a:latin typeface="Poppins"/>
-                <a:ea typeface="Poppins"/>
-                <a:cs typeface="Poppins"/>
-                <a:sym typeface="Poppins"/>
-              </a:rPr>
-              <a:t>{{producao_mensal}}</a:t>
-            </a:r>
-          </a:p>
-        </p:txBody>
-      </p:sp>
-      <p:sp>
-        <p:nvSpPr>
           <p:cNvPr id="10" name="TextBox 10"/>
           <p:cNvSpPr txBox="1"/>
           <p:nvPr/>
@@ -8622,6 +8584,53 @@
                 <a:sym typeface="Poppins"/>
               </a:rPr>
               <a:t>04</a:t>
+            </a:r>
+          </a:p>
+        </p:txBody>
+      </p:sp>
+      <p:sp>
+        <p:nvSpPr>
+          <p:cNvPr id="6" name="TextBox 5">
+            <a:extLst>
+              <a:ext uri="{FF2B5EF4-FFF2-40B4-BE49-F238E27FC236}">
+                <a16:creationId xmlns:a16="http://schemas.microsoft.com/office/drawing/2014/main" id="{65513F23-DBDC-E0B5-8711-566C7A881942}"/>
+              </a:ext>
+            </a:extLst>
+          </p:cNvPr>
+          <p:cNvSpPr txBox="1"/>
+          <p:nvPr/>
+        </p:nvSpPr>
+        <p:spPr>
+          <a:xfrm>
+            <a:off x="1028700" y="3177389"/>
+            <a:ext cx="5290377" cy="309700"/>
+          </a:xfrm>
+          <a:prstGeom prst="rect">
+            <a:avLst/>
+          </a:prstGeom>
+        </p:spPr>
+        <p:txBody>
+          <a:bodyPr lIns="0" tIns="0" rIns="0" bIns="0" rtlCol="0" anchor="t">
+            <a:spAutoFit/>
+          </a:bodyPr>
+          <a:lstStyle/>
+          <a:p>
+            <a:pPr algn="l">
+              <a:lnSpc>
+                <a:spcPts val="2520"/>
+              </a:lnSpc>
+            </a:pPr>
+            <a:r>
+              <a:rPr lang="en-US" sz="1800" dirty="0">
+                <a:solidFill>
+                  <a:srgbClr val="134E4A"/>
+                </a:solidFill>
+                <a:latin typeface="Poppins"/>
+                <a:ea typeface="Poppins"/>
+                <a:cs typeface="Poppins"/>
+                <a:sym typeface="Poppins"/>
+              </a:rPr>
+              <a:t>{{com_energia_solar}}</a:t>
             </a:r>
           </a:p>
         </p:txBody>

--- a/templates/modelo.pptx
+++ b/templates/modelo.pptx
@@ -335,7 +335,7 @@
             <a:fld id="{1D8BD707-D9CF-40AE-B4C6-C98DA3205C09}" type="datetimeFigureOut">
               <a:rPr lang="en-US" smtClean="0"/>
               <a:pPr/>
-              <a:t>6/14/25</a:t>
+              <a:t>8/2/25</a:t>
             </a:fld>
             <a:endParaRPr lang="en-US"/>
           </a:p>
@@ -500,7 +500,7 @@
             <a:fld id="{1D8BD707-D9CF-40AE-B4C6-C98DA3205C09}" type="datetimeFigureOut">
               <a:rPr lang="en-US" smtClean="0"/>
               <a:pPr/>
-              <a:t>6/14/25</a:t>
+              <a:t>8/2/25</a:t>
             </a:fld>
             <a:endParaRPr lang="en-US"/>
           </a:p>
@@ -675,7 +675,7 @@
             <a:fld id="{1D8BD707-D9CF-40AE-B4C6-C98DA3205C09}" type="datetimeFigureOut">
               <a:rPr lang="en-US" smtClean="0"/>
               <a:pPr/>
-              <a:t>6/14/25</a:t>
+              <a:t>8/2/25</a:t>
             </a:fld>
             <a:endParaRPr lang="en-US"/>
           </a:p>
@@ -840,7 +840,7 @@
             <a:fld id="{1D8BD707-D9CF-40AE-B4C6-C98DA3205C09}" type="datetimeFigureOut">
               <a:rPr lang="en-US" smtClean="0"/>
               <a:pPr/>
-              <a:t>6/14/25</a:t>
+              <a:t>8/2/25</a:t>
             </a:fld>
             <a:endParaRPr lang="en-US"/>
           </a:p>
@@ -1082,7 +1082,7 @@
             <a:fld id="{1D8BD707-D9CF-40AE-B4C6-C98DA3205C09}" type="datetimeFigureOut">
               <a:rPr lang="en-US" smtClean="0"/>
               <a:pPr/>
-              <a:t>6/14/25</a:t>
+              <a:t>8/2/25</a:t>
             </a:fld>
             <a:endParaRPr lang="en-US"/>
           </a:p>
@@ -1364,7 +1364,7 @@
             <a:fld id="{1D8BD707-D9CF-40AE-B4C6-C98DA3205C09}" type="datetimeFigureOut">
               <a:rPr lang="en-US" smtClean="0"/>
               <a:pPr/>
-              <a:t>6/14/25</a:t>
+              <a:t>8/2/25</a:t>
             </a:fld>
             <a:endParaRPr lang="en-US"/>
           </a:p>
@@ -1780,7 +1780,7 @@
             <a:fld id="{1D8BD707-D9CF-40AE-B4C6-C98DA3205C09}" type="datetimeFigureOut">
               <a:rPr lang="en-US" smtClean="0"/>
               <a:pPr/>
-              <a:t>6/14/25</a:t>
+              <a:t>8/2/25</a:t>
             </a:fld>
             <a:endParaRPr lang="en-US"/>
           </a:p>
@@ -1894,7 +1894,7 @@
             <a:fld id="{1D8BD707-D9CF-40AE-B4C6-C98DA3205C09}" type="datetimeFigureOut">
               <a:rPr lang="en-US" smtClean="0"/>
               <a:pPr/>
-              <a:t>6/14/25</a:t>
+              <a:t>8/2/25</a:t>
             </a:fld>
             <a:endParaRPr lang="en-US"/>
           </a:p>
@@ -1986,7 +1986,7 @@
             <a:fld id="{1D8BD707-D9CF-40AE-B4C6-C98DA3205C09}" type="datetimeFigureOut">
               <a:rPr lang="en-US" smtClean="0"/>
               <a:pPr/>
-              <a:t>6/14/25</a:t>
+              <a:t>8/2/25</a:t>
             </a:fld>
             <a:endParaRPr lang="en-US"/>
           </a:p>
@@ -2258,7 +2258,7 @@
             <a:fld id="{1D8BD707-D9CF-40AE-B4C6-C98DA3205C09}" type="datetimeFigureOut">
               <a:rPr lang="en-US" smtClean="0"/>
               <a:pPr/>
-              <a:t>6/14/25</a:t>
+              <a:t>8/2/25</a:t>
             </a:fld>
             <a:endParaRPr lang="en-US"/>
           </a:p>
@@ -2507,7 +2507,7 @@
             <a:fld id="{1D8BD707-D9CF-40AE-B4C6-C98DA3205C09}" type="datetimeFigureOut">
               <a:rPr lang="en-US" smtClean="0"/>
               <a:pPr/>
-              <a:t>6/14/25</a:t>
+              <a:t>8/2/25</a:t>
             </a:fld>
             <a:endParaRPr lang="en-US"/>
           </a:p>
@@ -2715,7 +2715,7 @@
             <a:fld id="{1D8BD707-D9CF-40AE-B4C6-C98DA3205C09}" type="datetimeFigureOut">
               <a:rPr lang="en-US" smtClean="0"/>
               <a:pPr/>
-              <a:t>6/14/25</a:t>
+              <a:t>8/2/25</a:t>
             </a:fld>
             <a:endParaRPr lang="en-US"/>
           </a:p>
@@ -5677,7 +5677,7 @@
               </a:lnSpc>
             </a:pPr>
             <a:r>
-              <a:rPr lang="en-US" sz="2027">
+              <a:rPr lang="en-US" sz="2027" dirty="0">
                 <a:solidFill>
                   <a:srgbClr val="CCFBF1"/>
                 </a:solidFill>
@@ -5686,16 +5686,45 @@
                 <a:cs typeface="Poppins"/>
                 <a:sym typeface="Poppins"/>
               </a:rPr>
-              <a:t>Kit gerador fotovoltaíco</a:t>
-            </a:r>
-          </a:p>
-          <a:p>
-            <a:pPr algn="l">
-              <a:lnSpc>
-                <a:spcPts val="2838"/>
-              </a:lnSpc>
-            </a:pPr>
-            <a:endParaRPr lang="en-US" sz="2027">
+              <a:t>Kit </a:t>
+            </a:r>
+            <a:r>
+              <a:rPr lang="en-US" sz="2027" dirty="0" err="1">
+                <a:solidFill>
+                  <a:srgbClr val="CCFBF1"/>
+                </a:solidFill>
+                <a:latin typeface="Poppins"/>
+                <a:ea typeface="Poppins"/>
+                <a:cs typeface="Poppins"/>
+                <a:sym typeface="Poppins"/>
+              </a:rPr>
+              <a:t>gerador</a:t>
+            </a:r>
+            <a:r>
+              <a:rPr lang="en-US" sz="2027" dirty="0">
+                <a:solidFill>
+                  <a:srgbClr val="CCFBF1"/>
+                </a:solidFill>
+                <a:latin typeface="Poppins"/>
+                <a:ea typeface="Poppins"/>
+                <a:cs typeface="Poppins"/>
+                <a:sym typeface="Poppins"/>
+              </a:rPr>
+              <a:t> </a:t>
+            </a:r>
+            <a:r>
+              <a:rPr lang="en-US" sz="2027" dirty="0" err="1">
+                <a:solidFill>
+                  <a:srgbClr val="CCFBF1"/>
+                </a:solidFill>
+                <a:latin typeface="Poppins"/>
+                <a:ea typeface="Poppins"/>
+                <a:cs typeface="Poppins"/>
+                <a:sym typeface="Poppins"/>
+              </a:rPr>
+              <a:t>fotovoltaíco</a:t>
+            </a:r>
+            <a:endParaRPr lang="en-US" sz="2027" dirty="0">
               <a:solidFill>
                 <a:srgbClr val="CCFBF1"/>
               </a:solidFill>
@@ -5711,26 +5740,7 @@
                 <a:spcPts val="2838"/>
               </a:lnSpc>
             </a:pPr>
-            <a:r>
-              <a:rPr lang="en-US" sz="2027">
-                <a:solidFill>
-                  <a:srgbClr val="CCFBF1"/>
-                </a:solidFill>
-                <a:latin typeface="Poppins"/>
-                <a:ea typeface="Poppins"/>
-                <a:cs typeface="Poppins"/>
-                <a:sym typeface="Poppins"/>
-              </a:rPr>
-              <a:t>Importação de equipamentos e logística de entrega</a:t>
-            </a:r>
-          </a:p>
-          <a:p>
-            <a:pPr algn="l">
-              <a:lnSpc>
-                <a:spcPts val="2838"/>
-              </a:lnSpc>
-            </a:pPr>
-            <a:endParaRPr lang="en-US" sz="2027">
+            <a:endParaRPr lang="en-US" sz="2027" dirty="0">
               <a:solidFill>
                 <a:srgbClr val="CCFBF1"/>
               </a:solidFill>
@@ -5747,7 +5757,7 @@
               </a:lnSpc>
             </a:pPr>
             <a:r>
-              <a:rPr lang="en-US" sz="2027">
+              <a:rPr lang="en-US" sz="2027" dirty="0" err="1">
                 <a:solidFill>
                   <a:srgbClr val="CCFBF1"/>
                 </a:solidFill>
@@ -5756,16 +5766,81 @@
                 <a:cs typeface="Poppins"/>
                 <a:sym typeface="Poppins"/>
               </a:rPr>
-              <a:t>Instalação do sistema fotovoltaico</a:t>
-            </a:r>
-          </a:p>
-          <a:p>
-            <a:pPr algn="l">
-              <a:lnSpc>
-                <a:spcPts val="2838"/>
-              </a:lnSpc>
-            </a:pPr>
-            <a:endParaRPr lang="en-US" sz="2027">
+              <a:t>Importação</a:t>
+            </a:r>
+            <a:r>
+              <a:rPr lang="en-US" sz="2027" dirty="0">
+                <a:solidFill>
+                  <a:srgbClr val="CCFBF1"/>
+                </a:solidFill>
+                <a:latin typeface="Poppins"/>
+                <a:ea typeface="Poppins"/>
+                <a:cs typeface="Poppins"/>
+                <a:sym typeface="Poppins"/>
+              </a:rPr>
+              <a:t> de </a:t>
+            </a:r>
+            <a:r>
+              <a:rPr lang="en-US" sz="2027" dirty="0" err="1">
+                <a:solidFill>
+                  <a:srgbClr val="CCFBF1"/>
+                </a:solidFill>
+                <a:latin typeface="Poppins"/>
+                <a:ea typeface="Poppins"/>
+                <a:cs typeface="Poppins"/>
+                <a:sym typeface="Poppins"/>
+              </a:rPr>
+              <a:t>equipamentos</a:t>
+            </a:r>
+            <a:r>
+              <a:rPr lang="en-US" sz="2027" dirty="0">
+                <a:solidFill>
+                  <a:srgbClr val="CCFBF1"/>
+                </a:solidFill>
+                <a:latin typeface="Poppins"/>
+                <a:ea typeface="Poppins"/>
+                <a:cs typeface="Poppins"/>
+                <a:sym typeface="Poppins"/>
+              </a:rPr>
+              <a:t> e </a:t>
+            </a:r>
+            <a:r>
+              <a:rPr lang="en-US" sz="2027" dirty="0" err="1">
+                <a:solidFill>
+                  <a:srgbClr val="CCFBF1"/>
+                </a:solidFill>
+                <a:latin typeface="Poppins"/>
+                <a:ea typeface="Poppins"/>
+                <a:cs typeface="Poppins"/>
+                <a:sym typeface="Poppins"/>
+              </a:rPr>
+              <a:t>logística</a:t>
+            </a:r>
+            <a:r>
+              <a:rPr lang="en-US" sz="2027" dirty="0">
+                <a:solidFill>
+                  <a:srgbClr val="CCFBF1"/>
+                </a:solidFill>
+                <a:latin typeface="Poppins"/>
+                <a:ea typeface="Poppins"/>
+                <a:cs typeface="Poppins"/>
+                <a:sym typeface="Poppins"/>
+              </a:rPr>
+              <a:t> de </a:t>
+            </a:r>
+            <a:r>
+              <a:rPr lang="en-US" sz="2027" dirty="0" err="1">
+                <a:solidFill>
+                  <a:srgbClr val="CCFBF1"/>
+                </a:solidFill>
+                <a:latin typeface="Poppins"/>
+                <a:ea typeface="Poppins"/>
+                <a:cs typeface="Poppins"/>
+                <a:sym typeface="Poppins"/>
+              </a:rPr>
+              <a:t>entrega</a:t>
+            </a:r>
+            <a:endParaRPr lang="en-US" sz="2027" dirty="0">
               <a:solidFill>
                 <a:srgbClr val="CCFBF1"/>
               </a:solidFill>
@@ -5781,26 +5856,7 @@
                 <a:spcPts val="2838"/>
               </a:lnSpc>
             </a:pPr>
-            <a:r>
-              <a:rPr lang="en-US" sz="2027">
-                <a:solidFill>
-                  <a:srgbClr val="CCFBF1"/>
-                </a:solidFill>
-                <a:latin typeface="Poppins"/>
-                <a:ea typeface="Poppins"/>
-                <a:cs typeface="Poppins"/>
-                <a:sym typeface="Poppins"/>
-              </a:rPr>
-              <a:t>Homologação e agendamento de vistoria junto á concessionária</a:t>
-            </a:r>
-          </a:p>
-          <a:p>
-            <a:pPr algn="l">
-              <a:lnSpc>
-                <a:spcPts val="2838"/>
-              </a:lnSpc>
-            </a:pPr>
-            <a:endParaRPr lang="en-US" sz="2027">
+            <a:endParaRPr lang="en-US" sz="2027" dirty="0">
               <a:solidFill>
                 <a:srgbClr val="CCFBF1"/>
               </a:solidFill>
@@ -5817,7 +5873,7 @@
               </a:lnSpc>
             </a:pPr>
             <a:r>
-              <a:rPr lang="en-US" sz="2027">
+              <a:rPr lang="en-US" sz="2027" dirty="0" err="1">
                 <a:solidFill>
                   <a:srgbClr val="CCFBF1"/>
                 </a:solidFill>
@@ -5826,16 +5882,57 @@
                 <a:cs typeface="Poppins"/>
                 <a:sym typeface="Poppins"/>
               </a:rPr>
-              <a:t>Desenvolvimento do projeto de engenharia</a:t>
-            </a:r>
-          </a:p>
-          <a:p>
-            <a:pPr algn="l">
-              <a:lnSpc>
-                <a:spcPts val="2838"/>
-              </a:lnSpc>
-            </a:pPr>
-            <a:endParaRPr lang="en-US" sz="2027">
+              <a:t>Instalação</a:t>
+            </a:r>
+            <a:r>
+              <a:rPr lang="en-US" sz="2027" dirty="0">
+                <a:solidFill>
+                  <a:srgbClr val="CCFBF1"/>
+                </a:solidFill>
+                <a:latin typeface="Poppins"/>
+                <a:ea typeface="Poppins"/>
+                <a:cs typeface="Poppins"/>
+                <a:sym typeface="Poppins"/>
+              </a:rPr>
+              <a:t> do </a:t>
+            </a:r>
+            <a:r>
+              <a:rPr lang="en-US" sz="2027" dirty="0" err="1">
+                <a:solidFill>
+                  <a:srgbClr val="CCFBF1"/>
+                </a:solidFill>
+                <a:latin typeface="Poppins"/>
+                <a:ea typeface="Poppins"/>
+                <a:cs typeface="Poppins"/>
+                <a:sym typeface="Poppins"/>
+              </a:rPr>
+              <a:t>sistema</a:t>
+            </a:r>
+            <a:r>
+              <a:rPr lang="en-US" sz="2027" dirty="0">
+                <a:solidFill>
+                  <a:srgbClr val="CCFBF1"/>
+                </a:solidFill>
+                <a:latin typeface="Poppins"/>
+                <a:ea typeface="Poppins"/>
+                <a:cs typeface="Poppins"/>
+                <a:sym typeface="Poppins"/>
+              </a:rPr>
+              <a:t> </a:t>
+            </a:r>
+            <a:r>
+              <a:rPr lang="en-US" sz="2027" dirty="0" err="1">
+                <a:solidFill>
+                  <a:srgbClr val="CCFBF1"/>
+                </a:solidFill>
+                <a:latin typeface="Poppins"/>
+                <a:ea typeface="Poppins"/>
+                <a:cs typeface="Poppins"/>
+                <a:sym typeface="Poppins"/>
+              </a:rPr>
+              <a:t>fotovoltaico</a:t>
+            </a:r>
+            <a:endParaRPr lang="en-US" sz="2027" dirty="0">
               <a:solidFill>
                 <a:srgbClr val="CCFBF1"/>
               </a:solidFill>
@@ -5851,26 +5948,7 @@
                 <a:spcPts val="2838"/>
               </a:lnSpc>
             </a:pPr>
-            <a:r>
-              <a:rPr lang="en-US" sz="2027">
-                <a:solidFill>
-                  <a:srgbClr val="CCFBF1"/>
-                </a:solidFill>
-                <a:latin typeface="Poppins"/>
-                <a:ea typeface="Poppins"/>
-                <a:cs typeface="Poppins"/>
-                <a:sym typeface="Poppins"/>
-              </a:rPr>
-              <a:t>Ativação do sistema</a:t>
-            </a:r>
-          </a:p>
-          <a:p>
-            <a:pPr algn="l">
-              <a:lnSpc>
-                <a:spcPts val="2838"/>
-              </a:lnSpc>
-            </a:pPr>
-            <a:endParaRPr lang="en-US" sz="2027">
+            <a:endParaRPr lang="en-US" sz="2027" dirty="0">
               <a:solidFill>
                 <a:srgbClr val="CCFBF1"/>
               </a:solidFill>
@@ -5887,7 +5965,7 @@
               </a:lnSpc>
             </a:pPr>
             <a:r>
-              <a:rPr lang="en-US" sz="2027">
+              <a:rPr lang="en-US" sz="2027" dirty="0" err="1">
                 <a:solidFill>
                   <a:srgbClr val="CCFBF1"/>
                 </a:solidFill>
@@ -5896,8 +5974,413 @@
                 <a:cs typeface="Poppins"/>
                 <a:sym typeface="Poppins"/>
               </a:rPr>
-              <a:t>Instalação de software de. gestão de balanço energético</a:t>
-            </a:r>
+              <a:t>Homologação</a:t>
+            </a:r>
+            <a:r>
+              <a:rPr lang="en-US" sz="2027" dirty="0">
+                <a:solidFill>
+                  <a:srgbClr val="CCFBF1"/>
+                </a:solidFill>
+                <a:latin typeface="Poppins"/>
+                <a:ea typeface="Poppins"/>
+                <a:cs typeface="Poppins"/>
+                <a:sym typeface="Poppins"/>
+              </a:rPr>
+              <a:t> e </a:t>
+            </a:r>
+            <a:r>
+              <a:rPr lang="en-US" sz="2027" dirty="0" err="1">
+                <a:solidFill>
+                  <a:srgbClr val="CCFBF1"/>
+                </a:solidFill>
+                <a:latin typeface="Poppins"/>
+                <a:ea typeface="Poppins"/>
+                <a:cs typeface="Poppins"/>
+                <a:sym typeface="Poppins"/>
+              </a:rPr>
+              <a:t>agendamento</a:t>
+            </a:r>
+            <a:r>
+              <a:rPr lang="en-US" sz="2027" dirty="0">
+                <a:solidFill>
+                  <a:srgbClr val="CCFBF1"/>
+                </a:solidFill>
+                <a:latin typeface="Poppins"/>
+                <a:ea typeface="Poppins"/>
+                <a:cs typeface="Poppins"/>
+                <a:sym typeface="Poppins"/>
+              </a:rPr>
+              <a:t> de </a:t>
+            </a:r>
+            <a:r>
+              <a:rPr lang="en-US" sz="2027" dirty="0" err="1">
+                <a:solidFill>
+                  <a:srgbClr val="CCFBF1"/>
+                </a:solidFill>
+                <a:latin typeface="Poppins"/>
+                <a:ea typeface="Poppins"/>
+                <a:cs typeface="Poppins"/>
+                <a:sym typeface="Poppins"/>
+              </a:rPr>
+              <a:t>vistoria</a:t>
+            </a:r>
+            <a:r>
+              <a:rPr lang="en-US" sz="2027" dirty="0">
+                <a:solidFill>
+                  <a:srgbClr val="CCFBF1"/>
+                </a:solidFill>
+                <a:latin typeface="Poppins"/>
+                <a:ea typeface="Poppins"/>
+                <a:cs typeface="Poppins"/>
+                <a:sym typeface="Poppins"/>
+              </a:rPr>
+              <a:t> junto </a:t>
+            </a:r>
+            <a:r>
+              <a:rPr lang="en-US" sz="2027" dirty="0" err="1">
+                <a:solidFill>
+                  <a:srgbClr val="CCFBF1"/>
+                </a:solidFill>
+                <a:latin typeface="Poppins"/>
+                <a:ea typeface="Poppins"/>
+                <a:cs typeface="Poppins"/>
+                <a:sym typeface="Poppins"/>
+              </a:rPr>
+              <a:t>á</a:t>
+            </a:r>
+            <a:r>
+              <a:rPr lang="en-US" sz="2027" dirty="0">
+                <a:solidFill>
+                  <a:srgbClr val="CCFBF1"/>
+                </a:solidFill>
+                <a:latin typeface="Poppins"/>
+                <a:ea typeface="Poppins"/>
+                <a:cs typeface="Poppins"/>
+                <a:sym typeface="Poppins"/>
+              </a:rPr>
+              <a:t> </a:t>
+            </a:r>
+            <a:r>
+              <a:rPr lang="en-US" sz="2027" dirty="0" err="1">
+                <a:solidFill>
+                  <a:srgbClr val="CCFBF1"/>
+                </a:solidFill>
+                <a:latin typeface="Poppins"/>
+                <a:ea typeface="Poppins"/>
+                <a:cs typeface="Poppins"/>
+                <a:sym typeface="Poppins"/>
+              </a:rPr>
+              <a:t>concessionária</a:t>
+            </a:r>
+            <a:endParaRPr lang="en-US" sz="2027" dirty="0">
+              <a:solidFill>
+                <a:srgbClr val="CCFBF1"/>
+              </a:solidFill>
+              <a:latin typeface="Poppins"/>
+              <a:ea typeface="Poppins"/>
+              <a:cs typeface="Poppins"/>
+              <a:sym typeface="Poppins"/>
+            </a:endParaRPr>
+          </a:p>
+          <a:p>
+            <a:pPr algn="l">
+              <a:lnSpc>
+                <a:spcPts val="2838"/>
+              </a:lnSpc>
+            </a:pPr>
+            <a:endParaRPr lang="en-US" sz="2027" dirty="0">
+              <a:solidFill>
+                <a:srgbClr val="CCFBF1"/>
+              </a:solidFill>
+              <a:latin typeface="Poppins"/>
+              <a:ea typeface="Poppins"/>
+              <a:cs typeface="Poppins"/>
+              <a:sym typeface="Poppins"/>
+            </a:endParaRPr>
+          </a:p>
+          <a:p>
+            <a:pPr algn="l">
+              <a:lnSpc>
+                <a:spcPts val="2838"/>
+              </a:lnSpc>
+            </a:pPr>
+            <a:r>
+              <a:rPr lang="en-US" sz="2027" dirty="0" err="1">
+                <a:solidFill>
+                  <a:srgbClr val="CCFBF1"/>
+                </a:solidFill>
+                <a:latin typeface="Poppins"/>
+                <a:ea typeface="Poppins"/>
+                <a:cs typeface="Poppins"/>
+                <a:sym typeface="Poppins"/>
+              </a:rPr>
+              <a:t>Desenvolvimento</a:t>
+            </a:r>
+            <a:r>
+              <a:rPr lang="en-US" sz="2027" dirty="0">
+                <a:solidFill>
+                  <a:srgbClr val="CCFBF1"/>
+                </a:solidFill>
+                <a:latin typeface="Poppins"/>
+                <a:ea typeface="Poppins"/>
+                <a:cs typeface="Poppins"/>
+                <a:sym typeface="Poppins"/>
+              </a:rPr>
+              <a:t> do </a:t>
+            </a:r>
+            <a:r>
+              <a:rPr lang="en-US" sz="2027" dirty="0" err="1">
+                <a:solidFill>
+                  <a:srgbClr val="CCFBF1"/>
+                </a:solidFill>
+                <a:latin typeface="Poppins"/>
+                <a:ea typeface="Poppins"/>
+                <a:cs typeface="Poppins"/>
+                <a:sym typeface="Poppins"/>
+              </a:rPr>
+              <a:t>projeto</a:t>
+            </a:r>
+            <a:r>
+              <a:rPr lang="en-US" sz="2027" dirty="0">
+                <a:solidFill>
+                  <a:srgbClr val="CCFBF1"/>
+                </a:solidFill>
+                <a:latin typeface="Poppins"/>
+                <a:ea typeface="Poppins"/>
+                <a:cs typeface="Poppins"/>
+                <a:sym typeface="Poppins"/>
+              </a:rPr>
+              <a:t> de </a:t>
+            </a:r>
+            <a:r>
+              <a:rPr lang="en-US" sz="2027" dirty="0" err="1">
+                <a:solidFill>
+                  <a:srgbClr val="CCFBF1"/>
+                </a:solidFill>
+                <a:latin typeface="Poppins"/>
+                <a:ea typeface="Poppins"/>
+                <a:cs typeface="Poppins"/>
+                <a:sym typeface="Poppins"/>
+              </a:rPr>
+              <a:t>engenharia</a:t>
+            </a:r>
+            <a:endParaRPr lang="en-US" sz="2027" dirty="0">
+              <a:solidFill>
+                <a:srgbClr val="CCFBF1"/>
+              </a:solidFill>
+              <a:latin typeface="Poppins"/>
+              <a:ea typeface="Poppins"/>
+              <a:cs typeface="Poppins"/>
+              <a:sym typeface="Poppins"/>
+            </a:endParaRPr>
+          </a:p>
+          <a:p>
+            <a:pPr algn="l">
+              <a:lnSpc>
+                <a:spcPts val="2838"/>
+              </a:lnSpc>
+            </a:pPr>
+            <a:endParaRPr lang="en-US" sz="2027" dirty="0">
+              <a:solidFill>
+                <a:srgbClr val="CCFBF1"/>
+              </a:solidFill>
+              <a:latin typeface="Poppins"/>
+              <a:ea typeface="Poppins"/>
+              <a:cs typeface="Poppins"/>
+              <a:sym typeface="Poppins"/>
+            </a:endParaRPr>
+          </a:p>
+          <a:p>
+            <a:pPr algn="l">
+              <a:lnSpc>
+                <a:spcPts val="2838"/>
+              </a:lnSpc>
+            </a:pPr>
+            <a:r>
+              <a:rPr lang="en-US" sz="2027" dirty="0" err="1">
+                <a:solidFill>
+                  <a:srgbClr val="CCFBF1"/>
+                </a:solidFill>
+                <a:latin typeface="Poppins"/>
+                <a:ea typeface="Poppins"/>
+                <a:cs typeface="Poppins"/>
+                <a:sym typeface="Poppins"/>
+              </a:rPr>
+              <a:t>Ativação</a:t>
+            </a:r>
+            <a:r>
+              <a:rPr lang="en-US" sz="2027" dirty="0">
+                <a:solidFill>
+                  <a:srgbClr val="CCFBF1"/>
+                </a:solidFill>
+                <a:latin typeface="Poppins"/>
+                <a:ea typeface="Poppins"/>
+                <a:cs typeface="Poppins"/>
+                <a:sym typeface="Poppins"/>
+              </a:rPr>
+              <a:t> do </a:t>
+            </a:r>
+            <a:r>
+              <a:rPr lang="en-US" sz="2027" dirty="0" err="1">
+                <a:solidFill>
+                  <a:srgbClr val="CCFBF1"/>
+                </a:solidFill>
+                <a:latin typeface="Poppins"/>
+                <a:ea typeface="Poppins"/>
+                <a:cs typeface="Poppins"/>
+                <a:sym typeface="Poppins"/>
+              </a:rPr>
+              <a:t>sistema</a:t>
+            </a:r>
+            <a:endParaRPr lang="en-US" sz="2027" dirty="0">
+              <a:solidFill>
+                <a:srgbClr val="CCFBF1"/>
+              </a:solidFill>
+              <a:latin typeface="Poppins"/>
+              <a:ea typeface="Poppins"/>
+              <a:cs typeface="Poppins"/>
+              <a:sym typeface="Poppins"/>
+            </a:endParaRPr>
+          </a:p>
+          <a:p>
+            <a:pPr algn="l">
+              <a:lnSpc>
+                <a:spcPts val="2838"/>
+              </a:lnSpc>
+            </a:pPr>
+            <a:endParaRPr lang="en-US" sz="2027" dirty="0">
+              <a:solidFill>
+                <a:srgbClr val="CCFBF1"/>
+              </a:solidFill>
+              <a:latin typeface="Poppins"/>
+              <a:ea typeface="Poppins"/>
+              <a:cs typeface="Poppins"/>
+              <a:sym typeface="Poppins"/>
+            </a:endParaRPr>
+          </a:p>
+          <a:p>
+            <a:pPr algn="l">
+              <a:lnSpc>
+                <a:spcPts val="2838"/>
+              </a:lnSpc>
+            </a:pPr>
+            <a:r>
+              <a:rPr lang="en-US" sz="2027" dirty="0" err="1">
+                <a:solidFill>
+                  <a:srgbClr val="CCFBF1"/>
+                </a:solidFill>
+                <a:latin typeface="Poppins"/>
+                <a:ea typeface="Poppins"/>
+                <a:cs typeface="Poppins"/>
+                <a:sym typeface="Poppins"/>
+              </a:rPr>
+              <a:t>Instalação</a:t>
+            </a:r>
+            <a:r>
+              <a:rPr lang="en-US" sz="2027" dirty="0">
+                <a:solidFill>
+                  <a:srgbClr val="CCFBF1"/>
+                </a:solidFill>
+                <a:latin typeface="Poppins"/>
+                <a:ea typeface="Poppins"/>
+                <a:cs typeface="Poppins"/>
+                <a:sym typeface="Poppins"/>
+              </a:rPr>
+              <a:t> do </a:t>
+            </a:r>
+            <a:r>
+              <a:rPr lang="en-US" sz="2027" dirty="0" err="1">
+                <a:solidFill>
+                  <a:srgbClr val="CCFBF1"/>
+                </a:solidFill>
+                <a:latin typeface="Poppins"/>
+                <a:ea typeface="Poppins"/>
+                <a:cs typeface="Poppins"/>
+                <a:sym typeface="Poppins"/>
+              </a:rPr>
+              <a:t>aplicativo</a:t>
+            </a:r>
+            <a:r>
+              <a:rPr lang="en-US" sz="2027" dirty="0">
+                <a:solidFill>
+                  <a:srgbClr val="CCFBF1"/>
+                </a:solidFill>
+                <a:latin typeface="Poppins"/>
+                <a:ea typeface="Poppins"/>
+                <a:cs typeface="Poppins"/>
+                <a:sym typeface="Poppins"/>
+              </a:rPr>
+              <a:t> de </a:t>
+            </a:r>
+            <a:r>
+              <a:rPr lang="en-US" sz="2027" dirty="0" err="1">
+                <a:solidFill>
+                  <a:srgbClr val="CCFBF1"/>
+                </a:solidFill>
+                <a:latin typeface="Poppins"/>
+                <a:ea typeface="Poppins"/>
+                <a:cs typeface="Poppins"/>
+                <a:sym typeface="Poppins"/>
+              </a:rPr>
+              <a:t>gestão</a:t>
+            </a:r>
+            <a:r>
+              <a:rPr lang="en-US" sz="2027" dirty="0">
+                <a:solidFill>
+                  <a:srgbClr val="CCFBF1"/>
+                </a:solidFill>
+                <a:latin typeface="Poppins"/>
+                <a:ea typeface="Poppins"/>
+                <a:cs typeface="Poppins"/>
+                <a:sym typeface="Poppins"/>
+              </a:rPr>
+              <a:t> de </a:t>
+            </a:r>
+            <a:r>
+              <a:rPr lang="en-US" sz="2027" dirty="0" err="1">
+                <a:solidFill>
+                  <a:srgbClr val="CCFBF1"/>
+                </a:solidFill>
+                <a:latin typeface="Poppins"/>
+                <a:ea typeface="Poppins"/>
+                <a:cs typeface="Poppins"/>
+                <a:sym typeface="Poppins"/>
+              </a:rPr>
+              <a:t>balanço</a:t>
+            </a:r>
+            <a:r>
+              <a:rPr lang="en-US" sz="2027" dirty="0">
+                <a:solidFill>
+                  <a:srgbClr val="CCFBF1"/>
+                </a:solidFill>
+                <a:latin typeface="Poppins"/>
+                <a:ea typeface="Poppins"/>
+                <a:cs typeface="Poppins"/>
+                <a:sym typeface="Poppins"/>
+              </a:rPr>
+              <a:t> </a:t>
+            </a:r>
+            <a:r>
+              <a:rPr lang="en-US" sz="2027" dirty="0" err="1">
+                <a:solidFill>
+                  <a:srgbClr val="CCFBF1"/>
+                </a:solidFill>
+                <a:latin typeface="Poppins"/>
+                <a:ea typeface="Poppins"/>
+                <a:cs typeface="Poppins"/>
+                <a:sym typeface="Poppins"/>
+              </a:rPr>
+              <a:t>energético</a:t>
+            </a:r>
+            <a:endParaRPr lang="en-US" sz="2027" dirty="0">
+              <a:solidFill>
+                <a:srgbClr val="CCFBF1"/>
+              </a:solidFill>
+              <a:latin typeface="Poppins"/>
+              <a:ea typeface="Poppins"/>
+              <a:cs typeface="Poppins"/>
+              <a:sym typeface="Poppins"/>
+            </a:endParaRPr>
           </a:p>
         </p:txBody>
       </p:sp>
@@ -13238,37 +13721,6 @@
           </a:p>
         </p:txBody>
       </p:sp>
-      <p:sp>
-        <p:nvSpPr>
-          <p:cNvPr id="3" name="AutoShape 3"/>
-          <p:cNvSpPr/>
-          <p:nvPr/>
-        </p:nvSpPr>
-        <p:spPr>
-          <a:xfrm flipV="1">
-            <a:off x="2544821" y="5480105"/>
-            <a:ext cx="13198357" cy="0"/>
-          </a:xfrm>
-          <a:prstGeom prst="line">
-            <a:avLst/>
-          </a:prstGeom>
-          <a:ln w="9525" cap="flat">
-            <a:solidFill>
-              <a:srgbClr val="134E4A"/>
-            </a:solidFill>
-            <a:prstDash val="solid"/>
-            <a:headEnd type="none" w="sm" len="sm"/>
-            <a:tailEnd type="none" w="sm" len="sm"/>
-          </a:ln>
-        </p:spPr>
-        <p:txBody>
-          <a:bodyPr/>
-          <a:lstStyle/>
-          <a:p>
-            <a:endParaRPr lang="en-BR"/>
-          </a:p>
-        </p:txBody>
-      </p:sp>
       <p:grpSp>
         <p:nvGrpSpPr>
           <p:cNvPr id="4" name="Group 4"/>
@@ -13277,7 +13729,7 @@
         </p:nvGrpSpPr>
         <p:grpSpPr>
           <a:xfrm>
-            <a:off x="4486225" y="3143673"/>
+            <a:off x="4572000" y="5143500"/>
             <a:ext cx="3092491" cy="676079"/>
             <a:chOff x="-6067" y="-23932"/>
             <a:chExt cx="814483" cy="178062"/>
@@ -13416,7 +13868,7 @@
         </p:nvGrpSpPr>
         <p:grpSpPr>
           <a:xfrm>
-            <a:off x="4509261" y="3819753"/>
+            <a:off x="4595036" y="5819580"/>
             <a:ext cx="3099944" cy="681866"/>
             <a:chOff x="0" y="-19078"/>
             <a:chExt cx="816446" cy="179586"/>
@@ -13540,7 +13992,7 @@
         </p:nvGrpSpPr>
         <p:grpSpPr>
           <a:xfrm>
-            <a:off x="4509261" y="4477337"/>
+            <a:off x="4595036" y="6477164"/>
             <a:ext cx="3069455" cy="681866"/>
             <a:chOff x="0" y="-18367"/>
             <a:chExt cx="808416" cy="179586"/>
@@ -13656,269 +14108,221 @@
           </p:txBody>
         </p:sp>
       </p:grpSp>
-      <p:grpSp>
-        <p:nvGrpSpPr>
-          <p:cNvPr id="13" name="Group 13"/>
-          <p:cNvGrpSpPr/>
-          <p:nvPr/>
-        </p:nvGrpSpPr>
-        <p:grpSpPr>
-          <a:xfrm>
-            <a:off x="3304355" y="6304239"/>
-            <a:ext cx="3069455" cy="681866"/>
-            <a:chOff x="0" y="-18185"/>
-            <a:chExt cx="808416" cy="179586"/>
-          </a:xfrm>
-        </p:grpSpPr>
-        <p:sp>
-          <p:nvSpPr>
-            <p:cNvPr id="14" name="Freeform 14"/>
-            <p:cNvSpPr/>
-            <p:nvPr/>
-          </p:nvSpPr>
-          <p:spPr>
-            <a:xfrm>
-              <a:off x="0" y="0"/>
-              <a:ext cx="808416" cy="141486"/>
-            </a:xfrm>
-            <a:custGeom>
-              <a:avLst/>
-              <a:gdLst/>
-              <a:ahLst/>
-              <a:cxnLst/>
-              <a:rect l="l" t="t" r="r" b="b"/>
-              <a:pathLst>
-                <a:path w="808416" h="141486">
-                  <a:moveTo>
-                    <a:pt x="70743" y="0"/>
-                  </a:moveTo>
-                  <a:lnTo>
-                    <a:pt x="737673" y="0"/>
-                  </a:lnTo>
-                  <a:cubicBezTo>
-                    <a:pt x="776743" y="0"/>
-                    <a:pt x="808416" y="31673"/>
-                    <a:pt x="808416" y="70743"/>
-                  </a:cubicBezTo>
-                  <a:lnTo>
-                    <a:pt x="808416" y="70743"/>
-                  </a:lnTo>
-                  <a:cubicBezTo>
-                    <a:pt x="808416" y="109813"/>
-                    <a:pt x="776743" y="141486"/>
-                    <a:pt x="737673" y="141486"/>
-                  </a:cubicBezTo>
-                  <a:lnTo>
-                    <a:pt x="70743" y="141486"/>
-                  </a:lnTo>
-                  <a:cubicBezTo>
-                    <a:pt x="31673" y="141486"/>
-                    <a:pt x="0" y="109813"/>
-                    <a:pt x="0" y="70743"/>
-                  </a:cubicBezTo>
-                  <a:lnTo>
-                    <a:pt x="0" y="70743"/>
-                  </a:lnTo>
-                  <a:cubicBezTo>
-                    <a:pt x="0" y="31673"/>
-                    <a:pt x="31673" y="0"/>
-                    <a:pt x="70743" y="0"/>
-                  </a:cubicBezTo>
-                  <a:close/>
-                </a:path>
-              </a:pathLst>
-            </a:custGeom>
-            <a:solidFill>
-              <a:srgbClr val="134E4A"/>
-            </a:solidFill>
-          </p:spPr>
-          <p:txBody>
-            <a:bodyPr/>
-            <a:lstStyle/>
-            <a:p>
-              <a:endParaRPr lang="en-BR"/>
-            </a:p>
-          </p:txBody>
-        </p:sp>
-        <p:sp>
-          <p:nvSpPr>
-            <p:cNvPr id="15" name="TextBox 15"/>
-            <p:cNvSpPr txBox="1"/>
-            <p:nvPr/>
-          </p:nvSpPr>
-          <p:spPr>
-            <a:xfrm>
-              <a:off x="0" y="-18185"/>
-              <a:ext cx="808416" cy="179586"/>
-            </a:xfrm>
-            <a:prstGeom prst="rect">
-              <a:avLst/>
-            </a:prstGeom>
-          </p:spPr>
-          <p:txBody>
-            <a:bodyPr lIns="50800" tIns="50800" rIns="50800" bIns="50800" rtlCol="0" anchor="ctr"/>
-            <a:lstStyle/>
-            <a:p>
-              <a:pPr algn="ctr">
-                <a:lnSpc>
-                  <a:spcPts val="2189"/>
-                </a:lnSpc>
-              </a:pPr>
-              <a:r>
-                <a:rPr lang="en-US" sz="1563" dirty="0">
-                  <a:solidFill>
-                    <a:srgbClr val="FFFFFF"/>
-                  </a:solidFill>
-                  <a:latin typeface="Poppins"/>
-                  <a:ea typeface="Poppins"/>
-                  <a:cs typeface="Poppins"/>
-                  <a:sym typeface="Poppins"/>
-                </a:rPr>
-                <a:t>DURANTE A INSTALAÇÃO</a:t>
-              </a:r>
-            </a:p>
-          </p:txBody>
-        </p:sp>
-      </p:grpSp>
-      <p:grpSp>
-        <p:nvGrpSpPr>
-          <p:cNvPr id="16" name="Group 16"/>
-          <p:cNvGrpSpPr/>
-          <p:nvPr/>
-        </p:nvGrpSpPr>
-        <p:grpSpPr>
-          <a:xfrm>
-            <a:off x="11627103" y="6267273"/>
-            <a:ext cx="3076580" cy="681866"/>
-            <a:chOff x="-2846" y="-19712"/>
-            <a:chExt cx="810293" cy="179586"/>
-          </a:xfrm>
-        </p:grpSpPr>
-        <p:sp>
-          <p:nvSpPr>
-            <p:cNvPr id="17" name="Freeform 17"/>
-            <p:cNvSpPr/>
-            <p:nvPr/>
-          </p:nvSpPr>
-          <p:spPr>
-            <a:xfrm>
-              <a:off x="0" y="0"/>
-              <a:ext cx="807447" cy="141486"/>
-            </a:xfrm>
-            <a:custGeom>
-              <a:avLst/>
-              <a:gdLst/>
-              <a:ahLst/>
-              <a:cxnLst/>
-              <a:rect l="l" t="t" r="r" b="b"/>
-              <a:pathLst>
-                <a:path w="807447" h="141486">
-                  <a:moveTo>
-                    <a:pt x="70743" y="0"/>
-                  </a:moveTo>
-                  <a:lnTo>
-                    <a:pt x="736704" y="0"/>
-                  </a:lnTo>
-                  <a:cubicBezTo>
-                    <a:pt x="775774" y="0"/>
-                    <a:pt x="807447" y="31673"/>
-                    <a:pt x="807447" y="70743"/>
-                  </a:cubicBezTo>
-                  <a:lnTo>
-                    <a:pt x="807447" y="70743"/>
-                  </a:lnTo>
-                  <a:cubicBezTo>
-                    <a:pt x="807447" y="89505"/>
-                    <a:pt x="799993" y="107499"/>
-                    <a:pt x="786726" y="120766"/>
-                  </a:cubicBezTo>
-                  <a:cubicBezTo>
-                    <a:pt x="773460" y="134033"/>
-                    <a:pt x="755466" y="141486"/>
-                    <a:pt x="736704" y="141486"/>
-                  </a:cubicBezTo>
-                  <a:lnTo>
-                    <a:pt x="70743" y="141486"/>
-                  </a:lnTo>
-                  <a:cubicBezTo>
-                    <a:pt x="31673" y="141486"/>
-                    <a:pt x="0" y="109813"/>
-                    <a:pt x="0" y="70743"/>
-                  </a:cubicBezTo>
-                  <a:lnTo>
-                    <a:pt x="0" y="70743"/>
-                  </a:lnTo>
-                  <a:cubicBezTo>
-                    <a:pt x="0" y="31673"/>
-                    <a:pt x="31673" y="0"/>
-                    <a:pt x="70743" y="0"/>
-                  </a:cubicBezTo>
-                  <a:close/>
-                </a:path>
-              </a:pathLst>
-            </a:custGeom>
-            <a:solidFill>
-              <a:srgbClr val="134E4A"/>
-            </a:solidFill>
-          </p:spPr>
-          <p:txBody>
-            <a:bodyPr/>
-            <a:lstStyle/>
-            <a:p>
-              <a:endParaRPr lang="en-BR"/>
-            </a:p>
-          </p:txBody>
-        </p:sp>
-        <p:sp>
-          <p:nvSpPr>
-            <p:cNvPr id="18" name="TextBox 18"/>
-            <p:cNvSpPr txBox="1"/>
-            <p:nvPr/>
-          </p:nvSpPr>
-          <p:spPr>
-            <a:xfrm>
-              <a:off x="-2846" y="-19712"/>
-              <a:ext cx="807447" cy="179586"/>
-            </a:xfrm>
-            <a:prstGeom prst="rect">
-              <a:avLst/>
-            </a:prstGeom>
-          </p:spPr>
-          <p:txBody>
-            <a:bodyPr lIns="50800" tIns="50800" rIns="50800" bIns="50800" rtlCol="0" anchor="ctr"/>
-            <a:lstStyle/>
-            <a:p>
-              <a:pPr algn="ctr">
-                <a:lnSpc>
-                  <a:spcPts val="2189"/>
-                </a:lnSpc>
-              </a:pPr>
-              <a:r>
-                <a:rPr lang="en-US" sz="1563" dirty="0">
-                  <a:solidFill>
-                    <a:srgbClr val="FFFFFF"/>
-                  </a:solidFill>
-                  <a:latin typeface="Poppins"/>
-                  <a:ea typeface="Poppins"/>
-                  <a:cs typeface="Poppins"/>
-                  <a:sym typeface="Poppins"/>
-                </a:rPr>
-                <a:t>APÓS A INSTALAÇÃO</a:t>
-              </a:r>
-            </a:p>
-          </p:txBody>
-        </p:sp>
-      </p:grpSp>
-      <p:sp>
-        <p:nvSpPr>
-          <p:cNvPr id="19" name="AutoShape 19"/>
+      <p:sp>
+        <p:nvSpPr>
+          <p:cNvPr id="21" name="TextBox 21"/>
+          <p:cNvSpPr txBox="1"/>
+          <p:nvPr/>
+        </p:nvSpPr>
+        <p:spPr>
+          <a:xfrm>
+            <a:off x="1028700" y="2060776"/>
+            <a:ext cx="7377977" cy="631455"/>
+          </a:xfrm>
+          <a:prstGeom prst="rect">
+            <a:avLst/>
+          </a:prstGeom>
+        </p:spPr>
+        <p:txBody>
+          <a:bodyPr lIns="0" tIns="0" rIns="0" bIns="0" rtlCol="0" anchor="t">
+            <a:spAutoFit/>
+          </a:bodyPr>
+          <a:lstStyle/>
+          <a:p>
+            <a:pPr algn="just">
+              <a:lnSpc>
+                <a:spcPts val="5129"/>
+              </a:lnSpc>
+            </a:pPr>
+            <a:r>
+              <a:rPr lang="en-US" sz="3663" dirty="0">
+                <a:solidFill>
+                  <a:srgbClr val="134E4A"/>
+                </a:solidFill>
+                <a:latin typeface="Poppins"/>
+                <a:ea typeface="Poppins"/>
+                <a:cs typeface="Poppins"/>
+                <a:sym typeface="Poppins"/>
+              </a:rPr>
+              <a:t>GARANTIAS:</a:t>
+            </a:r>
+          </a:p>
+        </p:txBody>
+      </p:sp>
+      <p:sp>
+        <p:nvSpPr>
+          <p:cNvPr id="22" name="TextBox 22"/>
+          <p:cNvSpPr txBox="1"/>
+          <p:nvPr/>
+        </p:nvSpPr>
+        <p:spPr>
+          <a:xfrm>
+            <a:off x="1133326" y="981075"/>
+            <a:ext cx="1566118" cy="300637"/>
+          </a:xfrm>
+          <a:prstGeom prst="rect">
+            <a:avLst/>
+          </a:prstGeom>
+        </p:spPr>
+        <p:txBody>
+          <a:bodyPr lIns="0" tIns="0" rIns="0" bIns="0" rtlCol="0" anchor="t">
+            <a:spAutoFit/>
+          </a:bodyPr>
+          <a:lstStyle/>
+          <a:p>
+            <a:pPr algn="just">
+              <a:lnSpc>
+                <a:spcPts val="2329"/>
+              </a:lnSpc>
+            </a:pPr>
+            <a:r>
+              <a:rPr lang="en-US" sz="1663">
+                <a:solidFill>
+                  <a:srgbClr val="134E4A"/>
+                </a:solidFill>
+                <a:latin typeface="Poppins"/>
+                <a:ea typeface="Poppins"/>
+                <a:cs typeface="Poppins"/>
+                <a:sym typeface="Poppins"/>
+              </a:rPr>
+              <a:t>PROJETO PARA </a:t>
+            </a:r>
+          </a:p>
+        </p:txBody>
+      </p:sp>
+      <p:sp>
+        <p:nvSpPr>
+          <p:cNvPr id="25" name="TextBox 25"/>
+          <p:cNvSpPr txBox="1"/>
+          <p:nvPr/>
+        </p:nvSpPr>
+        <p:spPr>
+          <a:xfrm>
+            <a:off x="8823231" y="5348307"/>
+            <a:ext cx="2583079" cy="274602"/>
+          </a:xfrm>
+          <a:prstGeom prst="rect">
+            <a:avLst/>
+          </a:prstGeom>
+        </p:spPr>
+        <p:txBody>
+          <a:bodyPr lIns="0" tIns="0" rIns="0" bIns="0" rtlCol="0" anchor="t">
+            <a:spAutoFit/>
+          </a:bodyPr>
+          <a:lstStyle/>
+          <a:p>
+            <a:pPr algn="l">
+              <a:lnSpc>
+                <a:spcPts val="2189"/>
+              </a:lnSpc>
+            </a:pPr>
+            <a:r>
+              <a:rPr lang="en-US" sz="1563">
+                <a:solidFill>
+                  <a:srgbClr val="7A7A7A"/>
+                </a:solidFill>
+                <a:latin typeface="Poppins"/>
+                <a:ea typeface="Poppins"/>
+                <a:cs typeface="Poppins"/>
+                <a:sym typeface="Poppins"/>
+              </a:rPr>
+              <a:t>1 ANO DE GARANTIA</a:t>
+            </a:r>
+          </a:p>
+        </p:txBody>
+      </p:sp>
+      <p:sp>
+        <p:nvSpPr>
+          <p:cNvPr id="26" name="TextBox 26"/>
+          <p:cNvSpPr txBox="1"/>
+          <p:nvPr/>
+        </p:nvSpPr>
+        <p:spPr>
+          <a:xfrm>
+            <a:off x="8823231" y="5985371"/>
+            <a:ext cx="4610534" cy="274602"/>
+          </a:xfrm>
+          <a:prstGeom prst="rect">
+            <a:avLst/>
+          </a:prstGeom>
+        </p:spPr>
+        <p:txBody>
+          <a:bodyPr lIns="0" tIns="0" rIns="0" bIns="0" rtlCol="0" anchor="t">
+            <a:spAutoFit/>
+          </a:bodyPr>
+          <a:lstStyle/>
+          <a:p>
+            <a:pPr algn="l">
+              <a:lnSpc>
+                <a:spcPts val="2189"/>
+              </a:lnSpc>
+            </a:pPr>
+            <a:r>
+              <a:rPr lang="en-US" sz="1563" dirty="0">
+                <a:solidFill>
+                  <a:srgbClr val="7A7A7A"/>
+                </a:solidFill>
+                <a:latin typeface="Poppins"/>
+                <a:ea typeface="Poppins"/>
+                <a:cs typeface="Poppins"/>
+                <a:sym typeface="Poppins"/>
+              </a:rPr>
+              <a:t>10 ANOS DE EQUIPAMENTO / 25 PERFORMANCE</a:t>
+            </a:r>
+          </a:p>
+        </p:txBody>
+      </p:sp>
+      <p:sp>
+        <p:nvSpPr>
+          <p:cNvPr id="27" name="TextBox 27"/>
+          <p:cNvSpPr txBox="1"/>
+          <p:nvPr/>
+        </p:nvSpPr>
+        <p:spPr>
+          <a:xfrm>
+            <a:off x="8823231" y="6659152"/>
+            <a:ext cx="2868437" cy="274602"/>
+          </a:xfrm>
+          <a:prstGeom prst="rect">
+            <a:avLst/>
+          </a:prstGeom>
+        </p:spPr>
+        <p:txBody>
+          <a:bodyPr lIns="0" tIns="0" rIns="0" bIns="0" rtlCol="0" anchor="t">
+            <a:spAutoFit/>
+          </a:bodyPr>
+          <a:lstStyle/>
+          <a:p>
+            <a:pPr algn="l">
+              <a:lnSpc>
+                <a:spcPts val="2189"/>
+              </a:lnSpc>
+            </a:pPr>
+            <a:r>
+              <a:rPr lang="en-US" sz="1563">
+                <a:solidFill>
+                  <a:srgbClr val="7A7A7A"/>
+                </a:solidFill>
+                <a:latin typeface="Poppins"/>
+                <a:ea typeface="Poppins"/>
+                <a:cs typeface="Poppins"/>
+                <a:sym typeface="Poppins"/>
+              </a:rPr>
+              <a:t>10 ANOS DE GARANTIA</a:t>
+            </a:r>
+          </a:p>
+        </p:txBody>
+      </p:sp>
+      <p:sp>
+        <p:nvSpPr>
+          <p:cNvPr id="32" name="AutoShape 32"/>
           <p:cNvSpPr/>
           <p:nvPr/>
         </p:nvSpPr>
         <p:spPr>
-          <a:xfrm>
-            <a:off x="8395386" y="6559890"/>
-            <a:ext cx="0" cy="2698410"/>
+          <a:xfrm flipV="1">
+            <a:off x="8682939" y="6488061"/>
+            <a:ext cx="4750826" cy="0"/>
           </a:xfrm>
           <a:prstGeom prst="line">
             <a:avLst/>
@@ -13942,907 +14346,13 @@
       </p:sp>
       <p:sp>
         <p:nvSpPr>
-          <p:cNvPr id="21" name="TextBox 21"/>
-          <p:cNvSpPr txBox="1"/>
-          <p:nvPr/>
-        </p:nvSpPr>
-        <p:spPr>
-          <a:xfrm>
-            <a:off x="1028700" y="2060776"/>
-            <a:ext cx="7377977" cy="659413"/>
-          </a:xfrm>
-          <a:prstGeom prst="rect">
-            <a:avLst/>
-          </a:prstGeom>
-        </p:spPr>
-        <p:txBody>
-          <a:bodyPr lIns="0" tIns="0" rIns="0" bIns="0" rtlCol="0" anchor="t">
-            <a:spAutoFit/>
-          </a:bodyPr>
-          <a:lstStyle/>
-          <a:p>
-            <a:pPr algn="just">
-              <a:lnSpc>
-                <a:spcPts val="5129"/>
-              </a:lnSpc>
-            </a:pPr>
-            <a:r>
-              <a:rPr lang="en-US" sz="3663">
-                <a:solidFill>
-                  <a:srgbClr val="134E4A"/>
-                </a:solidFill>
-                <a:latin typeface="Poppins"/>
-                <a:ea typeface="Poppins"/>
-                <a:cs typeface="Poppins"/>
-                <a:sym typeface="Poppins"/>
-              </a:rPr>
-              <a:t>GARANTIAS E SEGUROS:</a:t>
-            </a:r>
-          </a:p>
-        </p:txBody>
-      </p:sp>
-      <p:sp>
-        <p:nvSpPr>
-          <p:cNvPr id="22" name="TextBox 22"/>
-          <p:cNvSpPr txBox="1"/>
-          <p:nvPr/>
-        </p:nvSpPr>
-        <p:spPr>
-          <a:xfrm>
-            <a:off x="1133326" y="981075"/>
-            <a:ext cx="1566118" cy="300637"/>
-          </a:xfrm>
-          <a:prstGeom prst="rect">
-            <a:avLst/>
-          </a:prstGeom>
-        </p:spPr>
-        <p:txBody>
-          <a:bodyPr lIns="0" tIns="0" rIns="0" bIns="0" rtlCol="0" anchor="t">
-            <a:spAutoFit/>
-          </a:bodyPr>
-          <a:lstStyle/>
-          <a:p>
-            <a:pPr algn="just">
-              <a:lnSpc>
-                <a:spcPts val="2329"/>
-              </a:lnSpc>
-            </a:pPr>
-            <a:r>
-              <a:rPr lang="en-US" sz="1663">
-                <a:solidFill>
-                  <a:srgbClr val="134E4A"/>
-                </a:solidFill>
-                <a:latin typeface="Poppins"/>
-                <a:ea typeface="Poppins"/>
-                <a:cs typeface="Poppins"/>
-                <a:sym typeface="Poppins"/>
-              </a:rPr>
-              <a:t>PROJETO PARA </a:t>
-            </a:r>
-          </a:p>
-        </p:txBody>
-      </p:sp>
-      <p:sp>
-        <p:nvSpPr>
-          <p:cNvPr id="23" name="TextBox 23"/>
-          <p:cNvSpPr txBox="1"/>
-          <p:nvPr/>
-        </p:nvSpPr>
-        <p:spPr>
-          <a:xfrm>
-            <a:off x="4233143" y="5641918"/>
-            <a:ext cx="4821126" cy="435257"/>
-          </a:xfrm>
-          <a:prstGeom prst="rect">
-            <a:avLst/>
-          </a:prstGeom>
-        </p:spPr>
-        <p:txBody>
-          <a:bodyPr lIns="0" tIns="0" rIns="0" bIns="0" rtlCol="0" anchor="t">
-            <a:spAutoFit/>
-          </a:bodyPr>
-          <a:lstStyle/>
-          <a:p>
-            <a:pPr algn="l">
-              <a:lnSpc>
-                <a:spcPts val="3309"/>
-              </a:lnSpc>
-            </a:pPr>
-            <a:r>
-              <a:rPr lang="en-US" sz="2363">
-                <a:solidFill>
-                  <a:srgbClr val="134E4A"/>
-                </a:solidFill>
-                <a:latin typeface="Poppins"/>
-                <a:ea typeface="Poppins"/>
-                <a:cs typeface="Poppins"/>
-                <a:sym typeface="Poppins"/>
-              </a:rPr>
-              <a:t>SEGURO SOLAR INCLUSO 1 ANO</a:t>
-            </a:r>
-          </a:p>
-        </p:txBody>
-      </p:sp>
-      <p:sp>
-        <p:nvSpPr>
-          <p:cNvPr id="24" name="TextBox 24"/>
-          <p:cNvSpPr txBox="1"/>
-          <p:nvPr/>
-        </p:nvSpPr>
-        <p:spPr>
-          <a:xfrm>
-            <a:off x="2699445" y="7050123"/>
-            <a:ext cx="2250022" cy="2208177"/>
-          </a:xfrm>
-          <a:prstGeom prst="rect">
-            <a:avLst/>
-          </a:prstGeom>
-        </p:spPr>
-        <p:txBody>
-          <a:bodyPr lIns="0" tIns="0" rIns="0" bIns="0" rtlCol="0" anchor="t">
-            <a:spAutoFit/>
-          </a:bodyPr>
-          <a:lstStyle/>
-          <a:p>
-            <a:pPr marL="337648" lvl="1" indent="-168824" algn="l">
-              <a:lnSpc>
-                <a:spcPts val="2189"/>
-              </a:lnSpc>
-              <a:buFont typeface="Arial"/>
-              <a:buChar char="•"/>
-            </a:pPr>
-            <a:r>
-              <a:rPr lang="en-US" sz="1563">
-                <a:solidFill>
-                  <a:srgbClr val="7A7A7A"/>
-                </a:solidFill>
-                <a:latin typeface="Poppins"/>
-                <a:ea typeface="Poppins"/>
-                <a:cs typeface="Poppins"/>
-                <a:sym typeface="Poppins"/>
-              </a:rPr>
-              <a:t>TOMBAMENTO DE PALLETS</a:t>
-            </a:r>
-          </a:p>
-          <a:p>
-            <a:pPr marL="337648" lvl="1" indent="-168824" algn="l">
-              <a:lnSpc>
-                <a:spcPts val="2189"/>
-              </a:lnSpc>
-              <a:buFont typeface="Arial"/>
-              <a:buChar char="•"/>
-            </a:pPr>
-            <a:r>
-              <a:rPr lang="en-US" sz="1563">
-                <a:solidFill>
-                  <a:srgbClr val="7A7A7A"/>
-                </a:solidFill>
-                <a:latin typeface="Poppins"/>
-                <a:ea typeface="Poppins"/>
-                <a:cs typeface="Poppins"/>
-                <a:sym typeface="Poppins"/>
-              </a:rPr>
-              <a:t>QUEDA</a:t>
-            </a:r>
-          </a:p>
-          <a:p>
-            <a:pPr marL="337648" lvl="1" indent="-168824" algn="l">
-              <a:lnSpc>
-                <a:spcPts val="2189"/>
-              </a:lnSpc>
-              <a:buFont typeface="Arial"/>
-              <a:buChar char="•"/>
-            </a:pPr>
-            <a:r>
-              <a:rPr lang="en-US" sz="1563">
-                <a:solidFill>
-                  <a:srgbClr val="7A7A7A"/>
-                </a:solidFill>
-                <a:latin typeface="Poppins"/>
-                <a:ea typeface="Poppins"/>
-                <a:cs typeface="Poppins"/>
-                <a:sym typeface="Poppins"/>
-              </a:rPr>
-              <a:t>ROUBO</a:t>
-            </a:r>
-          </a:p>
-          <a:p>
-            <a:pPr marL="337648" lvl="1" indent="-168824" algn="l">
-              <a:lnSpc>
-                <a:spcPts val="2189"/>
-              </a:lnSpc>
-              <a:buFont typeface="Arial"/>
-              <a:buChar char="•"/>
-            </a:pPr>
-            <a:r>
-              <a:rPr lang="en-US" sz="1563">
-                <a:solidFill>
-                  <a:srgbClr val="7A7A7A"/>
-                </a:solidFill>
-                <a:latin typeface="Poppins"/>
-                <a:ea typeface="Poppins"/>
-                <a:cs typeface="Poppins"/>
-                <a:sym typeface="Poppins"/>
-              </a:rPr>
-              <a:t>FURTO QUALIFICADO</a:t>
-            </a:r>
-          </a:p>
-          <a:p>
-            <a:pPr marL="337648" lvl="1" indent="-168824" algn="l">
-              <a:lnSpc>
-                <a:spcPts val="2189"/>
-              </a:lnSpc>
-              <a:buFont typeface="Arial"/>
-              <a:buChar char="•"/>
-            </a:pPr>
-            <a:r>
-              <a:rPr lang="en-US" sz="1563">
-                <a:solidFill>
-                  <a:srgbClr val="7A7A7A"/>
-                </a:solidFill>
-                <a:latin typeface="Poppins"/>
-                <a:ea typeface="Poppins"/>
-                <a:cs typeface="Poppins"/>
-                <a:sym typeface="Poppins"/>
-              </a:rPr>
-              <a:t>VENDAVAL</a:t>
-            </a:r>
-          </a:p>
-          <a:p>
-            <a:pPr marL="337648" lvl="1" indent="-168824" algn="l">
-              <a:lnSpc>
-                <a:spcPts val="2189"/>
-              </a:lnSpc>
-              <a:buFont typeface="Arial"/>
-              <a:buChar char="•"/>
-            </a:pPr>
-            <a:r>
-              <a:rPr lang="en-US" sz="1563">
-                <a:solidFill>
-                  <a:srgbClr val="7A7A7A"/>
-                </a:solidFill>
-                <a:latin typeface="Poppins"/>
-                <a:ea typeface="Poppins"/>
-                <a:cs typeface="Poppins"/>
-                <a:sym typeface="Poppins"/>
-              </a:rPr>
-              <a:t>ALAGAMENTO</a:t>
-            </a:r>
-          </a:p>
-        </p:txBody>
-      </p:sp>
-      <p:sp>
-        <p:nvSpPr>
-          <p:cNvPr id="25" name="TextBox 25"/>
-          <p:cNvSpPr txBox="1"/>
-          <p:nvPr/>
-        </p:nvSpPr>
-        <p:spPr>
-          <a:xfrm>
-            <a:off x="8737456" y="3348480"/>
-            <a:ext cx="2583079" cy="274602"/>
-          </a:xfrm>
-          <a:prstGeom prst="rect">
-            <a:avLst/>
-          </a:prstGeom>
-        </p:spPr>
-        <p:txBody>
-          <a:bodyPr lIns="0" tIns="0" rIns="0" bIns="0" rtlCol="0" anchor="t">
-            <a:spAutoFit/>
-          </a:bodyPr>
-          <a:lstStyle/>
-          <a:p>
-            <a:pPr algn="l">
-              <a:lnSpc>
-                <a:spcPts val="2189"/>
-              </a:lnSpc>
-            </a:pPr>
-            <a:r>
-              <a:rPr lang="en-US" sz="1563">
-                <a:solidFill>
-                  <a:srgbClr val="7A7A7A"/>
-                </a:solidFill>
-                <a:latin typeface="Poppins"/>
-                <a:ea typeface="Poppins"/>
-                <a:cs typeface="Poppins"/>
-                <a:sym typeface="Poppins"/>
-              </a:rPr>
-              <a:t>1 ANO DE GARANTIA</a:t>
-            </a:r>
-          </a:p>
-        </p:txBody>
-      </p:sp>
-      <p:sp>
-        <p:nvSpPr>
-          <p:cNvPr id="26" name="TextBox 26"/>
-          <p:cNvSpPr txBox="1"/>
-          <p:nvPr/>
-        </p:nvSpPr>
-        <p:spPr>
-          <a:xfrm>
-            <a:off x="8737456" y="3985544"/>
-            <a:ext cx="4610534" cy="274602"/>
-          </a:xfrm>
-          <a:prstGeom prst="rect">
-            <a:avLst/>
-          </a:prstGeom>
-        </p:spPr>
-        <p:txBody>
-          <a:bodyPr lIns="0" tIns="0" rIns="0" bIns="0" rtlCol="0" anchor="t">
-            <a:spAutoFit/>
-          </a:bodyPr>
-          <a:lstStyle/>
-          <a:p>
-            <a:pPr algn="l">
-              <a:lnSpc>
-                <a:spcPts val="2189"/>
-              </a:lnSpc>
-            </a:pPr>
-            <a:r>
-              <a:rPr lang="en-US" sz="1563">
-                <a:solidFill>
-                  <a:srgbClr val="7A7A7A"/>
-                </a:solidFill>
-                <a:latin typeface="Poppins"/>
-                <a:ea typeface="Poppins"/>
-                <a:cs typeface="Poppins"/>
-                <a:sym typeface="Poppins"/>
-              </a:rPr>
-              <a:t>10 ANOS DE EQUIPAMENTO / 25 PERFORMANCE</a:t>
-            </a:r>
-          </a:p>
-        </p:txBody>
-      </p:sp>
-      <p:sp>
-        <p:nvSpPr>
-          <p:cNvPr id="27" name="TextBox 27"/>
-          <p:cNvSpPr txBox="1"/>
-          <p:nvPr/>
-        </p:nvSpPr>
-        <p:spPr>
-          <a:xfrm>
-            <a:off x="8737456" y="4659325"/>
-            <a:ext cx="2868437" cy="274602"/>
-          </a:xfrm>
-          <a:prstGeom prst="rect">
-            <a:avLst/>
-          </a:prstGeom>
-        </p:spPr>
-        <p:txBody>
-          <a:bodyPr lIns="0" tIns="0" rIns="0" bIns="0" rtlCol="0" anchor="t">
-            <a:spAutoFit/>
-          </a:bodyPr>
-          <a:lstStyle/>
-          <a:p>
-            <a:pPr algn="l">
-              <a:lnSpc>
-                <a:spcPts val="2189"/>
-              </a:lnSpc>
-            </a:pPr>
-            <a:r>
-              <a:rPr lang="en-US" sz="1563">
-                <a:solidFill>
-                  <a:srgbClr val="7A7A7A"/>
-                </a:solidFill>
-                <a:latin typeface="Poppins"/>
-                <a:ea typeface="Poppins"/>
-                <a:cs typeface="Poppins"/>
-                <a:sym typeface="Poppins"/>
-              </a:rPr>
-              <a:t>10 ANOS DE GARANTIA</a:t>
-            </a:r>
-          </a:p>
-        </p:txBody>
-      </p:sp>
-      <p:sp>
-        <p:nvSpPr>
-          <p:cNvPr id="28" name="TextBox 28"/>
-          <p:cNvSpPr txBox="1"/>
-          <p:nvPr/>
-        </p:nvSpPr>
-        <p:spPr>
-          <a:xfrm>
-            <a:off x="4949466" y="7050123"/>
-            <a:ext cx="2250022" cy="1931952"/>
-          </a:xfrm>
-          <a:prstGeom prst="rect">
-            <a:avLst/>
-          </a:prstGeom>
-        </p:spPr>
-        <p:txBody>
-          <a:bodyPr lIns="0" tIns="0" rIns="0" bIns="0" rtlCol="0" anchor="t">
-            <a:spAutoFit/>
-          </a:bodyPr>
-          <a:lstStyle/>
-          <a:p>
-            <a:pPr marL="337648" lvl="1" indent="-168824" algn="l">
-              <a:lnSpc>
-                <a:spcPts val="2189"/>
-              </a:lnSpc>
-              <a:buFont typeface="Arial"/>
-              <a:buChar char="•"/>
-            </a:pPr>
-            <a:r>
-              <a:rPr lang="en-US" sz="1563">
-                <a:solidFill>
-                  <a:srgbClr val="7A7A7A"/>
-                </a:solidFill>
-                <a:latin typeface="Poppins"/>
-                <a:ea typeface="Poppins"/>
-                <a:cs typeface="Poppins"/>
-                <a:sym typeface="Poppins"/>
-              </a:rPr>
-              <a:t>INCÊNDIO</a:t>
-            </a:r>
-          </a:p>
-          <a:p>
-            <a:pPr marL="337648" lvl="1" indent="-168824" algn="l">
-              <a:lnSpc>
-                <a:spcPts val="2189"/>
-              </a:lnSpc>
-              <a:buFont typeface="Arial"/>
-              <a:buChar char="•"/>
-            </a:pPr>
-            <a:r>
-              <a:rPr lang="en-US" sz="1563">
-                <a:solidFill>
-                  <a:srgbClr val="7A7A7A"/>
-                </a:solidFill>
-                <a:latin typeface="Poppins"/>
-                <a:ea typeface="Poppins"/>
-                <a:cs typeface="Poppins"/>
-                <a:sym typeface="Poppins"/>
-              </a:rPr>
-              <a:t>GRANIZO</a:t>
-            </a:r>
-          </a:p>
-          <a:p>
-            <a:pPr marL="337648" lvl="1" indent="-168824" algn="l">
-              <a:lnSpc>
-                <a:spcPts val="2189"/>
-              </a:lnSpc>
-              <a:buFont typeface="Arial"/>
-              <a:buChar char="•"/>
-            </a:pPr>
-            <a:r>
-              <a:rPr lang="en-US" sz="1563">
-                <a:solidFill>
-                  <a:srgbClr val="7A7A7A"/>
-                </a:solidFill>
-                <a:latin typeface="Poppins"/>
-                <a:ea typeface="Poppins"/>
-                <a:cs typeface="Poppins"/>
-                <a:sym typeface="Poppins"/>
-              </a:rPr>
-              <a:t>DANOS NO COMISIONAMENTO E DURANTE IÇAMENTO</a:t>
-            </a:r>
-          </a:p>
-          <a:p>
-            <a:pPr marL="337648" lvl="1" indent="-168824" algn="l">
-              <a:lnSpc>
-                <a:spcPts val="2189"/>
-              </a:lnSpc>
-              <a:buFont typeface="Arial"/>
-              <a:buChar char="•"/>
-            </a:pPr>
-            <a:r>
-              <a:rPr lang="en-US" sz="1563">
-                <a:solidFill>
-                  <a:srgbClr val="7A7A7A"/>
-                </a:solidFill>
-                <a:latin typeface="Poppins"/>
-                <a:ea typeface="Poppins"/>
-                <a:cs typeface="Poppins"/>
-                <a:sym typeface="Poppins"/>
-              </a:rPr>
-              <a:t>OUTROS...</a:t>
-            </a:r>
-          </a:p>
-        </p:txBody>
-      </p:sp>
-      <p:sp>
-        <p:nvSpPr>
-          <p:cNvPr id="29" name="TextBox 29"/>
-          <p:cNvSpPr txBox="1"/>
-          <p:nvPr/>
-        </p:nvSpPr>
-        <p:spPr>
-          <a:xfrm>
-            <a:off x="10013388" y="7018956"/>
-            <a:ext cx="2216237" cy="2208177"/>
-          </a:xfrm>
-          <a:prstGeom prst="rect">
-            <a:avLst/>
-          </a:prstGeom>
-        </p:spPr>
-        <p:txBody>
-          <a:bodyPr lIns="0" tIns="0" rIns="0" bIns="0" rtlCol="0" anchor="t">
-            <a:spAutoFit/>
-          </a:bodyPr>
-          <a:lstStyle/>
-          <a:p>
-            <a:pPr marL="337648" lvl="1" indent="-168824" algn="l">
-              <a:lnSpc>
-                <a:spcPts val="2189"/>
-              </a:lnSpc>
-              <a:buFont typeface="Arial"/>
-              <a:buChar char="•"/>
-            </a:pPr>
-            <a:r>
-              <a:rPr lang="en-US" sz="1563">
-                <a:solidFill>
-                  <a:srgbClr val="7A7A7A"/>
-                </a:solidFill>
-                <a:latin typeface="Poppins"/>
-                <a:ea typeface="Poppins"/>
-                <a:cs typeface="Poppins"/>
-                <a:sym typeface="Poppins"/>
-              </a:rPr>
-              <a:t>QUEDA DE RAIOS</a:t>
-            </a:r>
-          </a:p>
-          <a:p>
-            <a:pPr marL="337648" lvl="1" indent="-168824" algn="l">
-              <a:lnSpc>
-                <a:spcPts val="2189"/>
-              </a:lnSpc>
-              <a:buFont typeface="Arial"/>
-              <a:buChar char="•"/>
-            </a:pPr>
-            <a:r>
-              <a:rPr lang="en-US" sz="1563">
-                <a:solidFill>
-                  <a:srgbClr val="7A7A7A"/>
-                </a:solidFill>
-                <a:latin typeface="Poppins"/>
-                <a:ea typeface="Poppins"/>
-                <a:cs typeface="Poppins"/>
-                <a:sym typeface="Poppins"/>
-              </a:rPr>
-              <a:t>EXPLOSÃO</a:t>
-            </a:r>
-          </a:p>
-          <a:p>
-            <a:pPr marL="337648" lvl="1" indent="-168824" algn="l">
-              <a:lnSpc>
-                <a:spcPts val="2189"/>
-              </a:lnSpc>
-              <a:buFont typeface="Arial"/>
-              <a:buChar char="•"/>
-            </a:pPr>
-            <a:r>
-              <a:rPr lang="en-US" sz="1563">
-                <a:solidFill>
-                  <a:srgbClr val="7A7A7A"/>
-                </a:solidFill>
-                <a:latin typeface="Poppins"/>
-                <a:ea typeface="Poppins"/>
-                <a:cs typeface="Poppins"/>
-                <a:sym typeface="Poppins"/>
-              </a:rPr>
-              <a:t>INCÊNDIOS</a:t>
-            </a:r>
-          </a:p>
-          <a:p>
-            <a:pPr marL="337648" lvl="1" indent="-168824" algn="l">
-              <a:lnSpc>
-                <a:spcPts val="2189"/>
-              </a:lnSpc>
-              <a:buFont typeface="Arial"/>
-              <a:buChar char="•"/>
-            </a:pPr>
-            <a:r>
-              <a:rPr lang="en-US" sz="1563">
-                <a:solidFill>
-                  <a:srgbClr val="7A7A7A"/>
-                </a:solidFill>
-                <a:latin typeface="Poppins"/>
-                <a:ea typeface="Poppins"/>
-                <a:cs typeface="Poppins"/>
-                <a:sym typeface="Poppins"/>
-              </a:rPr>
-              <a:t>VENDAVAL</a:t>
-            </a:r>
-          </a:p>
-          <a:p>
-            <a:pPr marL="337648" lvl="1" indent="-168824" algn="l">
-              <a:lnSpc>
-                <a:spcPts val="2189"/>
-              </a:lnSpc>
-              <a:buFont typeface="Arial"/>
-              <a:buChar char="•"/>
-            </a:pPr>
-            <a:r>
-              <a:rPr lang="en-US" sz="1563">
-                <a:solidFill>
-                  <a:srgbClr val="7A7A7A"/>
-                </a:solidFill>
-                <a:latin typeface="Poppins"/>
-                <a:ea typeface="Poppins"/>
-                <a:cs typeface="Poppins"/>
-                <a:sym typeface="Poppins"/>
-              </a:rPr>
-              <a:t>GRANIZO</a:t>
-            </a:r>
-          </a:p>
-          <a:p>
-            <a:pPr marL="337648" lvl="1" indent="-168824" algn="l">
-              <a:lnSpc>
-                <a:spcPts val="2189"/>
-              </a:lnSpc>
-              <a:buFont typeface="Arial"/>
-              <a:buChar char="•"/>
-            </a:pPr>
-            <a:r>
-              <a:rPr lang="en-US" sz="1563">
-                <a:solidFill>
-                  <a:srgbClr val="7A7A7A"/>
-                </a:solidFill>
-                <a:latin typeface="Poppins"/>
-                <a:ea typeface="Poppins"/>
-                <a:cs typeface="Poppins"/>
-                <a:sym typeface="Poppins"/>
-              </a:rPr>
-              <a:t>IMPACTO DE VEÍCULOS</a:t>
-            </a:r>
-          </a:p>
-          <a:p>
-            <a:pPr marL="337648" lvl="1" indent="-168824" algn="l">
-              <a:lnSpc>
-                <a:spcPts val="2189"/>
-              </a:lnSpc>
-              <a:buFont typeface="Arial"/>
-              <a:buChar char="•"/>
-            </a:pPr>
-            <a:r>
-              <a:rPr lang="en-US" sz="1563">
-                <a:solidFill>
-                  <a:srgbClr val="7A7A7A"/>
-                </a:solidFill>
-                <a:latin typeface="Poppins"/>
-                <a:ea typeface="Poppins"/>
-                <a:cs typeface="Poppins"/>
-                <a:sym typeface="Poppins"/>
-              </a:rPr>
-              <a:t>INUNDAÇÃO</a:t>
-            </a:r>
-          </a:p>
-        </p:txBody>
-      </p:sp>
-      <p:sp>
-        <p:nvSpPr>
-          <p:cNvPr id="30" name="TextBox 30"/>
-          <p:cNvSpPr txBox="1"/>
-          <p:nvPr/>
-        </p:nvSpPr>
-        <p:spPr>
-          <a:xfrm>
-            <a:off x="12229625" y="7018956"/>
-            <a:ext cx="1882343" cy="2208177"/>
-          </a:xfrm>
-          <a:prstGeom prst="rect">
-            <a:avLst/>
-          </a:prstGeom>
-        </p:spPr>
-        <p:txBody>
-          <a:bodyPr lIns="0" tIns="0" rIns="0" bIns="0" rtlCol="0" anchor="t">
-            <a:spAutoFit/>
-          </a:bodyPr>
-          <a:lstStyle/>
-          <a:p>
-            <a:pPr marL="337648" lvl="1" indent="-168824" algn="l">
-              <a:lnSpc>
-                <a:spcPts val="2189"/>
-              </a:lnSpc>
-              <a:buFont typeface="Arial"/>
-              <a:buChar char="•"/>
-            </a:pPr>
-            <a:r>
-              <a:rPr lang="en-US" sz="1563">
-                <a:solidFill>
-                  <a:srgbClr val="7A7A7A"/>
-                </a:solidFill>
-                <a:latin typeface="Poppins"/>
-                <a:ea typeface="Poppins"/>
-                <a:cs typeface="Poppins"/>
-                <a:sym typeface="Poppins"/>
-              </a:rPr>
-              <a:t>FURACÃO</a:t>
-            </a:r>
-          </a:p>
-          <a:p>
-            <a:pPr marL="337648" lvl="1" indent="-168824" algn="l">
-              <a:lnSpc>
-                <a:spcPts val="2189"/>
-              </a:lnSpc>
-              <a:buFont typeface="Arial"/>
-              <a:buChar char="•"/>
-            </a:pPr>
-            <a:r>
-              <a:rPr lang="en-US" sz="1563">
-                <a:solidFill>
-                  <a:srgbClr val="7A7A7A"/>
-                </a:solidFill>
-                <a:latin typeface="Poppins"/>
-                <a:ea typeface="Poppins"/>
-                <a:cs typeface="Poppins"/>
-                <a:sym typeface="Poppins"/>
-              </a:rPr>
-              <a:t>CICLONE</a:t>
-            </a:r>
-          </a:p>
-          <a:p>
-            <a:pPr marL="337648" lvl="1" indent="-168824" algn="l">
-              <a:lnSpc>
-                <a:spcPts val="2189"/>
-              </a:lnSpc>
-              <a:buFont typeface="Arial"/>
-              <a:buChar char="•"/>
-            </a:pPr>
-            <a:r>
-              <a:rPr lang="en-US" sz="1563">
-                <a:solidFill>
-                  <a:srgbClr val="7A7A7A"/>
-                </a:solidFill>
-                <a:latin typeface="Poppins"/>
-                <a:ea typeface="Poppins"/>
-                <a:cs typeface="Poppins"/>
-                <a:sym typeface="Poppins"/>
-              </a:rPr>
-              <a:t>ALAGAMENTO</a:t>
-            </a:r>
-          </a:p>
-          <a:p>
-            <a:pPr marL="337648" lvl="1" indent="-168824" algn="l">
-              <a:lnSpc>
-                <a:spcPts val="2189"/>
-              </a:lnSpc>
-              <a:buFont typeface="Arial"/>
-              <a:buChar char="•"/>
-            </a:pPr>
-            <a:r>
-              <a:rPr lang="en-US" sz="1563">
-                <a:solidFill>
-                  <a:srgbClr val="7A7A7A"/>
-                </a:solidFill>
-                <a:latin typeface="Poppins"/>
-                <a:ea typeface="Poppins"/>
-                <a:cs typeface="Poppins"/>
-                <a:sym typeface="Poppins"/>
-              </a:rPr>
-              <a:t>ROUBO</a:t>
-            </a:r>
-          </a:p>
-          <a:p>
-            <a:pPr marL="337648" lvl="1" indent="-168824" algn="l">
-              <a:lnSpc>
-                <a:spcPts val="2189"/>
-              </a:lnSpc>
-              <a:buFont typeface="Arial"/>
-              <a:buChar char="•"/>
-            </a:pPr>
-            <a:r>
-              <a:rPr lang="en-US" sz="1563">
-                <a:solidFill>
-                  <a:srgbClr val="7A7A7A"/>
-                </a:solidFill>
-                <a:latin typeface="Poppins"/>
-                <a:ea typeface="Poppins"/>
-                <a:cs typeface="Poppins"/>
-                <a:sym typeface="Poppins"/>
-              </a:rPr>
-              <a:t>FURTO QUALIFICADO</a:t>
-            </a:r>
-          </a:p>
-          <a:p>
-            <a:pPr marL="337648" lvl="1" indent="-168824" algn="l">
-              <a:lnSpc>
-                <a:spcPts val="2189"/>
-              </a:lnSpc>
-              <a:buFont typeface="Arial"/>
-              <a:buChar char="•"/>
-            </a:pPr>
-            <a:r>
-              <a:rPr lang="en-US" sz="1563">
-                <a:solidFill>
-                  <a:srgbClr val="7A7A7A"/>
-                </a:solidFill>
-                <a:latin typeface="Poppins"/>
-                <a:ea typeface="Poppins"/>
-                <a:cs typeface="Poppins"/>
-                <a:sym typeface="Poppins"/>
-              </a:rPr>
-              <a:t>DANOS ELÉTRICOS</a:t>
-            </a:r>
-          </a:p>
-        </p:txBody>
-      </p:sp>
-      <p:sp>
-        <p:nvSpPr>
-          <p:cNvPr id="31" name="TextBox 31"/>
-          <p:cNvSpPr txBox="1"/>
-          <p:nvPr/>
-        </p:nvSpPr>
-        <p:spPr>
-          <a:xfrm>
-            <a:off x="13762511" y="7018956"/>
-            <a:ext cx="2133749" cy="274602"/>
-          </a:xfrm>
-          <a:prstGeom prst="rect">
-            <a:avLst/>
-          </a:prstGeom>
-        </p:spPr>
-        <p:txBody>
-          <a:bodyPr lIns="0" tIns="0" rIns="0" bIns="0" rtlCol="0" anchor="t">
-            <a:spAutoFit/>
-          </a:bodyPr>
-          <a:lstStyle/>
-          <a:p>
-            <a:pPr marL="337648" lvl="1" indent="-168824" algn="l">
-              <a:lnSpc>
-                <a:spcPts val="2189"/>
-              </a:lnSpc>
-              <a:spcBef>
-                <a:spcPct val="0"/>
-              </a:spcBef>
-              <a:buFont typeface="Arial"/>
-              <a:buChar char="•"/>
-            </a:pPr>
-            <a:r>
-              <a:rPr lang="en-US" sz="1563" u="none" strike="noStrike">
-                <a:solidFill>
-                  <a:srgbClr val="7A7A7A"/>
-                </a:solidFill>
-                <a:latin typeface="Poppins"/>
-                <a:ea typeface="Poppins"/>
-                <a:cs typeface="Poppins"/>
-                <a:sym typeface="Poppins"/>
-              </a:rPr>
-              <a:t>DESPESAS EXTRAS*</a:t>
-            </a:r>
-          </a:p>
-        </p:txBody>
-      </p:sp>
-      <p:sp>
-        <p:nvSpPr>
-          <p:cNvPr id="32" name="AutoShape 32"/>
-          <p:cNvSpPr/>
-          <p:nvPr/>
-        </p:nvSpPr>
-        <p:spPr>
-          <a:xfrm flipV="1">
-            <a:off x="8597164" y="4488234"/>
-            <a:ext cx="4750826" cy="0"/>
-          </a:xfrm>
-          <a:prstGeom prst="line">
-            <a:avLst/>
-          </a:prstGeom>
-          <a:ln w="9525" cap="flat">
-            <a:solidFill>
-              <a:srgbClr val="134E4A"/>
-            </a:solidFill>
-            <a:prstDash val="solid"/>
-            <a:headEnd type="none" w="sm" len="sm"/>
-            <a:tailEnd type="none" w="sm" len="sm"/>
-          </a:ln>
-        </p:spPr>
-        <p:txBody>
-          <a:bodyPr/>
-          <a:lstStyle/>
-          <a:p>
-            <a:endParaRPr lang="en-BR"/>
-          </a:p>
-        </p:txBody>
-      </p:sp>
-      <p:sp>
-        <p:nvSpPr>
           <p:cNvPr id="33" name="AutoShape 33"/>
           <p:cNvSpPr/>
           <p:nvPr/>
         </p:nvSpPr>
         <p:spPr>
           <a:xfrm flipV="1">
-            <a:off x="8597164" y="3795556"/>
+            <a:off x="8682939" y="5795383"/>
             <a:ext cx="4750826" cy="0"/>
           </a:xfrm>
           <a:prstGeom prst="line">

--- a/templates/modelo.pptx
+++ b/templates/modelo.pptx
@@ -335,7 +335,7 @@
             <a:fld id="{1D8BD707-D9CF-40AE-B4C6-C98DA3205C09}" type="datetimeFigureOut">
               <a:rPr lang="en-US" smtClean="0"/>
               <a:pPr/>
-              <a:t>8/2/25</a:t>
+              <a:t>8/12/25</a:t>
             </a:fld>
             <a:endParaRPr lang="en-US"/>
           </a:p>
@@ -500,7 +500,7 @@
             <a:fld id="{1D8BD707-D9CF-40AE-B4C6-C98DA3205C09}" type="datetimeFigureOut">
               <a:rPr lang="en-US" smtClean="0"/>
               <a:pPr/>
-              <a:t>8/2/25</a:t>
+              <a:t>8/12/25</a:t>
             </a:fld>
             <a:endParaRPr lang="en-US"/>
           </a:p>
@@ -675,7 +675,7 @@
             <a:fld id="{1D8BD707-D9CF-40AE-B4C6-C98DA3205C09}" type="datetimeFigureOut">
               <a:rPr lang="en-US" smtClean="0"/>
               <a:pPr/>
-              <a:t>8/2/25</a:t>
+              <a:t>8/12/25</a:t>
             </a:fld>
             <a:endParaRPr lang="en-US"/>
           </a:p>
@@ -840,7 +840,7 @@
             <a:fld id="{1D8BD707-D9CF-40AE-B4C6-C98DA3205C09}" type="datetimeFigureOut">
               <a:rPr lang="en-US" smtClean="0"/>
               <a:pPr/>
-              <a:t>8/2/25</a:t>
+              <a:t>8/12/25</a:t>
             </a:fld>
             <a:endParaRPr lang="en-US"/>
           </a:p>
@@ -1082,7 +1082,7 @@
             <a:fld id="{1D8BD707-D9CF-40AE-B4C6-C98DA3205C09}" type="datetimeFigureOut">
               <a:rPr lang="en-US" smtClean="0"/>
               <a:pPr/>
-              <a:t>8/2/25</a:t>
+              <a:t>8/12/25</a:t>
             </a:fld>
             <a:endParaRPr lang="en-US"/>
           </a:p>
@@ -1364,7 +1364,7 @@
             <a:fld id="{1D8BD707-D9CF-40AE-B4C6-C98DA3205C09}" type="datetimeFigureOut">
               <a:rPr lang="en-US" smtClean="0"/>
               <a:pPr/>
-              <a:t>8/2/25</a:t>
+              <a:t>8/12/25</a:t>
             </a:fld>
             <a:endParaRPr lang="en-US"/>
           </a:p>
@@ -1780,7 +1780,7 @@
             <a:fld id="{1D8BD707-D9CF-40AE-B4C6-C98DA3205C09}" type="datetimeFigureOut">
               <a:rPr lang="en-US" smtClean="0"/>
               <a:pPr/>
-              <a:t>8/2/25</a:t>
+              <a:t>8/12/25</a:t>
             </a:fld>
             <a:endParaRPr lang="en-US"/>
           </a:p>
@@ -1894,7 +1894,7 @@
             <a:fld id="{1D8BD707-D9CF-40AE-B4C6-C98DA3205C09}" type="datetimeFigureOut">
               <a:rPr lang="en-US" smtClean="0"/>
               <a:pPr/>
-              <a:t>8/2/25</a:t>
+              <a:t>8/12/25</a:t>
             </a:fld>
             <a:endParaRPr lang="en-US"/>
           </a:p>
@@ -1986,7 +1986,7 @@
             <a:fld id="{1D8BD707-D9CF-40AE-B4C6-C98DA3205C09}" type="datetimeFigureOut">
               <a:rPr lang="en-US" smtClean="0"/>
               <a:pPr/>
-              <a:t>8/2/25</a:t>
+              <a:t>8/12/25</a:t>
             </a:fld>
             <a:endParaRPr lang="en-US"/>
           </a:p>
@@ -2258,7 +2258,7 @@
             <a:fld id="{1D8BD707-D9CF-40AE-B4C6-C98DA3205C09}" type="datetimeFigureOut">
               <a:rPr lang="en-US" smtClean="0"/>
               <a:pPr/>
-              <a:t>8/2/25</a:t>
+              <a:t>8/12/25</a:t>
             </a:fld>
             <a:endParaRPr lang="en-US"/>
           </a:p>
@@ -2507,7 +2507,7 @@
             <a:fld id="{1D8BD707-D9CF-40AE-B4C6-C98DA3205C09}" type="datetimeFigureOut">
               <a:rPr lang="en-US" smtClean="0"/>
               <a:pPr/>
-              <a:t>8/2/25</a:t>
+              <a:t>8/12/25</a:t>
             </a:fld>
             <a:endParaRPr lang="en-US"/>
           </a:p>
@@ -2715,7 +2715,7 @@
             <a:fld id="{1D8BD707-D9CF-40AE-B4C6-C98DA3205C09}" type="datetimeFigureOut">
               <a:rPr lang="en-US" smtClean="0"/>
               <a:pPr/>
-              <a:t>8/2/25</a:t>
+              <a:t>8/12/25</a:t>
             </a:fld>
             <a:endParaRPr lang="en-US"/>
           </a:p>
@@ -3302,7 +3302,7 @@
         </p:nvSpPr>
         <p:spPr>
           <a:xfrm>
-            <a:off x="5029200" y="8696960"/>
+            <a:off x="1028700" y="5143500"/>
             <a:ext cx="4800600" cy="395621"/>
           </a:xfrm>
           <a:prstGeom prst="rect">
@@ -3384,7 +3384,7 @@
         </p:nvSpPr>
         <p:spPr>
           <a:xfrm>
-            <a:off x="5029200" y="9220200"/>
+            <a:off x="1028700" y="5666740"/>
             <a:ext cx="4800600" cy="314607"/>
           </a:xfrm>
           <a:prstGeom prst="rect">
@@ -3519,6 +3519,77 @@
                 <a:sym typeface="Canva Sans"/>
               </a:rPr>
               <a:t>{{data}}</a:t>
+            </a:r>
+          </a:p>
+        </p:txBody>
+      </p:sp>
+      <p:sp>
+        <p:nvSpPr>
+          <p:cNvPr id="11" name="TextBox 8">
+            <a:extLst>
+              <a:ext uri="{FF2B5EF4-FFF2-40B4-BE49-F238E27FC236}">
+                <a16:creationId xmlns:a16="http://schemas.microsoft.com/office/drawing/2014/main" id="{0D4157A1-4DF3-FEFB-84F9-0239C1354E81}"/>
+              </a:ext>
+            </a:extLst>
+          </p:cNvPr>
+          <p:cNvSpPr txBox="1"/>
+          <p:nvPr/>
+        </p:nvSpPr>
+        <p:spPr>
+          <a:xfrm>
+            <a:off x="1028700" y="6251956"/>
+            <a:ext cx="4800600" cy="314607"/>
+          </a:xfrm>
+          <a:prstGeom prst="rect">
+            <a:avLst/>
+          </a:prstGeom>
+        </p:spPr>
+        <p:txBody>
+          <a:bodyPr wrap="square" lIns="0" tIns="0" rIns="0" bIns="0" rtlCol="0" anchor="t">
+            <a:spAutoFit/>
+          </a:bodyPr>
+          <a:lstStyle/>
+          <a:p>
+            <a:pPr algn="l">
+              <a:lnSpc>
+                <a:spcPts val="2609"/>
+              </a:lnSpc>
+            </a:pPr>
+            <a:r>
+              <a:rPr lang="en-US" sz="1863" dirty="0">
+                <a:solidFill>
+                  <a:srgbClr val="CCFBF1"/>
+                </a:solidFill>
+                <a:latin typeface="Canva Sans"/>
+                <a:ea typeface="Canva Sans"/>
+                <a:cs typeface="Canva Sans"/>
+                <a:sym typeface="Canva Sans"/>
+              </a:rPr>
+              <a:t>{{</a:t>
+            </a:r>
+            <a:r>
+              <a:rPr lang="en-US" sz="1863" dirty="0" err="1">
+                <a:solidFill>
+                  <a:srgbClr val="CCFBF1"/>
+                </a:solidFill>
+                <a:latin typeface="Canva Sans"/>
+                <a:ea typeface="Canva Sans"/>
+                <a:cs typeface="Canva Sans"/>
+                <a:sym typeface="Canva Sans"/>
+              </a:rPr>
+              <a:t>endereco_cliente</a:t>
+            </a:r>
+            <a:r>
+              <a:rPr lang="en-US" sz="1863" dirty="0">
+                <a:solidFill>
+                  <a:srgbClr val="CCFBF1"/>
+                </a:solidFill>
+                <a:latin typeface="Canva Sans"/>
+                <a:ea typeface="Canva Sans"/>
+                <a:cs typeface="Canva Sans"/>
+                <a:sym typeface="Canva Sans"/>
+              </a:rPr>
+              <a:t>}}</a:t>
             </a:r>
           </a:p>
         </p:txBody>

--- a/templates/modelo.pptx
+++ b/templates/modelo.pptx
@@ -242,7 +242,7 @@
           <a:p>
             <a:fld id="{580D7FDF-C8ED-1445-A0F8-888DB6C12010}" type="datetimeFigureOut">
               <a:rPr lang="en-BR" smtClean="0"/>
-              <a:t>24/08/25</a:t>
+              <a:t>27/08/25</a:t>
             </a:fld>
             <a:endParaRPr lang="en-BR"/>
           </a:p>
@@ -990,7 +990,7 @@
             <a:fld id="{1D8BD707-D9CF-40AE-B4C6-C98DA3205C09}" type="datetimeFigureOut">
               <a:rPr lang="en-US" smtClean="0"/>
               <a:pPr/>
-              <a:t>8/24/25</a:t>
+              <a:t>8/27/25</a:t>
             </a:fld>
             <a:endParaRPr lang="en-US"/>
           </a:p>
@@ -1155,7 +1155,7 @@
             <a:fld id="{1D8BD707-D9CF-40AE-B4C6-C98DA3205C09}" type="datetimeFigureOut">
               <a:rPr lang="en-US" smtClean="0"/>
               <a:pPr/>
-              <a:t>8/24/25</a:t>
+              <a:t>8/27/25</a:t>
             </a:fld>
             <a:endParaRPr lang="en-US"/>
           </a:p>
@@ -1330,7 +1330,7 @@
             <a:fld id="{1D8BD707-D9CF-40AE-B4C6-C98DA3205C09}" type="datetimeFigureOut">
               <a:rPr lang="en-US" smtClean="0"/>
               <a:pPr/>
-              <a:t>8/24/25</a:t>
+              <a:t>8/27/25</a:t>
             </a:fld>
             <a:endParaRPr lang="en-US"/>
           </a:p>
@@ -1495,7 +1495,7 @@
             <a:fld id="{1D8BD707-D9CF-40AE-B4C6-C98DA3205C09}" type="datetimeFigureOut">
               <a:rPr lang="en-US" smtClean="0"/>
               <a:pPr/>
-              <a:t>8/24/25</a:t>
+              <a:t>8/27/25</a:t>
             </a:fld>
             <a:endParaRPr lang="en-US"/>
           </a:p>
@@ -1737,7 +1737,7 @@
             <a:fld id="{1D8BD707-D9CF-40AE-B4C6-C98DA3205C09}" type="datetimeFigureOut">
               <a:rPr lang="en-US" smtClean="0"/>
               <a:pPr/>
-              <a:t>8/24/25</a:t>
+              <a:t>8/27/25</a:t>
             </a:fld>
             <a:endParaRPr lang="en-US"/>
           </a:p>
@@ -2019,7 +2019,7 @@
             <a:fld id="{1D8BD707-D9CF-40AE-B4C6-C98DA3205C09}" type="datetimeFigureOut">
               <a:rPr lang="en-US" smtClean="0"/>
               <a:pPr/>
-              <a:t>8/24/25</a:t>
+              <a:t>8/27/25</a:t>
             </a:fld>
             <a:endParaRPr lang="en-US"/>
           </a:p>
@@ -2435,7 +2435,7 @@
             <a:fld id="{1D8BD707-D9CF-40AE-B4C6-C98DA3205C09}" type="datetimeFigureOut">
               <a:rPr lang="en-US" smtClean="0"/>
               <a:pPr/>
-              <a:t>8/24/25</a:t>
+              <a:t>8/27/25</a:t>
             </a:fld>
             <a:endParaRPr lang="en-US"/>
           </a:p>
@@ -2549,7 +2549,7 @@
             <a:fld id="{1D8BD707-D9CF-40AE-B4C6-C98DA3205C09}" type="datetimeFigureOut">
               <a:rPr lang="en-US" smtClean="0"/>
               <a:pPr/>
-              <a:t>8/24/25</a:t>
+              <a:t>8/27/25</a:t>
             </a:fld>
             <a:endParaRPr lang="en-US"/>
           </a:p>
@@ -2641,7 +2641,7 @@
             <a:fld id="{1D8BD707-D9CF-40AE-B4C6-C98DA3205C09}" type="datetimeFigureOut">
               <a:rPr lang="en-US" smtClean="0"/>
               <a:pPr/>
-              <a:t>8/24/25</a:t>
+              <a:t>8/27/25</a:t>
             </a:fld>
             <a:endParaRPr lang="en-US"/>
           </a:p>
@@ -2913,7 +2913,7 @@
             <a:fld id="{1D8BD707-D9CF-40AE-B4C6-C98DA3205C09}" type="datetimeFigureOut">
               <a:rPr lang="en-US" smtClean="0"/>
               <a:pPr/>
-              <a:t>8/24/25</a:t>
+              <a:t>8/27/25</a:t>
             </a:fld>
             <a:endParaRPr lang="en-US"/>
           </a:p>
@@ -3162,7 +3162,7 @@
             <a:fld id="{1D8BD707-D9CF-40AE-B4C6-C98DA3205C09}" type="datetimeFigureOut">
               <a:rPr lang="en-US" smtClean="0"/>
               <a:pPr/>
-              <a:t>8/24/25</a:t>
+              <a:t>8/27/25</a:t>
             </a:fld>
             <a:endParaRPr lang="en-US"/>
           </a:p>
@@ -3370,7 +3370,7 @@
             <a:fld id="{1D8BD707-D9CF-40AE-B4C6-C98DA3205C09}" type="datetimeFigureOut">
               <a:rPr lang="en-US" smtClean="0"/>
               <a:pPr/>
-              <a:t>8/24/25</a:t>
+              <a:t>8/27/25</a:t>
             </a:fld>
             <a:endParaRPr lang="en-US"/>
           </a:p>
@@ -4192,7 +4192,7 @@
         </p:nvSpPr>
         <p:spPr>
           <a:xfrm>
-            <a:off x="996616" y="6108966"/>
+            <a:off x="1028700" y="6108966"/>
             <a:ext cx="4800600" cy="314607"/>
           </a:xfrm>
           <a:prstGeom prst="rect">
@@ -4239,7 +4239,7 @@
         </p:nvSpPr>
         <p:spPr>
           <a:xfrm>
-            <a:off x="996616" y="6551192"/>
+            <a:off x="1032475" y="6551192"/>
             <a:ext cx="4800600" cy="314607"/>
           </a:xfrm>
           <a:prstGeom prst="rect">
@@ -28910,8 +28910,8 @@
         </p:nvSpPr>
         <p:spPr>
           <a:xfrm>
-            <a:off x="2105891" y="3882268"/>
-            <a:ext cx="4267200" cy="5418944"/>
+            <a:off x="898189" y="4000500"/>
+            <a:ext cx="5311706" cy="5418944"/>
           </a:xfrm>
           <a:prstGeom prst="roundRect">
             <a:avLst>
@@ -28975,8 +28975,8 @@
         </p:nvSpPr>
         <p:spPr>
           <a:xfrm>
-            <a:off x="2276316" y="7562844"/>
-            <a:ext cx="3693289" cy="1328942"/>
+            <a:off x="1095326" y="7681076"/>
+            <a:ext cx="4597315" cy="1328942"/>
           </a:xfrm>
           <a:prstGeom prst="roundRect">
             <a:avLst/>
@@ -29216,71 +29216,6 @@
       </p:sp>
       <p:sp>
         <p:nvSpPr>
-          <p:cNvPr id="51" name="Rounded Rectangle 50">
-            <a:extLst>
-              <a:ext uri="{FF2B5EF4-FFF2-40B4-BE49-F238E27FC236}">
-                <a16:creationId xmlns:a16="http://schemas.microsoft.com/office/drawing/2014/main" id="{A52B40BC-B8C5-1A73-8FCF-8C02722855B9}"/>
-              </a:ext>
-            </a:extLst>
-          </p:cNvPr>
-          <p:cNvSpPr/>
-          <p:nvPr/>
-        </p:nvSpPr>
-        <p:spPr>
-          <a:xfrm>
-            <a:off x="7010400" y="3882268"/>
-            <a:ext cx="4267200" cy="5418944"/>
-          </a:xfrm>
-          <a:prstGeom prst="roundRect">
-            <a:avLst>
-              <a:gd name="adj" fmla="val 7963"/>
-            </a:avLst>
-          </a:prstGeom>
-          <a:solidFill>
-            <a:srgbClr val="CDFBF1">
-              <a:alpha val="7451"/>
-            </a:srgbClr>
-          </a:solidFill>
-          <a:ln w="50800">
-            <a:solidFill>
-              <a:srgbClr val="124E4A"/>
-            </a:solidFill>
-          </a:ln>
-          <a:effectLst>
-            <a:outerShdw blurRad="50800" dist="38100" dir="16200000" rotWithShape="0">
-              <a:prstClr val="black">
-                <a:alpha val="55828"/>
-              </a:prstClr>
-            </a:outerShdw>
-          </a:effectLst>
-        </p:spPr>
-        <p:style>
-          <a:lnRef idx="2">
-            <a:schemeClr val="accent1">
-              <a:shade val="15000"/>
-            </a:schemeClr>
-          </a:lnRef>
-          <a:fillRef idx="1">
-            <a:schemeClr val="accent1"/>
-          </a:fillRef>
-          <a:effectRef idx="0">
-            <a:schemeClr val="accent1"/>
-          </a:effectRef>
-          <a:fontRef idx="minor">
-            <a:schemeClr val="lt1"/>
-          </a:fontRef>
-        </p:style>
-        <p:txBody>
-          <a:bodyPr rtlCol="0" anchor="ctr"/>
-          <a:lstStyle/>
-          <a:p>
-            <a:pPr algn="ctr"/>
-            <a:endParaRPr lang="en-BR"/>
-          </a:p>
-        </p:txBody>
-      </p:sp>
-      <p:sp>
-        <p:nvSpPr>
           <p:cNvPr id="56" name="TextBox 35">
             <a:extLst>
               <a:ext uri="{FF2B5EF4-FFF2-40B4-BE49-F238E27FC236}">
@@ -29293,8 +29228,8 @@
         </p:nvSpPr>
         <p:spPr>
           <a:xfrm>
-            <a:off x="2392447" y="5541000"/>
-            <a:ext cx="3681251" cy="270652"/>
+            <a:off x="1254787" y="5091251"/>
+            <a:ext cx="663750" cy="1400255"/>
           </a:xfrm>
           <a:prstGeom prst="rect">
             <a:avLst/>
@@ -29340,8 +29275,8 @@
         </p:nvSpPr>
         <p:spPr>
           <a:xfrm>
-            <a:off x="2399267" y="4565866"/>
-            <a:ext cx="3693289" cy="274602"/>
+            <a:off x="2464281" y="4765198"/>
+            <a:ext cx="3351311" cy="280846"/>
           </a:xfrm>
           <a:prstGeom prst="rect">
             <a:avLst/>
@@ -29353,13 +29288,13 @@
           </a:bodyPr>
           <a:lstStyle/>
           <a:p>
-            <a:pPr algn="ctr">
+            <a:pPr>
               <a:lnSpc>
                 <a:spcPts val="2189"/>
               </a:lnSpc>
             </a:pPr>
             <a:r>
-              <a:rPr lang="en-US" sz="1563" dirty="0">
+              <a:rPr lang="en-US" dirty="0">
                 <a:solidFill>
                   <a:srgbClr val="7A7A7A"/>
                 </a:solidFill>
@@ -29368,7 +29303,31 @@
                 <a:cs typeface="Poppins"/>
                 <a:sym typeface="Poppins"/>
               </a:rPr>
-              <a:t>{{modulos1}}</a:t>
+              <a:t>{{</a:t>
+            </a:r>
+            <a:r>
+              <a:rPr lang="en-US" sz="1560" dirty="0">
+                <a:solidFill>
+                  <a:srgbClr val="7A7A7A"/>
+                </a:solidFill>
+                <a:latin typeface="Poppins"/>
+                <a:ea typeface="Poppins"/>
+                <a:cs typeface="Poppins"/>
+                <a:sym typeface="Poppins"/>
+              </a:rPr>
+              <a:t>modulos1</a:t>
+            </a:r>
+            <a:r>
+              <a:rPr lang="en-US" dirty="0">
+                <a:solidFill>
+                  <a:srgbClr val="7A7A7A"/>
+                </a:solidFill>
+                <a:latin typeface="Poppins"/>
+                <a:ea typeface="Poppins"/>
+                <a:cs typeface="Poppins"/>
+                <a:sym typeface="Poppins"/>
+              </a:rPr>
+              <a:t>}}</a:t>
             </a:r>
           </a:p>
         </p:txBody>
@@ -29387,8 +29346,8 @@
         </p:nvSpPr>
         <p:spPr>
           <a:xfrm>
-            <a:off x="2399267" y="6300067"/>
-            <a:ext cx="3681251" cy="274602"/>
+            <a:off x="2464280" y="5453977"/>
+            <a:ext cx="3351311" cy="275003"/>
           </a:xfrm>
           <a:prstGeom prst="rect">
             <a:avLst/>
@@ -29400,7 +29359,7 @@
           </a:bodyPr>
           <a:lstStyle/>
           <a:p>
-            <a:pPr algn="ctr">
+            <a:pPr>
               <a:lnSpc>
                 <a:spcPts val="2189"/>
               </a:lnSpc>
@@ -29434,8 +29393,8 @@
         </p:nvSpPr>
         <p:spPr>
           <a:xfrm>
-            <a:off x="2385890" y="7157624"/>
-            <a:ext cx="3693289" cy="275691"/>
+            <a:off x="1254787" y="5777973"/>
+            <a:ext cx="663750" cy="1118127"/>
           </a:xfrm>
           <a:prstGeom prst="rect">
             <a:avLst/>
@@ -29464,71 +29423,6 @@
               </a:rPr>
               <a:t>{{inversor_quantidade1}}</a:t>
             </a:r>
-          </a:p>
-        </p:txBody>
-      </p:sp>
-      <p:sp>
-        <p:nvSpPr>
-          <p:cNvPr id="60" name="Rounded Rectangle 59">
-            <a:extLst>
-              <a:ext uri="{FF2B5EF4-FFF2-40B4-BE49-F238E27FC236}">
-                <a16:creationId xmlns:a16="http://schemas.microsoft.com/office/drawing/2014/main" id="{68DCE66B-7083-5107-4CAF-C138A98224B7}"/>
-              </a:ext>
-            </a:extLst>
-          </p:cNvPr>
-          <p:cNvSpPr/>
-          <p:nvPr/>
-        </p:nvSpPr>
-        <p:spPr>
-          <a:xfrm>
-            <a:off x="11914909" y="3882268"/>
-            <a:ext cx="4267200" cy="5418944"/>
-          </a:xfrm>
-          <a:prstGeom prst="roundRect">
-            <a:avLst>
-              <a:gd name="adj" fmla="val 7963"/>
-            </a:avLst>
-          </a:prstGeom>
-          <a:solidFill>
-            <a:srgbClr val="CDFBF1">
-              <a:alpha val="7451"/>
-            </a:srgbClr>
-          </a:solidFill>
-          <a:ln w="50800">
-            <a:solidFill>
-              <a:srgbClr val="124E4A"/>
-            </a:solidFill>
-          </a:ln>
-          <a:effectLst>
-            <a:outerShdw blurRad="50800" dist="38100" dir="16200000" rotWithShape="0">
-              <a:prstClr val="black">
-                <a:alpha val="55828"/>
-              </a:prstClr>
-            </a:outerShdw>
-          </a:effectLst>
-        </p:spPr>
-        <p:style>
-          <a:lnRef idx="2">
-            <a:schemeClr val="accent1">
-              <a:shade val="15000"/>
-            </a:schemeClr>
-          </a:lnRef>
-          <a:fillRef idx="1">
-            <a:schemeClr val="accent1"/>
-          </a:fillRef>
-          <a:effectRef idx="0">
-            <a:schemeClr val="accent1"/>
-          </a:effectRef>
-          <a:fontRef idx="minor">
-            <a:schemeClr val="lt1"/>
-          </a:fontRef>
-        </p:style>
-        <p:txBody>
-          <a:bodyPr rtlCol="0" anchor="ctr"/>
-          <a:lstStyle/>
-          <a:p>
-            <a:pPr algn="ctr"/>
-            <a:endParaRPr lang="en-BR"/>
           </a:p>
         </p:txBody>
       </p:sp>
@@ -29546,8 +29440,8 @@
         </p:nvGrpSpPr>
         <p:grpSpPr>
           <a:xfrm>
-            <a:off x="2105890" y="3148169"/>
-            <a:ext cx="4267200" cy="632747"/>
+            <a:off x="846640" y="2958277"/>
+            <a:ext cx="5311706" cy="632747"/>
             <a:chOff x="0" y="-16427"/>
             <a:chExt cx="1467171" cy="179586"/>
           </a:xfrm>
@@ -29688,8 +29582,8 @@
         </p:nvGrpSpPr>
         <p:grpSpPr>
           <a:xfrm>
-            <a:off x="7023237" y="3148169"/>
-            <a:ext cx="4267200" cy="632747"/>
+            <a:off x="6553200" y="2910309"/>
+            <a:ext cx="5311706" cy="632747"/>
             <a:chOff x="0" y="-16427"/>
             <a:chExt cx="1467171" cy="179586"/>
           </a:xfrm>
@@ -29830,8 +29724,8 @@
         </p:nvGrpSpPr>
         <p:grpSpPr>
           <a:xfrm>
-            <a:off x="11927746" y="3134606"/>
-            <a:ext cx="4267200" cy="632747"/>
+            <a:off x="12243955" y="2910309"/>
+            <a:ext cx="5311706" cy="632747"/>
             <a:chOff x="0" y="-16427"/>
             <a:chExt cx="1467171" cy="179586"/>
           </a:xfrm>
@@ -29972,8 +29866,8 @@
         </p:nvSpPr>
         <p:spPr>
           <a:xfrm>
-            <a:off x="3351765" y="7596182"/>
-            <a:ext cx="1788288" cy="434734"/>
+            <a:off x="2473570" y="4104943"/>
+            <a:ext cx="2160944" cy="434734"/>
           </a:xfrm>
           <a:prstGeom prst="rect">
             <a:avLst/>
@@ -29993,7 +29887,7 @@
             <a:r>
               <a:rPr lang="en-US" b="1" dirty="0">
                 <a:solidFill>
-                  <a:srgbClr val="CDFBF1"/>
+                  <a:srgbClr val="7A7A7A"/>
                 </a:solidFill>
                 <a:latin typeface="Poppins Bold"/>
                 <a:ea typeface="Poppins Bold"/>
@@ -30019,8 +29913,8 @@
         </p:nvSpPr>
         <p:spPr>
           <a:xfrm>
-            <a:off x="2284812" y="8283719"/>
-            <a:ext cx="3693289" cy="400110"/>
+            <a:off x="1195178" y="8151462"/>
+            <a:ext cx="4597315" cy="400110"/>
           </a:xfrm>
           <a:prstGeom prst="rect">
             <a:avLst/>
@@ -30052,10 +29946,258 @@
       </p:sp>
       <p:sp>
         <p:nvSpPr>
-          <p:cNvPr id="11" name="Rounded Rectangle 10">
+          <p:cNvPr id="4" name="TextBox 35">
             <a:extLst>
               <a:ext uri="{FF2B5EF4-FFF2-40B4-BE49-F238E27FC236}">
-                <a16:creationId xmlns:a16="http://schemas.microsoft.com/office/drawing/2014/main" id="{6E632075-7356-09D3-426B-E9D47AE079B4}"/>
+                <a16:creationId xmlns:a16="http://schemas.microsoft.com/office/drawing/2014/main" id="{7CAEAFA3-A953-B942-5E1B-BB5DB83A66DA}"/>
+              </a:ext>
+            </a:extLst>
+          </p:cNvPr>
+          <p:cNvSpPr txBox="1"/>
+          <p:nvPr/>
+        </p:nvSpPr>
+        <p:spPr>
+          <a:xfrm>
+            <a:off x="1218278" y="4762076"/>
+            <a:ext cx="1207008" cy="280846"/>
+          </a:xfrm>
+          <a:prstGeom prst="rect">
+            <a:avLst/>
+          </a:prstGeom>
+        </p:spPr>
+        <p:txBody>
+          <a:bodyPr wrap="square" lIns="0" tIns="0" rIns="0" bIns="0" rtlCol="0" anchor="t">
+            <a:spAutoFit/>
+          </a:bodyPr>
+          <a:lstStyle/>
+          <a:p>
+            <a:pPr>
+              <a:lnSpc>
+                <a:spcPts val="2189"/>
+              </a:lnSpc>
+            </a:pPr>
+            <a:r>
+              <a:rPr lang="en-US" b="1" dirty="0">
+                <a:solidFill>
+                  <a:srgbClr val="7A7A7A"/>
+                </a:solidFill>
+                <a:latin typeface="Poppins"/>
+                <a:ea typeface="Poppins"/>
+                <a:cs typeface="Poppins"/>
+                <a:sym typeface="Poppins"/>
+              </a:rPr>
+              <a:t>Modulos:</a:t>
+            </a:r>
+          </a:p>
+        </p:txBody>
+      </p:sp>
+      <p:sp>
+        <p:nvSpPr>
+          <p:cNvPr id="6" name="TextBox 35">
+            <a:extLst>
+              <a:ext uri="{FF2B5EF4-FFF2-40B4-BE49-F238E27FC236}">
+                <a16:creationId xmlns:a16="http://schemas.microsoft.com/office/drawing/2014/main" id="{B5767D85-D4D1-3010-173B-A2F4B10642A2}"/>
+              </a:ext>
+            </a:extLst>
+          </p:cNvPr>
+          <p:cNvSpPr txBox="1"/>
+          <p:nvPr/>
+        </p:nvSpPr>
+        <p:spPr>
+          <a:xfrm>
+            <a:off x="1218277" y="5448135"/>
+            <a:ext cx="1207009" cy="280846"/>
+          </a:xfrm>
+          <a:prstGeom prst="rect">
+            <a:avLst/>
+          </a:prstGeom>
+        </p:spPr>
+        <p:txBody>
+          <a:bodyPr wrap="square" lIns="0" tIns="0" rIns="0" bIns="0" rtlCol="0" anchor="t">
+            <a:spAutoFit/>
+          </a:bodyPr>
+          <a:lstStyle/>
+          <a:p>
+            <a:pPr>
+              <a:lnSpc>
+                <a:spcPts val="2189"/>
+              </a:lnSpc>
+            </a:pPr>
+            <a:r>
+              <a:rPr lang="en-US" b="1" dirty="0">
+                <a:solidFill>
+                  <a:srgbClr val="7A7A7A"/>
+                </a:solidFill>
+                <a:latin typeface="Poppins"/>
+                <a:ea typeface="Poppins"/>
+                <a:cs typeface="Poppins"/>
+                <a:sym typeface="Poppins"/>
+              </a:rPr>
+              <a:t>Inversor:</a:t>
+            </a:r>
+          </a:p>
+        </p:txBody>
+      </p:sp>
+      <p:sp>
+        <p:nvSpPr>
+          <p:cNvPr id="9" name="TextBox 35">
+            <a:extLst>
+              <a:ext uri="{FF2B5EF4-FFF2-40B4-BE49-F238E27FC236}">
+                <a16:creationId xmlns:a16="http://schemas.microsoft.com/office/drawing/2014/main" id="{913C2D5D-9F98-9FA3-D6CD-7CF1D5816489}"/>
+              </a:ext>
+            </a:extLst>
+          </p:cNvPr>
+          <p:cNvSpPr txBox="1"/>
+          <p:nvPr/>
+        </p:nvSpPr>
+        <p:spPr>
+          <a:xfrm>
+            <a:off x="1218277" y="6177005"/>
+            <a:ext cx="2058323" cy="280846"/>
+          </a:xfrm>
+          <a:prstGeom prst="rect">
+            <a:avLst/>
+          </a:prstGeom>
+        </p:spPr>
+        <p:txBody>
+          <a:bodyPr wrap="square" lIns="0" tIns="0" rIns="0" bIns="0" rtlCol="0" anchor="t">
+            <a:spAutoFit/>
+          </a:bodyPr>
+          <a:lstStyle/>
+          <a:p>
+            <a:pPr>
+              <a:lnSpc>
+                <a:spcPts val="2189"/>
+              </a:lnSpc>
+            </a:pPr>
+            <a:r>
+              <a:rPr lang="en-US" b="1" dirty="0" err="1">
+                <a:solidFill>
+                  <a:srgbClr val="7A7A7A"/>
+                </a:solidFill>
+                <a:latin typeface="Poppins"/>
+                <a:ea typeface="Poppins"/>
+                <a:cs typeface="Poppins"/>
+                <a:sym typeface="Poppins"/>
+              </a:rPr>
+              <a:t>Créditos</a:t>
+            </a:r>
+            <a:r>
+              <a:rPr lang="en-US" b="1" dirty="0">
+                <a:solidFill>
+                  <a:srgbClr val="7A7A7A"/>
+                </a:solidFill>
+                <a:latin typeface="Poppins"/>
+                <a:ea typeface="Poppins"/>
+                <a:cs typeface="Poppins"/>
+                <a:sym typeface="Poppins"/>
+              </a:rPr>
+              <a:t> </a:t>
+            </a:r>
+            <a:r>
+              <a:rPr lang="en-US" b="1" dirty="0" err="1">
+                <a:solidFill>
+                  <a:srgbClr val="7A7A7A"/>
+                </a:solidFill>
+                <a:latin typeface="Poppins"/>
+                <a:ea typeface="Poppins"/>
+                <a:cs typeface="Poppins"/>
+                <a:sym typeface="Poppins"/>
+              </a:rPr>
+              <a:t>por</a:t>
+            </a:r>
+            <a:r>
+              <a:rPr lang="en-US" b="1" dirty="0">
+                <a:solidFill>
+                  <a:srgbClr val="7A7A7A"/>
+                </a:solidFill>
+                <a:latin typeface="Poppins"/>
+                <a:ea typeface="Poppins"/>
+                <a:cs typeface="Poppins"/>
+                <a:sym typeface="Poppins"/>
+              </a:rPr>
+              <a:t> </a:t>
+            </a:r>
+            <a:r>
+              <a:rPr lang="en-US" b="1" dirty="0" err="1">
+                <a:solidFill>
+                  <a:srgbClr val="7A7A7A"/>
+                </a:solidFill>
+                <a:latin typeface="Poppins"/>
+                <a:ea typeface="Poppins"/>
+                <a:cs typeface="Poppins"/>
+                <a:sym typeface="Poppins"/>
+              </a:rPr>
+              <a:t>ano</a:t>
+            </a:r>
+            <a:r>
+              <a:rPr lang="en-US" b="1" dirty="0">
+                <a:solidFill>
+                  <a:srgbClr val="7A7A7A"/>
+                </a:solidFill>
+                <a:latin typeface="Poppins"/>
+                <a:ea typeface="Poppins"/>
+                <a:cs typeface="Poppins"/>
+                <a:sym typeface="Poppins"/>
+              </a:rPr>
+              <a:t>:</a:t>
+            </a:r>
+          </a:p>
+        </p:txBody>
+      </p:sp>
+      <p:sp>
+        <p:nvSpPr>
+          <p:cNvPr id="25" name="TextBox 35">
+            <a:extLst>
+              <a:ext uri="{FF2B5EF4-FFF2-40B4-BE49-F238E27FC236}">
+                <a16:creationId xmlns:a16="http://schemas.microsoft.com/office/drawing/2014/main" id="{E3B7B639-213B-BF85-6593-43B8999777A1}"/>
+              </a:ext>
+            </a:extLst>
+          </p:cNvPr>
+          <p:cNvSpPr txBox="1"/>
+          <p:nvPr/>
+        </p:nvSpPr>
+        <p:spPr>
+          <a:xfrm>
+            <a:off x="3391932" y="6182847"/>
+            <a:ext cx="2423659" cy="275003"/>
+          </a:xfrm>
+          <a:prstGeom prst="rect">
+            <a:avLst/>
+          </a:prstGeom>
+        </p:spPr>
+        <p:txBody>
+          <a:bodyPr wrap="square" lIns="0" tIns="0" rIns="0" bIns="0" rtlCol="0" anchor="t">
+            <a:spAutoFit/>
+          </a:bodyPr>
+          <a:lstStyle/>
+          <a:p>
+            <a:pPr>
+              <a:lnSpc>
+                <a:spcPts val="2189"/>
+              </a:lnSpc>
+            </a:pPr>
+            <a:r>
+              <a:rPr lang="en-US" sz="1563" dirty="0">
+                <a:solidFill>
+                  <a:srgbClr val="7A7A7A"/>
+                </a:solidFill>
+                <a:latin typeface="Poppins"/>
+                <a:ea typeface="Poppins"/>
+                <a:cs typeface="Poppins"/>
+                <a:sym typeface="Poppins"/>
+              </a:rPr>
+              <a:t>{{creditos1}}</a:t>
+            </a:r>
+          </a:p>
+        </p:txBody>
+      </p:sp>
+      <p:sp>
+        <p:nvSpPr>
+          <p:cNvPr id="27" name="Rounded Rectangle 26">
+            <a:extLst>
+              <a:ext uri="{FF2B5EF4-FFF2-40B4-BE49-F238E27FC236}">
+                <a16:creationId xmlns:a16="http://schemas.microsoft.com/office/drawing/2014/main" id="{A2997F27-8A4A-5C8F-609B-6D5CEE1BDE66}"/>
               </a:ext>
             </a:extLst>
           </p:cNvPr>
@@ -30064,15 +30206,31 @@
         </p:nvSpPr>
         <p:spPr>
           <a:xfrm>
-            <a:off x="7290934" y="7561753"/>
-            <a:ext cx="3693289" cy="1328942"/>
+            <a:off x="6566493" y="4000500"/>
+            <a:ext cx="5311706" cy="5418944"/>
           </a:xfrm>
           <a:prstGeom prst="roundRect">
-            <a:avLst/>
+            <a:avLst>
+              <a:gd name="adj" fmla="val 7963"/>
+            </a:avLst>
           </a:prstGeom>
           <a:solidFill>
-            <a:srgbClr val="124E4A"/>
+            <a:srgbClr val="CDFBF1">
+              <a:alpha val="7451"/>
+            </a:srgbClr>
           </a:solidFill>
+          <a:ln w="50800">
+            <a:solidFill>
+              <a:srgbClr val="124E4A"/>
+            </a:solidFill>
+          </a:ln>
+          <a:effectLst>
+            <a:outerShdw blurRad="50800" dist="38100" dir="16200000" rotWithShape="0">
+              <a:prstClr val="black">
+                <a:alpha val="55828"/>
+              </a:prstClr>
+            </a:outerShdw>
+          </a:effectLst>
         </p:spPr>
         <p:style>
           <a:lnRef idx="2">
@@ -30101,102 +30259,10 @@
       </p:sp>
       <p:sp>
         <p:nvSpPr>
-          <p:cNvPr id="12" name="TextBox 20">
+          <p:cNvPr id="35" name="Rounded Rectangle 34">
             <a:extLst>
               <a:ext uri="{FF2B5EF4-FFF2-40B4-BE49-F238E27FC236}">
-                <a16:creationId xmlns:a16="http://schemas.microsoft.com/office/drawing/2014/main" id="{66881EE3-A29E-96A5-ABDE-52D6C1E80E18}"/>
-              </a:ext>
-            </a:extLst>
-          </p:cNvPr>
-          <p:cNvSpPr txBox="1"/>
-          <p:nvPr/>
-        </p:nvSpPr>
-        <p:spPr>
-          <a:xfrm>
-            <a:off x="8366383" y="7595091"/>
-            <a:ext cx="1788288" cy="434734"/>
-          </a:xfrm>
-          <a:prstGeom prst="rect">
-            <a:avLst/>
-          </a:prstGeom>
-        </p:spPr>
-        <p:txBody>
-          <a:bodyPr wrap="square" lIns="0" tIns="0" rIns="0" bIns="0" rtlCol="0" anchor="t">
-            <a:spAutoFit/>
-          </a:bodyPr>
-          <a:lstStyle/>
-          <a:p>
-            <a:pPr algn="ctr">
-              <a:lnSpc>
-                <a:spcPts val="3817"/>
-              </a:lnSpc>
-            </a:pPr>
-            <a:r>
-              <a:rPr lang="en-US" b="1" dirty="0">
-                <a:solidFill>
-                  <a:srgbClr val="CDFBF1"/>
-                </a:solidFill>
-                <a:latin typeface="Poppins Bold"/>
-                <a:ea typeface="Poppins Bold"/>
-                <a:cs typeface="Poppins Bold"/>
-                <a:sym typeface="Poppins Bold"/>
-              </a:rPr>
-              <a:t>{{potencia}}</a:t>
-            </a:r>
-          </a:p>
-        </p:txBody>
-      </p:sp>
-      <p:sp>
-        <p:nvSpPr>
-          <p:cNvPr id="13" name="TextBox 12">
-            <a:extLst>
-              <a:ext uri="{FF2B5EF4-FFF2-40B4-BE49-F238E27FC236}">
-                <a16:creationId xmlns:a16="http://schemas.microsoft.com/office/drawing/2014/main" id="{D1FEF885-1D4C-8BD5-F2D7-F99AA4321632}"/>
-              </a:ext>
-            </a:extLst>
-          </p:cNvPr>
-          <p:cNvSpPr txBox="1"/>
-          <p:nvPr/>
-        </p:nvSpPr>
-        <p:spPr>
-          <a:xfrm>
-            <a:off x="7299430" y="8282628"/>
-            <a:ext cx="3693289" cy="400110"/>
-          </a:xfrm>
-          <a:prstGeom prst="rect">
-            <a:avLst/>
-          </a:prstGeom>
-          <a:noFill/>
-        </p:spPr>
-        <p:txBody>
-          <a:bodyPr wrap="square">
-            <a:spAutoFit/>
-          </a:bodyPr>
-          <a:lstStyle/>
-          <a:p>
-            <a:pPr algn="ctr"/>
-            <a:r>
-              <a:rPr lang="en-US" sz="2000" b="1" dirty="0">
-                <a:solidFill>
-                  <a:srgbClr val="CDFBF1"/>
-                </a:solidFill>
-                <a:latin typeface="Poppins Bold"/>
-                <a:ea typeface="Poppins Bold"/>
-                <a:cs typeface="Poppins Bold"/>
-                <a:sym typeface="Poppins Bold"/>
-              </a:rPr>
-              <a:t>{{geracao_media}}</a:t>
-            </a:r>
-            <a:endParaRPr lang="en-BR" sz="2000" dirty="0"/>
-          </a:p>
-        </p:txBody>
-      </p:sp>
-      <p:sp>
-        <p:nvSpPr>
-          <p:cNvPr id="14" name="Rounded Rectangle 13">
-            <a:extLst>
-              <a:ext uri="{FF2B5EF4-FFF2-40B4-BE49-F238E27FC236}">
-                <a16:creationId xmlns:a16="http://schemas.microsoft.com/office/drawing/2014/main" id="{B873021A-D16A-C2FB-D43F-742FEA86B247}"/>
+                <a16:creationId xmlns:a16="http://schemas.microsoft.com/office/drawing/2014/main" id="{7A349362-757B-A02E-B4FF-48E81B5C288E}"/>
               </a:ext>
             </a:extLst>
           </p:cNvPr>
@@ -30205,8 +30271,8 @@
         </p:nvSpPr>
         <p:spPr>
           <a:xfrm>
-            <a:off x="12195443" y="7561753"/>
-            <a:ext cx="3693289" cy="1328942"/>
+            <a:off x="6763630" y="7681076"/>
+            <a:ext cx="4597315" cy="1328942"/>
           </a:xfrm>
           <a:prstGeom prst="roundRect">
             <a:avLst/>
@@ -30242,10 +30308,10 @@
       </p:sp>
       <p:sp>
         <p:nvSpPr>
-          <p:cNvPr id="15" name="TextBox 20">
+          <p:cNvPr id="37" name="TextBox 35">
             <a:extLst>
               <a:ext uri="{FF2B5EF4-FFF2-40B4-BE49-F238E27FC236}">
-                <a16:creationId xmlns:a16="http://schemas.microsoft.com/office/drawing/2014/main" id="{6E534BC6-DC4B-590D-8AE3-C8AAE30C1F02}"/>
+                <a16:creationId xmlns:a16="http://schemas.microsoft.com/office/drawing/2014/main" id="{835CC425-BE53-1B6D-A835-731A98EE775B}"/>
               </a:ext>
             </a:extLst>
           </p:cNvPr>
@@ -30254,8 +30320,220 @@
         </p:nvSpPr>
         <p:spPr>
           <a:xfrm>
-            <a:off x="13270892" y="7595091"/>
-            <a:ext cx="1788288" cy="434734"/>
+            <a:off x="6923091" y="5091251"/>
+            <a:ext cx="663750" cy="1400255"/>
+          </a:xfrm>
+          <a:prstGeom prst="rect">
+            <a:avLst/>
+          </a:prstGeom>
+        </p:spPr>
+        <p:txBody>
+          <a:bodyPr wrap="square" lIns="0" tIns="0" rIns="0" bIns="0" rtlCol="0" anchor="t">
+            <a:spAutoFit/>
+          </a:bodyPr>
+          <a:lstStyle/>
+          <a:p>
+            <a:pPr algn="ctr">
+              <a:lnSpc>
+                <a:spcPts val="2189"/>
+              </a:lnSpc>
+            </a:pPr>
+            <a:r>
+              <a:rPr lang="en-US" sz="1563" dirty="0">
+                <a:solidFill>
+                  <a:srgbClr val="7A7A7A"/>
+                </a:solidFill>
+                <a:latin typeface="Poppins"/>
+                <a:ea typeface="Poppins"/>
+                <a:cs typeface="Poppins"/>
+                <a:sym typeface="Poppins"/>
+              </a:rPr>
+              <a:t>{{modulos_quantidade}}</a:t>
+            </a:r>
+          </a:p>
+        </p:txBody>
+      </p:sp>
+      <p:sp>
+        <p:nvSpPr>
+          <p:cNvPr id="38" name="TextBox 35">
+            <a:extLst>
+              <a:ext uri="{FF2B5EF4-FFF2-40B4-BE49-F238E27FC236}">
+                <a16:creationId xmlns:a16="http://schemas.microsoft.com/office/drawing/2014/main" id="{75EBBFDC-A2DD-328F-2EB8-9D91E3DCE32F}"/>
+              </a:ext>
+            </a:extLst>
+          </p:cNvPr>
+          <p:cNvSpPr txBox="1"/>
+          <p:nvPr/>
+        </p:nvSpPr>
+        <p:spPr>
+          <a:xfrm>
+            <a:off x="8132585" y="4765198"/>
+            <a:ext cx="3351311" cy="280846"/>
+          </a:xfrm>
+          <a:prstGeom prst="rect">
+            <a:avLst/>
+          </a:prstGeom>
+        </p:spPr>
+        <p:txBody>
+          <a:bodyPr wrap="square" lIns="0" tIns="0" rIns="0" bIns="0" rtlCol="0" anchor="t">
+            <a:spAutoFit/>
+          </a:bodyPr>
+          <a:lstStyle/>
+          <a:p>
+            <a:pPr>
+              <a:lnSpc>
+                <a:spcPts val="2189"/>
+              </a:lnSpc>
+            </a:pPr>
+            <a:r>
+              <a:rPr lang="en-US" dirty="0">
+                <a:solidFill>
+                  <a:srgbClr val="7A7A7A"/>
+                </a:solidFill>
+                <a:latin typeface="Poppins"/>
+                <a:ea typeface="Poppins"/>
+                <a:cs typeface="Poppins"/>
+                <a:sym typeface="Poppins"/>
+              </a:rPr>
+              <a:t>{{</a:t>
+            </a:r>
+            <a:r>
+              <a:rPr lang="en-US" sz="1560" dirty="0">
+                <a:solidFill>
+                  <a:srgbClr val="7A7A7A"/>
+                </a:solidFill>
+                <a:latin typeface="Poppins"/>
+                <a:ea typeface="Poppins"/>
+                <a:cs typeface="Poppins"/>
+                <a:sym typeface="Poppins"/>
+              </a:rPr>
+              <a:t>modulos</a:t>
+            </a:r>
+            <a:r>
+              <a:rPr lang="en-US" dirty="0">
+                <a:solidFill>
+                  <a:srgbClr val="7A7A7A"/>
+                </a:solidFill>
+                <a:latin typeface="Poppins"/>
+                <a:ea typeface="Poppins"/>
+                <a:cs typeface="Poppins"/>
+                <a:sym typeface="Poppins"/>
+              </a:rPr>
+              <a:t>}}</a:t>
+            </a:r>
+          </a:p>
+        </p:txBody>
+      </p:sp>
+      <p:sp>
+        <p:nvSpPr>
+          <p:cNvPr id="39" name="TextBox 35">
+            <a:extLst>
+              <a:ext uri="{FF2B5EF4-FFF2-40B4-BE49-F238E27FC236}">
+                <a16:creationId xmlns:a16="http://schemas.microsoft.com/office/drawing/2014/main" id="{075C7F38-B16C-7DDB-F676-6EAA7FF8AEC1}"/>
+              </a:ext>
+            </a:extLst>
+          </p:cNvPr>
+          <p:cNvSpPr txBox="1"/>
+          <p:nvPr/>
+        </p:nvSpPr>
+        <p:spPr>
+          <a:xfrm>
+            <a:off x="8132584" y="5453977"/>
+            <a:ext cx="3351311" cy="275003"/>
+          </a:xfrm>
+          <a:prstGeom prst="rect">
+            <a:avLst/>
+          </a:prstGeom>
+        </p:spPr>
+        <p:txBody>
+          <a:bodyPr wrap="square" lIns="0" tIns="0" rIns="0" bIns="0" rtlCol="0" anchor="t">
+            <a:spAutoFit/>
+          </a:bodyPr>
+          <a:lstStyle/>
+          <a:p>
+            <a:pPr>
+              <a:lnSpc>
+                <a:spcPts val="2189"/>
+              </a:lnSpc>
+            </a:pPr>
+            <a:r>
+              <a:rPr lang="en-US" sz="1563" dirty="0">
+                <a:solidFill>
+                  <a:srgbClr val="7A7A7A"/>
+                </a:solidFill>
+                <a:latin typeface="Poppins"/>
+                <a:ea typeface="Poppins"/>
+                <a:cs typeface="Poppins"/>
+                <a:sym typeface="Poppins"/>
+              </a:rPr>
+              <a:t>{{inversor1}}</a:t>
+            </a:r>
+          </a:p>
+        </p:txBody>
+      </p:sp>
+      <p:sp>
+        <p:nvSpPr>
+          <p:cNvPr id="41" name="TextBox 35">
+            <a:extLst>
+              <a:ext uri="{FF2B5EF4-FFF2-40B4-BE49-F238E27FC236}">
+                <a16:creationId xmlns:a16="http://schemas.microsoft.com/office/drawing/2014/main" id="{5712B2B2-EA96-6B12-65C7-EC415DFF159E}"/>
+              </a:ext>
+            </a:extLst>
+          </p:cNvPr>
+          <p:cNvSpPr txBox="1"/>
+          <p:nvPr/>
+        </p:nvSpPr>
+        <p:spPr>
+          <a:xfrm>
+            <a:off x="6923091" y="5777973"/>
+            <a:ext cx="663750" cy="1118127"/>
+          </a:xfrm>
+          <a:prstGeom prst="rect">
+            <a:avLst/>
+          </a:prstGeom>
+        </p:spPr>
+        <p:txBody>
+          <a:bodyPr wrap="square" lIns="0" tIns="0" rIns="0" bIns="0" rtlCol="0" anchor="t">
+            <a:spAutoFit/>
+          </a:bodyPr>
+          <a:lstStyle/>
+          <a:p>
+            <a:pPr algn="ctr">
+              <a:lnSpc>
+                <a:spcPts val="2189"/>
+              </a:lnSpc>
+            </a:pPr>
+            <a:r>
+              <a:rPr lang="en-US" sz="1563" dirty="0">
+                <a:solidFill>
+                  <a:srgbClr val="7A7A7A"/>
+                </a:solidFill>
+                <a:latin typeface="Poppins"/>
+                <a:ea typeface="Poppins"/>
+                <a:cs typeface="Poppins"/>
+                <a:sym typeface="Poppins"/>
+              </a:rPr>
+              <a:t>{{inversor_quantidade}}</a:t>
+            </a:r>
+          </a:p>
+        </p:txBody>
+      </p:sp>
+      <p:sp>
+        <p:nvSpPr>
+          <p:cNvPr id="42" name="TextBox 20">
+            <a:extLst>
+              <a:ext uri="{FF2B5EF4-FFF2-40B4-BE49-F238E27FC236}">
+                <a16:creationId xmlns:a16="http://schemas.microsoft.com/office/drawing/2014/main" id="{8897B6DE-BA6A-B0AE-214E-BF039C2CB61C}"/>
+              </a:ext>
+            </a:extLst>
+          </p:cNvPr>
+          <p:cNvSpPr txBox="1"/>
+          <p:nvPr/>
+        </p:nvSpPr>
+        <p:spPr>
+          <a:xfrm>
+            <a:off x="8141874" y="4104943"/>
+            <a:ext cx="2160944" cy="434734"/>
           </a:xfrm>
           <a:prstGeom prst="rect">
             <a:avLst/>
@@ -30275,24 +30553,24 @@
             <a:r>
               <a:rPr lang="en-US" b="1" dirty="0">
                 <a:solidFill>
-                  <a:srgbClr val="CDFBF1"/>
+                  <a:srgbClr val="7A7A7A"/>
                 </a:solidFill>
                 <a:latin typeface="Poppins Bold"/>
                 <a:ea typeface="Poppins Bold"/>
                 <a:cs typeface="Poppins Bold"/>
                 <a:sym typeface="Poppins Bold"/>
               </a:rPr>
-              <a:t>{{potencia3}}</a:t>
-            </a:r>
-          </a:p>
-        </p:txBody>
-      </p:sp>
-      <p:sp>
-        <p:nvSpPr>
-          <p:cNvPr id="16" name="TextBox 15">
+              <a:t>{{potencia}}</a:t>
+            </a:r>
+          </a:p>
+        </p:txBody>
+      </p:sp>
+      <p:sp>
+        <p:nvSpPr>
+          <p:cNvPr id="45" name="TextBox 44">
             <a:extLst>
               <a:ext uri="{FF2B5EF4-FFF2-40B4-BE49-F238E27FC236}">
-                <a16:creationId xmlns:a16="http://schemas.microsoft.com/office/drawing/2014/main" id="{E2B50030-5836-8957-CD75-AFDE03ED1DA5}"/>
+                <a16:creationId xmlns:a16="http://schemas.microsoft.com/office/drawing/2014/main" id="{FDCE9B6E-921A-8A9C-52BB-7220211B3BAF}"/>
               </a:ext>
             </a:extLst>
           </p:cNvPr>
@@ -30301,8 +30579,8 @@
         </p:nvSpPr>
         <p:spPr>
           <a:xfrm>
-            <a:off x="12203939" y="8282628"/>
-            <a:ext cx="3693289" cy="400110"/>
+            <a:off x="6863482" y="8151462"/>
+            <a:ext cx="4597315" cy="400110"/>
           </a:xfrm>
           <a:prstGeom prst="rect">
             <a:avLst/>
@@ -30326,7 +30604,31 @@
                 <a:cs typeface="Poppins Bold"/>
                 <a:sym typeface="Poppins Bold"/>
               </a:rPr>
-              <a:t>{{geracao_media3}}</a:t>
+              <a:t>{{</a:t>
+            </a:r>
+            <a:r>
+              <a:rPr lang="en-US" sz="2000" b="1" dirty="0" err="1">
+                <a:solidFill>
+                  <a:srgbClr val="CDFBF1"/>
+                </a:solidFill>
+                <a:latin typeface="Poppins Bold"/>
+                <a:ea typeface="Poppins Bold"/>
+                <a:cs typeface="Poppins Bold"/>
+                <a:sym typeface="Poppins Bold"/>
+              </a:rPr>
+              <a:t>geracao_media</a:t>
+            </a:r>
+            <a:r>
+              <a:rPr lang="en-US" sz="2000" b="1" dirty="0">
+                <a:solidFill>
+                  <a:srgbClr val="CDFBF1"/>
+                </a:solidFill>
+                <a:latin typeface="Poppins Bold"/>
+                <a:ea typeface="Poppins Bold"/>
+                <a:cs typeface="Poppins Bold"/>
+                <a:sym typeface="Poppins Bold"/>
+              </a:rPr>
+              <a:t>}}</a:t>
             </a:r>
             <a:endParaRPr lang="en-BR" sz="2000" dirty="0"/>
           </a:p>
@@ -30334,10 +30636,10 @@
       </p:sp>
       <p:sp>
         <p:nvSpPr>
-          <p:cNvPr id="4" name="TextBox 35">
+          <p:cNvPr id="46" name="TextBox 35">
             <a:extLst>
               <a:ext uri="{FF2B5EF4-FFF2-40B4-BE49-F238E27FC236}">
-                <a16:creationId xmlns:a16="http://schemas.microsoft.com/office/drawing/2014/main" id="{7CAEAFA3-A953-B942-5E1B-BB5DB83A66DA}"/>
+                <a16:creationId xmlns:a16="http://schemas.microsoft.com/office/drawing/2014/main" id="{BDFD9AE2-FAF0-BF68-EC30-59A72BE822D7}"/>
               </a:ext>
             </a:extLst>
           </p:cNvPr>
@@ -30346,8 +30648,370 @@
         </p:nvSpPr>
         <p:spPr>
           <a:xfrm>
-            <a:off x="2399267" y="4220945"/>
-            <a:ext cx="3693289" cy="280846"/>
+            <a:off x="6886582" y="4762076"/>
+            <a:ext cx="1207008" cy="280846"/>
+          </a:xfrm>
+          <a:prstGeom prst="rect">
+            <a:avLst/>
+          </a:prstGeom>
+        </p:spPr>
+        <p:txBody>
+          <a:bodyPr wrap="square" lIns="0" tIns="0" rIns="0" bIns="0" rtlCol="0" anchor="t">
+            <a:spAutoFit/>
+          </a:bodyPr>
+          <a:lstStyle/>
+          <a:p>
+            <a:pPr>
+              <a:lnSpc>
+                <a:spcPts val="2189"/>
+              </a:lnSpc>
+            </a:pPr>
+            <a:r>
+              <a:rPr lang="en-US" b="1" dirty="0">
+                <a:solidFill>
+                  <a:srgbClr val="7A7A7A"/>
+                </a:solidFill>
+                <a:latin typeface="Poppins"/>
+                <a:ea typeface="Poppins"/>
+                <a:cs typeface="Poppins"/>
+                <a:sym typeface="Poppins"/>
+              </a:rPr>
+              <a:t>Modulos:</a:t>
+            </a:r>
+          </a:p>
+        </p:txBody>
+      </p:sp>
+      <p:sp>
+        <p:nvSpPr>
+          <p:cNvPr id="47" name="TextBox 35">
+            <a:extLst>
+              <a:ext uri="{FF2B5EF4-FFF2-40B4-BE49-F238E27FC236}">
+                <a16:creationId xmlns:a16="http://schemas.microsoft.com/office/drawing/2014/main" id="{F9042EA1-DDE7-38AF-B630-86A147F797CB}"/>
+              </a:ext>
+            </a:extLst>
+          </p:cNvPr>
+          <p:cNvSpPr txBox="1"/>
+          <p:nvPr/>
+        </p:nvSpPr>
+        <p:spPr>
+          <a:xfrm>
+            <a:off x="6886581" y="5448135"/>
+            <a:ext cx="1207009" cy="280846"/>
+          </a:xfrm>
+          <a:prstGeom prst="rect">
+            <a:avLst/>
+          </a:prstGeom>
+        </p:spPr>
+        <p:txBody>
+          <a:bodyPr wrap="square" lIns="0" tIns="0" rIns="0" bIns="0" rtlCol="0" anchor="t">
+            <a:spAutoFit/>
+          </a:bodyPr>
+          <a:lstStyle/>
+          <a:p>
+            <a:pPr>
+              <a:lnSpc>
+                <a:spcPts val="2189"/>
+              </a:lnSpc>
+            </a:pPr>
+            <a:r>
+              <a:rPr lang="en-US" b="1" dirty="0">
+                <a:solidFill>
+                  <a:srgbClr val="7A7A7A"/>
+                </a:solidFill>
+                <a:latin typeface="Poppins"/>
+                <a:ea typeface="Poppins"/>
+                <a:cs typeface="Poppins"/>
+                <a:sym typeface="Poppins"/>
+              </a:rPr>
+              <a:t>Inversor:</a:t>
+            </a:r>
+          </a:p>
+        </p:txBody>
+      </p:sp>
+      <p:sp>
+        <p:nvSpPr>
+          <p:cNvPr id="48" name="TextBox 35">
+            <a:extLst>
+              <a:ext uri="{FF2B5EF4-FFF2-40B4-BE49-F238E27FC236}">
+                <a16:creationId xmlns:a16="http://schemas.microsoft.com/office/drawing/2014/main" id="{D3B5E9F2-DCE0-B385-59B2-5AF82C03AF7D}"/>
+              </a:ext>
+            </a:extLst>
+          </p:cNvPr>
+          <p:cNvSpPr txBox="1"/>
+          <p:nvPr/>
+        </p:nvSpPr>
+        <p:spPr>
+          <a:xfrm>
+            <a:off x="6886581" y="6177005"/>
+            <a:ext cx="2058323" cy="280846"/>
+          </a:xfrm>
+          <a:prstGeom prst="rect">
+            <a:avLst/>
+          </a:prstGeom>
+        </p:spPr>
+        <p:txBody>
+          <a:bodyPr wrap="square" lIns="0" tIns="0" rIns="0" bIns="0" rtlCol="0" anchor="t">
+            <a:spAutoFit/>
+          </a:bodyPr>
+          <a:lstStyle/>
+          <a:p>
+            <a:pPr>
+              <a:lnSpc>
+                <a:spcPts val="2189"/>
+              </a:lnSpc>
+            </a:pPr>
+            <a:r>
+              <a:rPr lang="en-US" b="1" dirty="0" err="1">
+                <a:solidFill>
+                  <a:srgbClr val="7A7A7A"/>
+                </a:solidFill>
+                <a:latin typeface="Poppins"/>
+                <a:ea typeface="Poppins"/>
+                <a:cs typeface="Poppins"/>
+                <a:sym typeface="Poppins"/>
+              </a:rPr>
+              <a:t>Créditos</a:t>
+            </a:r>
+            <a:r>
+              <a:rPr lang="en-US" b="1" dirty="0">
+                <a:solidFill>
+                  <a:srgbClr val="7A7A7A"/>
+                </a:solidFill>
+                <a:latin typeface="Poppins"/>
+                <a:ea typeface="Poppins"/>
+                <a:cs typeface="Poppins"/>
+                <a:sym typeface="Poppins"/>
+              </a:rPr>
+              <a:t> </a:t>
+            </a:r>
+            <a:r>
+              <a:rPr lang="en-US" b="1" dirty="0" err="1">
+                <a:solidFill>
+                  <a:srgbClr val="7A7A7A"/>
+                </a:solidFill>
+                <a:latin typeface="Poppins"/>
+                <a:ea typeface="Poppins"/>
+                <a:cs typeface="Poppins"/>
+                <a:sym typeface="Poppins"/>
+              </a:rPr>
+              <a:t>por</a:t>
+            </a:r>
+            <a:r>
+              <a:rPr lang="en-US" b="1" dirty="0">
+                <a:solidFill>
+                  <a:srgbClr val="7A7A7A"/>
+                </a:solidFill>
+                <a:latin typeface="Poppins"/>
+                <a:ea typeface="Poppins"/>
+                <a:cs typeface="Poppins"/>
+                <a:sym typeface="Poppins"/>
+              </a:rPr>
+              <a:t> </a:t>
+            </a:r>
+            <a:r>
+              <a:rPr lang="en-US" b="1" dirty="0" err="1">
+                <a:solidFill>
+                  <a:srgbClr val="7A7A7A"/>
+                </a:solidFill>
+                <a:latin typeface="Poppins"/>
+                <a:ea typeface="Poppins"/>
+                <a:cs typeface="Poppins"/>
+                <a:sym typeface="Poppins"/>
+              </a:rPr>
+              <a:t>ano</a:t>
+            </a:r>
+            <a:r>
+              <a:rPr lang="en-US" b="1" dirty="0">
+                <a:solidFill>
+                  <a:srgbClr val="7A7A7A"/>
+                </a:solidFill>
+                <a:latin typeface="Poppins"/>
+                <a:ea typeface="Poppins"/>
+                <a:cs typeface="Poppins"/>
+                <a:sym typeface="Poppins"/>
+              </a:rPr>
+              <a:t>:</a:t>
+            </a:r>
+          </a:p>
+        </p:txBody>
+      </p:sp>
+      <p:sp>
+        <p:nvSpPr>
+          <p:cNvPr id="49" name="TextBox 35">
+            <a:extLst>
+              <a:ext uri="{FF2B5EF4-FFF2-40B4-BE49-F238E27FC236}">
+                <a16:creationId xmlns:a16="http://schemas.microsoft.com/office/drawing/2014/main" id="{75884EED-38EC-2DAC-E40B-1606CD8E7F19}"/>
+              </a:ext>
+            </a:extLst>
+          </p:cNvPr>
+          <p:cNvSpPr txBox="1"/>
+          <p:nvPr/>
+        </p:nvSpPr>
+        <p:spPr>
+          <a:xfrm>
+            <a:off x="9060236" y="6182847"/>
+            <a:ext cx="2423659" cy="275003"/>
+          </a:xfrm>
+          <a:prstGeom prst="rect">
+            <a:avLst/>
+          </a:prstGeom>
+        </p:spPr>
+        <p:txBody>
+          <a:bodyPr wrap="square" lIns="0" tIns="0" rIns="0" bIns="0" rtlCol="0" anchor="t">
+            <a:spAutoFit/>
+          </a:bodyPr>
+          <a:lstStyle/>
+          <a:p>
+            <a:pPr>
+              <a:lnSpc>
+                <a:spcPts val="2189"/>
+              </a:lnSpc>
+            </a:pPr>
+            <a:r>
+              <a:rPr lang="en-US" sz="1563" dirty="0">
+                <a:solidFill>
+                  <a:srgbClr val="7A7A7A"/>
+                </a:solidFill>
+                <a:latin typeface="Poppins"/>
+                <a:ea typeface="Poppins"/>
+                <a:cs typeface="Poppins"/>
+                <a:sym typeface="Poppins"/>
+              </a:rPr>
+              <a:t>{{creditos}}</a:t>
+            </a:r>
+          </a:p>
+        </p:txBody>
+      </p:sp>
+      <p:sp>
+        <p:nvSpPr>
+          <p:cNvPr id="50" name="Rounded Rectangle 49">
+            <a:extLst>
+              <a:ext uri="{FF2B5EF4-FFF2-40B4-BE49-F238E27FC236}">
+                <a16:creationId xmlns:a16="http://schemas.microsoft.com/office/drawing/2014/main" id="{928E9C23-4A93-87A6-10C3-DF03F24FE737}"/>
+              </a:ext>
+            </a:extLst>
+          </p:cNvPr>
+          <p:cNvSpPr/>
+          <p:nvPr/>
+        </p:nvSpPr>
+        <p:spPr>
+          <a:xfrm>
+            <a:off x="12238423" y="4000500"/>
+            <a:ext cx="5311706" cy="5418944"/>
+          </a:xfrm>
+          <a:prstGeom prst="roundRect">
+            <a:avLst>
+              <a:gd name="adj" fmla="val 7963"/>
+            </a:avLst>
+          </a:prstGeom>
+          <a:solidFill>
+            <a:srgbClr val="CDFBF1">
+              <a:alpha val="7451"/>
+            </a:srgbClr>
+          </a:solidFill>
+          <a:ln w="50800">
+            <a:solidFill>
+              <a:srgbClr val="124E4A"/>
+            </a:solidFill>
+          </a:ln>
+          <a:effectLst>
+            <a:outerShdw blurRad="50800" dist="38100" dir="16200000" rotWithShape="0">
+              <a:prstClr val="black">
+                <a:alpha val="55828"/>
+              </a:prstClr>
+            </a:outerShdw>
+          </a:effectLst>
+        </p:spPr>
+        <p:style>
+          <a:lnRef idx="2">
+            <a:schemeClr val="accent1">
+              <a:shade val="15000"/>
+            </a:schemeClr>
+          </a:lnRef>
+          <a:fillRef idx="1">
+            <a:schemeClr val="accent1"/>
+          </a:fillRef>
+          <a:effectRef idx="0">
+            <a:schemeClr val="accent1"/>
+          </a:effectRef>
+          <a:fontRef idx="minor">
+            <a:schemeClr val="lt1"/>
+          </a:fontRef>
+        </p:style>
+        <p:txBody>
+          <a:bodyPr rtlCol="0" anchor="ctr"/>
+          <a:lstStyle/>
+          <a:p>
+            <a:pPr algn="ctr"/>
+            <a:endParaRPr lang="en-BR" dirty="0"/>
+          </a:p>
+        </p:txBody>
+      </p:sp>
+      <p:sp>
+        <p:nvSpPr>
+          <p:cNvPr id="53" name="Rounded Rectangle 52">
+            <a:extLst>
+              <a:ext uri="{FF2B5EF4-FFF2-40B4-BE49-F238E27FC236}">
+                <a16:creationId xmlns:a16="http://schemas.microsoft.com/office/drawing/2014/main" id="{D5DD6D89-4DBB-034B-DA75-F741C885769E}"/>
+              </a:ext>
+            </a:extLst>
+          </p:cNvPr>
+          <p:cNvSpPr/>
+          <p:nvPr/>
+        </p:nvSpPr>
+        <p:spPr>
+          <a:xfrm>
+            <a:off x="12435560" y="7681076"/>
+            <a:ext cx="4597315" cy="1328942"/>
+          </a:xfrm>
+          <a:prstGeom prst="roundRect">
+            <a:avLst/>
+          </a:prstGeom>
+          <a:solidFill>
+            <a:srgbClr val="124E4A"/>
+          </a:solidFill>
+        </p:spPr>
+        <p:style>
+          <a:lnRef idx="2">
+            <a:schemeClr val="accent1">
+              <a:shade val="15000"/>
+            </a:schemeClr>
+          </a:lnRef>
+          <a:fillRef idx="1">
+            <a:schemeClr val="accent1"/>
+          </a:fillRef>
+          <a:effectRef idx="0">
+            <a:schemeClr val="accent1"/>
+          </a:effectRef>
+          <a:fontRef idx="minor">
+            <a:schemeClr val="lt1"/>
+          </a:fontRef>
+        </p:style>
+        <p:txBody>
+          <a:bodyPr rtlCol="0" anchor="ctr"/>
+          <a:lstStyle/>
+          <a:p>
+            <a:pPr algn="ctr"/>
+            <a:endParaRPr lang="en-BR" dirty="0"/>
+          </a:p>
+        </p:txBody>
+      </p:sp>
+      <p:sp>
+        <p:nvSpPr>
+          <p:cNvPr id="54" name="TextBox 35">
+            <a:extLst>
+              <a:ext uri="{FF2B5EF4-FFF2-40B4-BE49-F238E27FC236}">
+                <a16:creationId xmlns:a16="http://schemas.microsoft.com/office/drawing/2014/main" id="{E15ECD78-A951-06BB-3B11-48E7596BDAD7}"/>
+              </a:ext>
+            </a:extLst>
+          </p:cNvPr>
+          <p:cNvSpPr txBox="1"/>
+          <p:nvPr/>
+        </p:nvSpPr>
+        <p:spPr>
+          <a:xfrm>
+            <a:off x="12595021" y="5091251"/>
+            <a:ext cx="663750" cy="1400255"/>
           </a:xfrm>
           <a:prstGeom prst="rect">
             <a:avLst/>
@@ -30365,7 +31029,7 @@
               </a:lnSpc>
             </a:pPr>
             <a:r>
-              <a:rPr lang="en-US" b="1" dirty="0">
+              <a:rPr lang="en-US" sz="1563" dirty="0">
                 <a:solidFill>
                   <a:srgbClr val="7A7A7A"/>
                 </a:solidFill>
@@ -30374,17 +31038,17 @@
                 <a:cs typeface="Poppins"/>
                 <a:sym typeface="Poppins"/>
               </a:rPr>
-              <a:t>Modulos:</a:t>
-            </a:r>
-          </a:p>
-        </p:txBody>
-      </p:sp>
-      <p:sp>
-        <p:nvSpPr>
-          <p:cNvPr id="5" name="TextBox 35">
+              <a:t>{{modulos_quantidade3}}</a:t>
+            </a:r>
+          </a:p>
+        </p:txBody>
+      </p:sp>
+      <p:sp>
+        <p:nvSpPr>
+          <p:cNvPr id="55" name="TextBox 35">
             <a:extLst>
               <a:ext uri="{FF2B5EF4-FFF2-40B4-BE49-F238E27FC236}">
-                <a16:creationId xmlns:a16="http://schemas.microsoft.com/office/drawing/2014/main" id="{3E2A7459-1206-560F-DACD-D13940A1A9F0}"/>
+                <a16:creationId xmlns:a16="http://schemas.microsoft.com/office/drawing/2014/main" id="{B0B4CB87-4A4F-32A1-D05C-485D38D5B770}"/>
               </a:ext>
             </a:extLst>
           </p:cNvPr>
@@ -30393,8 +31057,126 @@
         </p:nvSpPr>
         <p:spPr>
           <a:xfrm>
-            <a:off x="2385889" y="5205779"/>
-            <a:ext cx="3693289" cy="280846"/>
+            <a:off x="13804515" y="4765198"/>
+            <a:ext cx="3351311" cy="280846"/>
+          </a:xfrm>
+          <a:prstGeom prst="rect">
+            <a:avLst/>
+          </a:prstGeom>
+        </p:spPr>
+        <p:txBody>
+          <a:bodyPr wrap="square" lIns="0" tIns="0" rIns="0" bIns="0" rtlCol="0" anchor="t">
+            <a:spAutoFit/>
+          </a:bodyPr>
+          <a:lstStyle/>
+          <a:p>
+            <a:pPr>
+              <a:lnSpc>
+                <a:spcPts val="2189"/>
+              </a:lnSpc>
+            </a:pPr>
+            <a:r>
+              <a:rPr lang="en-US" dirty="0">
+                <a:solidFill>
+                  <a:srgbClr val="7A7A7A"/>
+                </a:solidFill>
+                <a:latin typeface="Poppins"/>
+                <a:ea typeface="Poppins"/>
+                <a:cs typeface="Poppins"/>
+                <a:sym typeface="Poppins"/>
+              </a:rPr>
+              <a:t>{{</a:t>
+            </a:r>
+            <a:r>
+              <a:rPr lang="en-US" sz="1560" dirty="0">
+                <a:solidFill>
+                  <a:srgbClr val="7A7A7A"/>
+                </a:solidFill>
+                <a:latin typeface="Poppins"/>
+                <a:ea typeface="Poppins"/>
+                <a:cs typeface="Poppins"/>
+                <a:sym typeface="Poppins"/>
+              </a:rPr>
+              <a:t>modulos3</a:t>
+            </a:r>
+            <a:r>
+              <a:rPr lang="en-US" dirty="0">
+                <a:solidFill>
+                  <a:srgbClr val="7A7A7A"/>
+                </a:solidFill>
+                <a:latin typeface="Poppins"/>
+                <a:ea typeface="Poppins"/>
+                <a:cs typeface="Poppins"/>
+                <a:sym typeface="Poppins"/>
+              </a:rPr>
+              <a:t>}}</a:t>
+            </a:r>
+          </a:p>
+        </p:txBody>
+      </p:sp>
+      <p:sp>
+        <p:nvSpPr>
+          <p:cNvPr id="61" name="TextBox 35">
+            <a:extLst>
+              <a:ext uri="{FF2B5EF4-FFF2-40B4-BE49-F238E27FC236}">
+                <a16:creationId xmlns:a16="http://schemas.microsoft.com/office/drawing/2014/main" id="{73EE8301-9A71-A970-3AAF-C2308F16A021}"/>
+              </a:ext>
+            </a:extLst>
+          </p:cNvPr>
+          <p:cNvSpPr txBox="1"/>
+          <p:nvPr/>
+        </p:nvSpPr>
+        <p:spPr>
+          <a:xfrm>
+            <a:off x="13804514" y="5453977"/>
+            <a:ext cx="3351311" cy="275003"/>
+          </a:xfrm>
+          <a:prstGeom prst="rect">
+            <a:avLst/>
+          </a:prstGeom>
+        </p:spPr>
+        <p:txBody>
+          <a:bodyPr wrap="square" lIns="0" tIns="0" rIns="0" bIns="0" rtlCol="0" anchor="t">
+            <a:spAutoFit/>
+          </a:bodyPr>
+          <a:lstStyle/>
+          <a:p>
+            <a:pPr>
+              <a:lnSpc>
+                <a:spcPts val="2189"/>
+              </a:lnSpc>
+            </a:pPr>
+            <a:r>
+              <a:rPr lang="en-US" sz="1563" dirty="0">
+                <a:solidFill>
+                  <a:srgbClr val="7A7A7A"/>
+                </a:solidFill>
+                <a:latin typeface="Poppins"/>
+                <a:ea typeface="Poppins"/>
+                <a:cs typeface="Poppins"/>
+                <a:sym typeface="Poppins"/>
+              </a:rPr>
+              <a:t>{{inversor3}}</a:t>
+            </a:r>
+          </a:p>
+        </p:txBody>
+      </p:sp>
+      <p:sp>
+        <p:nvSpPr>
+          <p:cNvPr id="62" name="TextBox 35">
+            <a:extLst>
+              <a:ext uri="{FF2B5EF4-FFF2-40B4-BE49-F238E27FC236}">
+                <a16:creationId xmlns:a16="http://schemas.microsoft.com/office/drawing/2014/main" id="{2CE57295-48EB-F3A1-720E-6DEE25031447}"/>
+              </a:ext>
+            </a:extLst>
+          </p:cNvPr>
+          <p:cNvSpPr txBox="1"/>
+          <p:nvPr/>
+        </p:nvSpPr>
+        <p:spPr>
+          <a:xfrm>
+            <a:off x="12595021" y="5777973"/>
+            <a:ext cx="663750" cy="1400255"/>
           </a:xfrm>
           <a:prstGeom prst="rect">
             <a:avLst/>
@@ -30412,7 +31194,7 @@
               </a:lnSpc>
             </a:pPr>
             <a:r>
-              <a:rPr lang="en-US" b="1" dirty="0" err="1">
+              <a:rPr lang="en-US" sz="1563" dirty="0">
                 <a:solidFill>
                   <a:srgbClr val="7A7A7A"/>
                 </a:solidFill>
@@ -30421,8 +31203,135 @@
                 <a:cs typeface="Poppins"/>
                 <a:sym typeface="Poppins"/>
               </a:rPr>
-              <a:t>Quantidade</a:t>
-            </a:r>
+              <a:t>{{inversor_quantidade3}}</a:t>
+            </a:r>
+          </a:p>
+        </p:txBody>
+      </p:sp>
+      <p:sp>
+        <p:nvSpPr>
+          <p:cNvPr id="63" name="TextBox 20">
+            <a:extLst>
+              <a:ext uri="{FF2B5EF4-FFF2-40B4-BE49-F238E27FC236}">
+                <a16:creationId xmlns:a16="http://schemas.microsoft.com/office/drawing/2014/main" id="{3F69B59D-30E2-FA73-5DDE-BE21632952A2}"/>
+              </a:ext>
+            </a:extLst>
+          </p:cNvPr>
+          <p:cNvSpPr txBox="1"/>
+          <p:nvPr/>
+        </p:nvSpPr>
+        <p:spPr>
+          <a:xfrm>
+            <a:off x="13813804" y="4104943"/>
+            <a:ext cx="2160944" cy="434734"/>
+          </a:xfrm>
+          <a:prstGeom prst="rect">
+            <a:avLst/>
+          </a:prstGeom>
+        </p:spPr>
+        <p:txBody>
+          <a:bodyPr wrap="square" lIns="0" tIns="0" rIns="0" bIns="0" rtlCol="0" anchor="t">
+            <a:spAutoFit/>
+          </a:bodyPr>
+          <a:lstStyle/>
+          <a:p>
+            <a:pPr algn="ctr">
+              <a:lnSpc>
+                <a:spcPts val="3817"/>
+              </a:lnSpc>
+            </a:pPr>
+            <a:r>
+              <a:rPr lang="en-US" b="1" dirty="0">
+                <a:solidFill>
+                  <a:srgbClr val="7A7A7A"/>
+                </a:solidFill>
+                <a:latin typeface="Poppins Bold"/>
+                <a:ea typeface="Poppins Bold"/>
+                <a:cs typeface="Poppins Bold"/>
+                <a:sym typeface="Poppins Bold"/>
+              </a:rPr>
+              <a:t>{{potencia3}}</a:t>
+            </a:r>
+          </a:p>
+        </p:txBody>
+      </p:sp>
+      <p:sp>
+        <p:nvSpPr>
+          <p:cNvPr id="64" name="TextBox 63">
+            <a:extLst>
+              <a:ext uri="{FF2B5EF4-FFF2-40B4-BE49-F238E27FC236}">
+                <a16:creationId xmlns:a16="http://schemas.microsoft.com/office/drawing/2014/main" id="{411155AB-17F7-9F0A-C06D-27B192C04DCB}"/>
+              </a:ext>
+            </a:extLst>
+          </p:cNvPr>
+          <p:cNvSpPr txBox="1"/>
+          <p:nvPr/>
+        </p:nvSpPr>
+        <p:spPr>
+          <a:xfrm>
+            <a:off x="12535412" y="8151462"/>
+            <a:ext cx="4597315" cy="400110"/>
+          </a:xfrm>
+          <a:prstGeom prst="rect">
+            <a:avLst/>
+          </a:prstGeom>
+          <a:noFill/>
+        </p:spPr>
+        <p:txBody>
+          <a:bodyPr wrap="square">
+            <a:spAutoFit/>
+          </a:bodyPr>
+          <a:lstStyle/>
+          <a:p>
+            <a:pPr algn="ctr"/>
+            <a:r>
+              <a:rPr lang="en-US" sz="2000" b="1" dirty="0">
+                <a:solidFill>
+                  <a:srgbClr val="CDFBF1"/>
+                </a:solidFill>
+                <a:latin typeface="Poppins Bold"/>
+                <a:ea typeface="Poppins Bold"/>
+                <a:cs typeface="Poppins Bold"/>
+                <a:sym typeface="Poppins Bold"/>
+              </a:rPr>
+              <a:t>{{geracao_media3}}</a:t>
+            </a:r>
+            <a:endParaRPr lang="en-BR" sz="2000" dirty="0"/>
+          </a:p>
+        </p:txBody>
+      </p:sp>
+      <p:sp>
+        <p:nvSpPr>
+          <p:cNvPr id="65" name="TextBox 35">
+            <a:extLst>
+              <a:ext uri="{FF2B5EF4-FFF2-40B4-BE49-F238E27FC236}">
+                <a16:creationId xmlns:a16="http://schemas.microsoft.com/office/drawing/2014/main" id="{9C791DA0-D200-7085-1701-94CBCA51FAF2}"/>
+              </a:ext>
+            </a:extLst>
+          </p:cNvPr>
+          <p:cNvSpPr txBox="1"/>
+          <p:nvPr/>
+        </p:nvSpPr>
+        <p:spPr>
+          <a:xfrm>
+            <a:off x="12558512" y="4762076"/>
+            <a:ext cx="1207008" cy="280846"/>
+          </a:xfrm>
+          <a:prstGeom prst="rect">
+            <a:avLst/>
+          </a:prstGeom>
+        </p:spPr>
+        <p:txBody>
+          <a:bodyPr wrap="square" lIns="0" tIns="0" rIns="0" bIns="0" rtlCol="0" anchor="t">
+            <a:spAutoFit/>
+          </a:bodyPr>
+          <a:lstStyle/>
+          <a:p>
+            <a:pPr>
+              <a:lnSpc>
+                <a:spcPts val="2189"/>
+              </a:lnSpc>
+            </a:pPr>
             <a:r>
               <a:rPr lang="en-US" b="1" dirty="0">
                 <a:solidFill>
@@ -30433,17 +31342,17 @@
                 <a:cs typeface="Poppins"/>
                 <a:sym typeface="Poppins"/>
               </a:rPr>
-              <a:t>:</a:t>
-            </a:r>
-          </a:p>
-        </p:txBody>
-      </p:sp>
-      <p:sp>
-        <p:nvSpPr>
-          <p:cNvPr id="6" name="TextBox 35">
+              <a:t>Modulos:</a:t>
+            </a:r>
+          </a:p>
+        </p:txBody>
+      </p:sp>
+      <p:sp>
+        <p:nvSpPr>
+          <p:cNvPr id="66" name="TextBox 35">
             <a:extLst>
               <a:ext uri="{FF2B5EF4-FFF2-40B4-BE49-F238E27FC236}">
-                <a16:creationId xmlns:a16="http://schemas.microsoft.com/office/drawing/2014/main" id="{B5767D85-D4D1-3010-173B-A2F4B10642A2}"/>
+                <a16:creationId xmlns:a16="http://schemas.microsoft.com/office/drawing/2014/main" id="{42ABCDCE-CDF2-E6CF-2369-7F0F9CC99CE5}"/>
               </a:ext>
             </a:extLst>
           </p:cNvPr>
@@ -30452,8 +31361,8 @@
         </p:nvSpPr>
         <p:spPr>
           <a:xfrm>
-            <a:off x="2399267" y="5914644"/>
-            <a:ext cx="3693289" cy="280846"/>
+            <a:off x="12558511" y="5448135"/>
+            <a:ext cx="1207009" cy="280846"/>
           </a:xfrm>
           <a:prstGeom prst="rect">
             <a:avLst/>
@@ -30465,7 +31374,7 @@
           </a:bodyPr>
           <a:lstStyle/>
           <a:p>
-            <a:pPr algn="ctr">
+            <a:pPr>
               <a:lnSpc>
                 <a:spcPts val="2189"/>
               </a:lnSpc>
@@ -30487,10 +31396,10 @@
       </p:sp>
       <p:sp>
         <p:nvSpPr>
-          <p:cNvPr id="8" name="TextBox 35">
+          <p:cNvPr id="67" name="TextBox 35">
             <a:extLst>
               <a:ext uri="{FF2B5EF4-FFF2-40B4-BE49-F238E27FC236}">
-                <a16:creationId xmlns:a16="http://schemas.microsoft.com/office/drawing/2014/main" id="{EF28C45D-9EAB-3105-4E17-C3D85ADEF1F6}"/>
+                <a16:creationId xmlns:a16="http://schemas.microsoft.com/office/drawing/2014/main" id="{7BE5C0BE-7C2F-C00C-92DF-526A933EEF5B}"/>
               </a:ext>
             </a:extLst>
           </p:cNvPr>
@@ -30499,8 +31408,8 @@
         </p:nvSpPr>
         <p:spPr>
           <a:xfrm>
-            <a:off x="2399267" y="6838376"/>
-            <a:ext cx="3693289" cy="280846"/>
+            <a:off x="12558511" y="6177005"/>
+            <a:ext cx="2058323" cy="280846"/>
           </a:xfrm>
           <a:prstGeom prst="rect">
             <a:avLst/>
@@ -30512,7 +31421,7 @@
           </a:bodyPr>
           <a:lstStyle/>
           <a:p>
-            <a:pPr algn="ctr">
+            <a:pPr>
               <a:lnSpc>
                 <a:spcPts val="2189"/>
               </a:lnSpc>
@@ -30527,7 +31436,7 @@
                 <a:cs typeface="Poppins"/>
                 <a:sym typeface="Poppins"/>
               </a:rPr>
-              <a:t>Quantidade</a:t>
+              <a:t>Créditos</a:t>
             </a:r>
             <a:r>
               <a:rPr lang="en-US" b="1" dirty="0">
@@ -30539,6 +31448,54 @@
                 <a:cs typeface="Poppins"/>
                 <a:sym typeface="Poppins"/>
               </a:rPr>
+              <a:t> </a:t>
+            </a:r>
+            <a:r>
+              <a:rPr lang="en-US" b="1" dirty="0" err="1">
+                <a:solidFill>
+                  <a:srgbClr val="7A7A7A"/>
+                </a:solidFill>
+                <a:latin typeface="Poppins"/>
+                <a:ea typeface="Poppins"/>
+                <a:cs typeface="Poppins"/>
+                <a:sym typeface="Poppins"/>
+              </a:rPr>
+              <a:t>por</a:t>
+            </a:r>
+            <a:r>
+              <a:rPr lang="en-US" b="1" dirty="0">
+                <a:solidFill>
+                  <a:srgbClr val="7A7A7A"/>
+                </a:solidFill>
+                <a:latin typeface="Poppins"/>
+                <a:ea typeface="Poppins"/>
+                <a:cs typeface="Poppins"/>
+                <a:sym typeface="Poppins"/>
+              </a:rPr>
+              <a:t> </a:t>
+            </a:r>
+            <a:r>
+              <a:rPr lang="en-US" b="1" dirty="0" err="1">
+                <a:solidFill>
+                  <a:srgbClr val="7A7A7A"/>
+                </a:solidFill>
+                <a:latin typeface="Poppins"/>
+                <a:ea typeface="Poppins"/>
+                <a:cs typeface="Poppins"/>
+                <a:sym typeface="Poppins"/>
+              </a:rPr>
+              <a:t>ano</a:t>
+            </a:r>
+            <a:r>
+              <a:rPr lang="en-US" b="1" dirty="0">
+                <a:solidFill>
+                  <a:srgbClr val="7A7A7A"/>
+                </a:solidFill>
+                <a:latin typeface="Poppins"/>
+                <a:ea typeface="Poppins"/>
+                <a:cs typeface="Poppins"/>
+                <a:sym typeface="Poppins"/>
+              </a:rPr>
               <a:t>:</a:t>
             </a:r>
           </a:p>
@@ -30546,10 +31503,10 @@
       </p:sp>
       <p:sp>
         <p:nvSpPr>
-          <p:cNvPr id="17" name="TextBox 35">
+          <p:cNvPr id="68" name="TextBox 35">
             <a:extLst>
               <a:ext uri="{FF2B5EF4-FFF2-40B4-BE49-F238E27FC236}">
-                <a16:creationId xmlns:a16="http://schemas.microsoft.com/office/drawing/2014/main" id="{A7279E48-8EE5-67A8-016A-5474BD16C707}"/>
+                <a16:creationId xmlns:a16="http://schemas.microsoft.com/office/drawing/2014/main" id="{1C30C42E-FB9E-D23B-BFD0-86580F76D9D0}"/>
               </a:ext>
             </a:extLst>
           </p:cNvPr>
@@ -30558,8 +31515,8 @@
         </p:nvSpPr>
         <p:spPr>
           <a:xfrm>
-            <a:off x="7323035" y="5523071"/>
-            <a:ext cx="3681251" cy="270652"/>
+            <a:off x="14732166" y="6182847"/>
+            <a:ext cx="2423659" cy="275003"/>
           </a:xfrm>
           <a:prstGeom prst="rect">
             <a:avLst/>
@@ -30571,7 +31528,7 @@
           </a:bodyPr>
           <a:lstStyle/>
           <a:p>
-            <a:pPr algn="ctr">
+            <a:pPr>
               <a:lnSpc>
                 <a:spcPts val="2189"/>
               </a:lnSpc>
@@ -30586,760 +31543,7 @@
                 <a:cs typeface="Poppins"/>
                 <a:sym typeface="Poppins"/>
               </a:rPr>
-              <a:t>{{modulos_quantidade}}</a:t>
-            </a:r>
-          </a:p>
-        </p:txBody>
-      </p:sp>
-      <p:sp>
-        <p:nvSpPr>
-          <p:cNvPr id="18" name="TextBox 35">
-            <a:extLst>
-              <a:ext uri="{FF2B5EF4-FFF2-40B4-BE49-F238E27FC236}">
-                <a16:creationId xmlns:a16="http://schemas.microsoft.com/office/drawing/2014/main" id="{5982A1AA-AFB8-3B13-E7A0-C67F9B3E52F4}"/>
-              </a:ext>
-            </a:extLst>
-          </p:cNvPr>
-          <p:cNvSpPr txBox="1"/>
-          <p:nvPr/>
-        </p:nvSpPr>
-        <p:spPr>
-          <a:xfrm>
-            <a:off x="7329855" y="4547937"/>
-            <a:ext cx="3693289" cy="274602"/>
-          </a:xfrm>
-          <a:prstGeom prst="rect">
-            <a:avLst/>
-          </a:prstGeom>
-        </p:spPr>
-        <p:txBody>
-          <a:bodyPr wrap="square" lIns="0" tIns="0" rIns="0" bIns="0" rtlCol="0" anchor="t">
-            <a:spAutoFit/>
-          </a:bodyPr>
-          <a:lstStyle/>
-          <a:p>
-            <a:pPr algn="ctr">
-              <a:lnSpc>
-                <a:spcPts val="2189"/>
-              </a:lnSpc>
-            </a:pPr>
-            <a:r>
-              <a:rPr lang="en-US" sz="1563" dirty="0">
-                <a:solidFill>
-                  <a:srgbClr val="7A7A7A"/>
-                </a:solidFill>
-                <a:latin typeface="Poppins"/>
-                <a:ea typeface="Poppins"/>
-                <a:cs typeface="Poppins"/>
-                <a:sym typeface="Poppins"/>
-              </a:rPr>
-              <a:t>{{modulos}}</a:t>
-            </a:r>
-          </a:p>
-        </p:txBody>
-      </p:sp>
-      <p:sp>
-        <p:nvSpPr>
-          <p:cNvPr id="19" name="TextBox 35">
-            <a:extLst>
-              <a:ext uri="{FF2B5EF4-FFF2-40B4-BE49-F238E27FC236}">
-                <a16:creationId xmlns:a16="http://schemas.microsoft.com/office/drawing/2014/main" id="{FD18D512-AE3E-34EE-6C96-50C5DB4C6572}"/>
-              </a:ext>
-            </a:extLst>
-          </p:cNvPr>
-          <p:cNvSpPr txBox="1"/>
-          <p:nvPr/>
-        </p:nvSpPr>
-        <p:spPr>
-          <a:xfrm>
-            <a:off x="7329855" y="6282138"/>
-            <a:ext cx="3681251" cy="274602"/>
-          </a:xfrm>
-          <a:prstGeom prst="rect">
-            <a:avLst/>
-          </a:prstGeom>
-        </p:spPr>
-        <p:txBody>
-          <a:bodyPr wrap="square" lIns="0" tIns="0" rIns="0" bIns="0" rtlCol="0" anchor="t">
-            <a:spAutoFit/>
-          </a:bodyPr>
-          <a:lstStyle/>
-          <a:p>
-            <a:pPr algn="ctr">
-              <a:lnSpc>
-                <a:spcPts val="2189"/>
-              </a:lnSpc>
-            </a:pPr>
-            <a:r>
-              <a:rPr lang="en-US" sz="1563" dirty="0">
-                <a:solidFill>
-                  <a:srgbClr val="7A7A7A"/>
-                </a:solidFill>
-                <a:latin typeface="Poppins"/>
-                <a:ea typeface="Poppins"/>
-                <a:cs typeface="Poppins"/>
-                <a:sym typeface="Poppins"/>
-              </a:rPr>
-              <a:t>{{inversor}}</a:t>
-            </a:r>
-          </a:p>
-        </p:txBody>
-      </p:sp>
-      <p:sp>
-        <p:nvSpPr>
-          <p:cNvPr id="20" name="TextBox 35">
-            <a:extLst>
-              <a:ext uri="{FF2B5EF4-FFF2-40B4-BE49-F238E27FC236}">
-                <a16:creationId xmlns:a16="http://schemas.microsoft.com/office/drawing/2014/main" id="{2CB7EEFF-33A3-86B3-5D2D-14FED95E0CB7}"/>
-              </a:ext>
-            </a:extLst>
-          </p:cNvPr>
-          <p:cNvSpPr txBox="1"/>
-          <p:nvPr/>
-        </p:nvSpPr>
-        <p:spPr>
-          <a:xfrm>
-            <a:off x="7316478" y="7139695"/>
-            <a:ext cx="3693289" cy="275691"/>
-          </a:xfrm>
-          <a:prstGeom prst="rect">
-            <a:avLst/>
-          </a:prstGeom>
-        </p:spPr>
-        <p:txBody>
-          <a:bodyPr wrap="square" lIns="0" tIns="0" rIns="0" bIns="0" rtlCol="0" anchor="t">
-            <a:spAutoFit/>
-          </a:bodyPr>
-          <a:lstStyle/>
-          <a:p>
-            <a:pPr algn="ctr">
-              <a:lnSpc>
-                <a:spcPts val="2189"/>
-              </a:lnSpc>
-            </a:pPr>
-            <a:r>
-              <a:rPr lang="en-US" sz="1563" dirty="0">
-                <a:solidFill>
-                  <a:srgbClr val="7A7A7A"/>
-                </a:solidFill>
-                <a:latin typeface="Poppins"/>
-                <a:ea typeface="Poppins"/>
-                <a:cs typeface="Poppins"/>
-                <a:sym typeface="Poppins"/>
-              </a:rPr>
-              <a:t>{{inversor_quantidade}}</a:t>
-            </a:r>
-          </a:p>
-        </p:txBody>
-      </p:sp>
-      <p:sp>
-        <p:nvSpPr>
-          <p:cNvPr id="21" name="TextBox 35">
-            <a:extLst>
-              <a:ext uri="{FF2B5EF4-FFF2-40B4-BE49-F238E27FC236}">
-                <a16:creationId xmlns:a16="http://schemas.microsoft.com/office/drawing/2014/main" id="{1AE588EF-816D-072C-2F92-F741E8A9ACE1}"/>
-              </a:ext>
-            </a:extLst>
-          </p:cNvPr>
-          <p:cNvSpPr txBox="1"/>
-          <p:nvPr/>
-        </p:nvSpPr>
-        <p:spPr>
-          <a:xfrm>
-            <a:off x="7329855" y="4203016"/>
-            <a:ext cx="3693289" cy="280846"/>
-          </a:xfrm>
-          <a:prstGeom prst="rect">
-            <a:avLst/>
-          </a:prstGeom>
-        </p:spPr>
-        <p:txBody>
-          <a:bodyPr wrap="square" lIns="0" tIns="0" rIns="0" bIns="0" rtlCol="0" anchor="t">
-            <a:spAutoFit/>
-          </a:bodyPr>
-          <a:lstStyle/>
-          <a:p>
-            <a:pPr algn="ctr">
-              <a:lnSpc>
-                <a:spcPts val="2189"/>
-              </a:lnSpc>
-            </a:pPr>
-            <a:r>
-              <a:rPr lang="en-US" b="1" dirty="0">
-                <a:solidFill>
-                  <a:srgbClr val="7A7A7A"/>
-                </a:solidFill>
-                <a:latin typeface="Poppins"/>
-                <a:ea typeface="Poppins"/>
-                <a:cs typeface="Poppins"/>
-                <a:sym typeface="Poppins"/>
-              </a:rPr>
-              <a:t>Modulos:</a:t>
-            </a:r>
-          </a:p>
-        </p:txBody>
-      </p:sp>
-      <p:sp>
-        <p:nvSpPr>
-          <p:cNvPr id="22" name="TextBox 35">
-            <a:extLst>
-              <a:ext uri="{FF2B5EF4-FFF2-40B4-BE49-F238E27FC236}">
-                <a16:creationId xmlns:a16="http://schemas.microsoft.com/office/drawing/2014/main" id="{BCC63662-824C-4867-E202-0FA621085433}"/>
-              </a:ext>
-            </a:extLst>
-          </p:cNvPr>
-          <p:cNvSpPr txBox="1"/>
-          <p:nvPr/>
-        </p:nvSpPr>
-        <p:spPr>
-          <a:xfrm>
-            <a:off x="7316477" y="5187850"/>
-            <a:ext cx="3693289" cy="280846"/>
-          </a:xfrm>
-          <a:prstGeom prst="rect">
-            <a:avLst/>
-          </a:prstGeom>
-        </p:spPr>
-        <p:txBody>
-          <a:bodyPr wrap="square" lIns="0" tIns="0" rIns="0" bIns="0" rtlCol="0" anchor="t">
-            <a:spAutoFit/>
-          </a:bodyPr>
-          <a:lstStyle/>
-          <a:p>
-            <a:pPr algn="ctr">
-              <a:lnSpc>
-                <a:spcPts val="2189"/>
-              </a:lnSpc>
-            </a:pPr>
-            <a:r>
-              <a:rPr lang="en-US" b="1" dirty="0" err="1">
-                <a:solidFill>
-                  <a:srgbClr val="7A7A7A"/>
-                </a:solidFill>
-                <a:latin typeface="Poppins"/>
-                <a:ea typeface="Poppins"/>
-                <a:cs typeface="Poppins"/>
-                <a:sym typeface="Poppins"/>
-              </a:rPr>
-              <a:t>Quantidade</a:t>
-            </a:r>
-            <a:r>
-              <a:rPr lang="en-US" b="1" dirty="0">
-                <a:solidFill>
-                  <a:srgbClr val="7A7A7A"/>
-                </a:solidFill>
-                <a:latin typeface="Poppins"/>
-                <a:ea typeface="Poppins"/>
-                <a:cs typeface="Poppins"/>
-                <a:sym typeface="Poppins"/>
-              </a:rPr>
-              <a:t>:</a:t>
-            </a:r>
-          </a:p>
-        </p:txBody>
-      </p:sp>
-      <p:sp>
-        <p:nvSpPr>
-          <p:cNvPr id="23" name="TextBox 35">
-            <a:extLst>
-              <a:ext uri="{FF2B5EF4-FFF2-40B4-BE49-F238E27FC236}">
-                <a16:creationId xmlns:a16="http://schemas.microsoft.com/office/drawing/2014/main" id="{C10AFDE8-A88F-A682-0E6B-69DA65603CD9}"/>
-              </a:ext>
-            </a:extLst>
-          </p:cNvPr>
-          <p:cNvSpPr txBox="1"/>
-          <p:nvPr/>
-        </p:nvSpPr>
-        <p:spPr>
-          <a:xfrm>
-            <a:off x="7329855" y="5896715"/>
-            <a:ext cx="3693289" cy="280846"/>
-          </a:xfrm>
-          <a:prstGeom prst="rect">
-            <a:avLst/>
-          </a:prstGeom>
-        </p:spPr>
-        <p:txBody>
-          <a:bodyPr wrap="square" lIns="0" tIns="0" rIns="0" bIns="0" rtlCol="0" anchor="t">
-            <a:spAutoFit/>
-          </a:bodyPr>
-          <a:lstStyle/>
-          <a:p>
-            <a:pPr algn="ctr">
-              <a:lnSpc>
-                <a:spcPts val="2189"/>
-              </a:lnSpc>
-            </a:pPr>
-            <a:r>
-              <a:rPr lang="en-US" b="1" dirty="0">
-                <a:solidFill>
-                  <a:srgbClr val="7A7A7A"/>
-                </a:solidFill>
-                <a:latin typeface="Poppins"/>
-                <a:ea typeface="Poppins"/>
-                <a:cs typeface="Poppins"/>
-                <a:sym typeface="Poppins"/>
-              </a:rPr>
-              <a:t>Inversor:</a:t>
-            </a:r>
-          </a:p>
-        </p:txBody>
-      </p:sp>
-      <p:sp>
-        <p:nvSpPr>
-          <p:cNvPr id="24" name="TextBox 35">
-            <a:extLst>
-              <a:ext uri="{FF2B5EF4-FFF2-40B4-BE49-F238E27FC236}">
-                <a16:creationId xmlns:a16="http://schemas.microsoft.com/office/drawing/2014/main" id="{5B2ACC43-D35F-65FE-057A-E935BEF52103}"/>
-              </a:ext>
-            </a:extLst>
-          </p:cNvPr>
-          <p:cNvSpPr txBox="1"/>
-          <p:nvPr/>
-        </p:nvSpPr>
-        <p:spPr>
-          <a:xfrm>
-            <a:off x="7329855" y="6820447"/>
-            <a:ext cx="3693289" cy="280846"/>
-          </a:xfrm>
-          <a:prstGeom prst="rect">
-            <a:avLst/>
-          </a:prstGeom>
-        </p:spPr>
-        <p:txBody>
-          <a:bodyPr wrap="square" lIns="0" tIns="0" rIns="0" bIns="0" rtlCol="0" anchor="t">
-            <a:spAutoFit/>
-          </a:bodyPr>
-          <a:lstStyle/>
-          <a:p>
-            <a:pPr algn="ctr">
-              <a:lnSpc>
-                <a:spcPts val="2189"/>
-              </a:lnSpc>
-            </a:pPr>
-            <a:r>
-              <a:rPr lang="en-US" b="1" dirty="0" err="1">
-                <a:solidFill>
-                  <a:srgbClr val="7A7A7A"/>
-                </a:solidFill>
-                <a:latin typeface="Poppins"/>
-                <a:ea typeface="Poppins"/>
-                <a:cs typeface="Poppins"/>
-                <a:sym typeface="Poppins"/>
-              </a:rPr>
-              <a:t>Quantidade</a:t>
-            </a:r>
-            <a:r>
-              <a:rPr lang="en-US" b="1" dirty="0">
-                <a:solidFill>
-                  <a:srgbClr val="7A7A7A"/>
-                </a:solidFill>
-                <a:latin typeface="Poppins"/>
-                <a:ea typeface="Poppins"/>
-                <a:cs typeface="Poppins"/>
-                <a:sym typeface="Poppins"/>
-              </a:rPr>
-              <a:t>:</a:t>
-            </a:r>
-          </a:p>
-        </p:txBody>
-      </p:sp>
-      <p:sp>
-        <p:nvSpPr>
-          <p:cNvPr id="28" name="TextBox 35">
-            <a:extLst>
-              <a:ext uri="{FF2B5EF4-FFF2-40B4-BE49-F238E27FC236}">
-                <a16:creationId xmlns:a16="http://schemas.microsoft.com/office/drawing/2014/main" id="{EA2BE3A5-57D8-0CAB-0C00-D58D34FA5327}"/>
-              </a:ext>
-            </a:extLst>
-          </p:cNvPr>
-          <p:cNvSpPr txBox="1"/>
-          <p:nvPr/>
-        </p:nvSpPr>
-        <p:spPr>
-          <a:xfrm>
-            <a:off x="12199835" y="5523071"/>
-            <a:ext cx="3681251" cy="270652"/>
-          </a:xfrm>
-          <a:prstGeom prst="rect">
-            <a:avLst/>
-          </a:prstGeom>
-        </p:spPr>
-        <p:txBody>
-          <a:bodyPr wrap="square" lIns="0" tIns="0" rIns="0" bIns="0" rtlCol="0" anchor="t">
-            <a:spAutoFit/>
-          </a:bodyPr>
-          <a:lstStyle/>
-          <a:p>
-            <a:pPr algn="ctr">
-              <a:lnSpc>
-                <a:spcPts val="2189"/>
-              </a:lnSpc>
-            </a:pPr>
-            <a:r>
-              <a:rPr lang="en-US" sz="1563" dirty="0">
-                <a:solidFill>
-                  <a:srgbClr val="7A7A7A"/>
-                </a:solidFill>
-                <a:latin typeface="Poppins"/>
-                <a:ea typeface="Poppins"/>
-                <a:cs typeface="Poppins"/>
-                <a:sym typeface="Poppins"/>
-              </a:rPr>
-              <a:t>{{modulos_quantidade3}}</a:t>
-            </a:r>
-          </a:p>
-        </p:txBody>
-      </p:sp>
-      <p:sp>
-        <p:nvSpPr>
-          <p:cNvPr id="29" name="TextBox 35">
-            <a:extLst>
-              <a:ext uri="{FF2B5EF4-FFF2-40B4-BE49-F238E27FC236}">
-                <a16:creationId xmlns:a16="http://schemas.microsoft.com/office/drawing/2014/main" id="{2FCB0D86-0D43-B580-20FA-F29C88CEC5B0}"/>
-              </a:ext>
-            </a:extLst>
-          </p:cNvPr>
-          <p:cNvSpPr txBox="1"/>
-          <p:nvPr/>
-        </p:nvSpPr>
-        <p:spPr>
-          <a:xfrm>
-            <a:off x="12206655" y="4547937"/>
-            <a:ext cx="3693289" cy="274602"/>
-          </a:xfrm>
-          <a:prstGeom prst="rect">
-            <a:avLst/>
-          </a:prstGeom>
-        </p:spPr>
-        <p:txBody>
-          <a:bodyPr wrap="square" lIns="0" tIns="0" rIns="0" bIns="0" rtlCol="0" anchor="t">
-            <a:spAutoFit/>
-          </a:bodyPr>
-          <a:lstStyle/>
-          <a:p>
-            <a:pPr algn="ctr">
-              <a:lnSpc>
-                <a:spcPts val="2189"/>
-              </a:lnSpc>
-            </a:pPr>
-            <a:r>
-              <a:rPr lang="en-US" sz="1563" dirty="0">
-                <a:solidFill>
-                  <a:srgbClr val="7A7A7A"/>
-                </a:solidFill>
-                <a:latin typeface="Poppins"/>
-                <a:ea typeface="Poppins"/>
-                <a:cs typeface="Poppins"/>
-                <a:sym typeface="Poppins"/>
-              </a:rPr>
-              <a:t>{{modulos3}}</a:t>
-            </a:r>
-          </a:p>
-        </p:txBody>
-      </p:sp>
-      <p:sp>
-        <p:nvSpPr>
-          <p:cNvPr id="30" name="TextBox 35">
-            <a:extLst>
-              <a:ext uri="{FF2B5EF4-FFF2-40B4-BE49-F238E27FC236}">
-                <a16:creationId xmlns:a16="http://schemas.microsoft.com/office/drawing/2014/main" id="{476EAFCE-09AC-0DA3-D2CC-A0BE6F720334}"/>
-              </a:ext>
-            </a:extLst>
-          </p:cNvPr>
-          <p:cNvSpPr txBox="1"/>
-          <p:nvPr/>
-        </p:nvSpPr>
-        <p:spPr>
-          <a:xfrm>
-            <a:off x="12206655" y="6282138"/>
-            <a:ext cx="3681251" cy="274602"/>
-          </a:xfrm>
-          <a:prstGeom prst="rect">
-            <a:avLst/>
-          </a:prstGeom>
-        </p:spPr>
-        <p:txBody>
-          <a:bodyPr wrap="square" lIns="0" tIns="0" rIns="0" bIns="0" rtlCol="0" anchor="t">
-            <a:spAutoFit/>
-          </a:bodyPr>
-          <a:lstStyle/>
-          <a:p>
-            <a:pPr algn="ctr">
-              <a:lnSpc>
-                <a:spcPts val="2189"/>
-              </a:lnSpc>
-            </a:pPr>
-            <a:r>
-              <a:rPr lang="en-US" sz="1563" dirty="0">
-                <a:solidFill>
-                  <a:srgbClr val="7A7A7A"/>
-                </a:solidFill>
-                <a:latin typeface="Poppins"/>
-                <a:ea typeface="Poppins"/>
-                <a:cs typeface="Poppins"/>
-                <a:sym typeface="Poppins"/>
-              </a:rPr>
-              <a:t>{{inversor3}}</a:t>
-            </a:r>
-          </a:p>
-        </p:txBody>
-      </p:sp>
-      <p:sp>
-        <p:nvSpPr>
-          <p:cNvPr id="31" name="TextBox 35">
-            <a:extLst>
-              <a:ext uri="{FF2B5EF4-FFF2-40B4-BE49-F238E27FC236}">
-                <a16:creationId xmlns:a16="http://schemas.microsoft.com/office/drawing/2014/main" id="{C65B313E-A4C0-9390-0AFE-D6A3D37A253C}"/>
-              </a:ext>
-            </a:extLst>
-          </p:cNvPr>
-          <p:cNvSpPr txBox="1"/>
-          <p:nvPr/>
-        </p:nvSpPr>
-        <p:spPr>
-          <a:xfrm>
-            <a:off x="12193278" y="7139695"/>
-            <a:ext cx="3693289" cy="275691"/>
-          </a:xfrm>
-          <a:prstGeom prst="rect">
-            <a:avLst/>
-          </a:prstGeom>
-        </p:spPr>
-        <p:txBody>
-          <a:bodyPr wrap="square" lIns="0" tIns="0" rIns="0" bIns="0" rtlCol="0" anchor="t">
-            <a:spAutoFit/>
-          </a:bodyPr>
-          <a:lstStyle/>
-          <a:p>
-            <a:pPr algn="ctr">
-              <a:lnSpc>
-                <a:spcPts val="2189"/>
-              </a:lnSpc>
-            </a:pPr>
-            <a:r>
-              <a:rPr lang="en-US" sz="1563" dirty="0">
-                <a:solidFill>
-                  <a:srgbClr val="7A7A7A"/>
-                </a:solidFill>
-                <a:latin typeface="Poppins"/>
-                <a:ea typeface="Poppins"/>
-                <a:cs typeface="Poppins"/>
-                <a:sym typeface="Poppins"/>
-              </a:rPr>
-              <a:t>{{inversor_quantidade3}}</a:t>
-            </a:r>
-          </a:p>
-        </p:txBody>
-      </p:sp>
-      <p:sp>
-        <p:nvSpPr>
-          <p:cNvPr id="32" name="TextBox 35">
-            <a:extLst>
-              <a:ext uri="{FF2B5EF4-FFF2-40B4-BE49-F238E27FC236}">
-                <a16:creationId xmlns:a16="http://schemas.microsoft.com/office/drawing/2014/main" id="{71C4180B-F5A9-7E69-A74E-6DC5F6E87BBA}"/>
-              </a:ext>
-            </a:extLst>
-          </p:cNvPr>
-          <p:cNvSpPr txBox="1"/>
-          <p:nvPr/>
-        </p:nvSpPr>
-        <p:spPr>
-          <a:xfrm>
-            <a:off x="12206655" y="4203016"/>
-            <a:ext cx="3693289" cy="280846"/>
-          </a:xfrm>
-          <a:prstGeom prst="rect">
-            <a:avLst/>
-          </a:prstGeom>
-        </p:spPr>
-        <p:txBody>
-          <a:bodyPr wrap="square" lIns="0" tIns="0" rIns="0" bIns="0" rtlCol="0" anchor="t">
-            <a:spAutoFit/>
-          </a:bodyPr>
-          <a:lstStyle/>
-          <a:p>
-            <a:pPr algn="ctr">
-              <a:lnSpc>
-                <a:spcPts val="2189"/>
-              </a:lnSpc>
-            </a:pPr>
-            <a:r>
-              <a:rPr lang="en-US" b="1" dirty="0">
-                <a:solidFill>
-                  <a:srgbClr val="7A7A7A"/>
-                </a:solidFill>
-                <a:latin typeface="Poppins"/>
-                <a:ea typeface="Poppins"/>
-                <a:cs typeface="Poppins"/>
-                <a:sym typeface="Poppins"/>
-              </a:rPr>
-              <a:t>Modulos:</a:t>
-            </a:r>
-          </a:p>
-        </p:txBody>
-      </p:sp>
-      <p:sp>
-        <p:nvSpPr>
-          <p:cNvPr id="33" name="TextBox 35">
-            <a:extLst>
-              <a:ext uri="{FF2B5EF4-FFF2-40B4-BE49-F238E27FC236}">
-                <a16:creationId xmlns:a16="http://schemas.microsoft.com/office/drawing/2014/main" id="{EFB4E008-A6A6-28DF-7933-33A09519AED6}"/>
-              </a:ext>
-            </a:extLst>
-          </p:cNvPr>
-          <p:cNvSpPr txBox="1"/>
-          <p:nvPr/>
-        </p:nvSpPr>
-        <p:spPr>
-          <a:xfrm>
-            <a:off x="12193277" y="5187850"/>
-            <a:ext cx="3693289" cy="280846"/>
-          </a:xfrm>
-          <a:prstGeom prst="rect">
-            <a:avLst/>
-          </a:prstGeom>
-        </p:spPr>
-        <p:txBody>
-          <a:bodyPr wrap="square" lIns="0" tIns="0" rIns="0" bIns="0" rtlCol="0" anchor="t">
-            <a:spAutoFit/>
-          </a:bodyPr>
-          <a:lstStyle/>
-          <a:p>
-            <a:pPr algn="ctr">
-              <a:lnSpc>
-                <a:spcPts val="2189"/>
-              </a:lnSpc>
-            </a:pPr>
-            <a:r>
-              <a:rPr lang="en-US" b="1" dirty="0" err="1">
-                <a:solidFill>
-                  <a:srgbClr val="7A7A7A"/>
-                </a:solidFill>
-                <a:latin typeface="Poppins"/>
-                <a:ea typeface="Poppins"/>
-                <a:cs typeface="Poppins"/>
-                <a:sym typeface="Poppins"/>
-              </a:rPr>
-              <a:t>Quantidade</a:t>
-            </a:r>
-            <a:r>
-              <a:rPr lang="en-US" b="1" dirty="0">
-                <a:solidFill>
-                  <a:srgbClr val="7A7A7A"/>
-                </a:solidFill>
-                <a:latin typeface="Poppins"/>
-                <a:ea typeface="Poppins"/>
-                <a:cs typeface="Poppins"/>
-                <a:sym typeface="Poppins"/>
-              </a:rPr>
-              <a:t>:</a:t>
-            </a:r>
-          </a:p>
-        </p:txBody>
-      </p:sp>
-      <p:sp>
-        <p:nvSpPr>
-          <p:cNvPr id="34" name="TextBox 35">
-            <a:extLst>
-              <a:ext uri="{FF2B5EF4-FFF2-40B4-BE49-F238E27FC236}">
-                <a16:creationId xmlns:a16="http://schemas.microsoft.com/office/drawing/2014/main" id="{0FBDB0D2-FDCA-275B-9E2C-5C65D8E73BA8}"/>
-              </a:ext>
-            </a:extLst>
-          </p:cNvPr>
-          <p:cNvSpPr txBox="1"/>
-          <p:nvPr/>
-        </p:nvSpPr>
-        <p:spPr>
-          <a:xfrm>
-            <a:off x="12206655" y="5896715"/>
-            <a:ext cx="3693289" cy="280846"/>
-          </a:xfrm>
-          <a:prstGeom prst="rect">
-            <a:avLst/>
-          </a:prstGeom>
-        </p:spPr>
-        <p:txBody>
-          <a:bodyPr wrap="square" lIns="0" tIns="0" rIns="0" bIns="0" rtlCol="0" anchor="t">
-            <a:spAutoFit/>
-          </a:bodyPr>
-          <a:lstStyle/>
-          <a:p>
-            <a:pPr algn="ctr">
-              <a:lnSpc>
-                <a:spcPts val="2189"/>
-              </a:lnSpc>
-            </a:pPr>
-            <a:r>
-              <a:rPr lang="en-US" b="1" dirty="0">
-                <a:solidFill>
-                  <a:srgbClr val="7A7A7A"/>
-                </a:solidFill>
-                <a:latin typeface="Poppins"/>
-                <a:ea typeface="Poppins"/>
-                <a:cs typeface="Poppins"/>
-                <a:sym typeface="Poppins"/>
-              </a:rPr>
-              <a:t>Inversor:</a:t>
-            </a:r>
-          </a:p>
-        </p:txBody>
-      </p:sp>
-      <p:sp>
-        <p:nvSpPr>
-          <p:cNvPr id="36" name="TextBox 35">
-            <a:extLst>
-              <a:ext uri="{FF2B5EF4-FFF2-40B4-BE49-F238E27FC236}">
-                <a16:creationId xmlns:a16="http://schemas.microsoft.com/office/drawing/2014/main" id="{5211CA53-20B4-6D42-B014-FE00B45B35E6}"/>
-              </a:ext>
-            </a:extLst>
-          </p:cNvPr>
-          <p:cNvSpPr txBox="1"/>
-          <p:nvPr/>
-        </p:nvSpPr>
-        <p:spPr>
-          <a:xfrm>
-            <a:off x="12206655" y="6820447"/>
-            <a:ext cx="3693289" cy="280846"/>
-          </a:xfrm>
-          <a:prstGeom prst="rect">
-            <a:avLst/>
-          </a:prstGeom>
-        </p:spPr>
-        <p:txBody>
-          <a:bodyPr wrap="square" lIns="0" tIns="0" rIns="0" bIns="0" rtlCol="0" anchor="t">
-            <a:spAutoFit/>
-          </a:bodyPr>
-          <a:lstStyle/>
-          <a:p>
-            <a:pPr algn="ctr">
-              <a:lnSpc>
-                <a:spcPts val="2189"/>
-              </a:lnSpc>
-            </a:pPr>
-            <a:r>
-              <a:rPr lang="en-US" b="1" dirty="0" err="1">
-                <a:solidFill>
-                  <a:srgbClr val="7A7A7A"/>
-                </a:solidFill>
-                <a:latin typeface="Poppins"/>
-                <a:ea typeface="Poppins"/>
-                <a:cs typeface="Poppins"/>
-                <a:sym typeface="Poppins"/>
-              </a:rPr>
-              <a:t>Quantidade</a:t>
-            </a:r>
-            <a:r>
-              <a:rPr lang="en-US" b="1" dirty="0">
-                <a:solidFill>
-                  <a:srgbClr val="7A7A7A"/>
-                </a:solidFill>
-                <a:latin typeface="Poppins"/>
-                <a:ea typeface="Poppins"/>
-                <a:cs typeface="Poppins"/>
-                <a:sym typeface="Poppins"/>
-              </a:rPr>
-              <a:t>:</a:t>
+              <a:t>{{creditos3}}</a:t>
             </a:r>
           </a:p>
         </p:txBody>

--- a/templates/modelo.pptx
+++ b/templates/modelo.pptx
@@ -14,7 +14,7 @@
     <p:sldId id="258" r:id="rId5"/>
     <p:sldId id="259" r:id="rId6"/>
     <p:sldId id="261" r:id="rId7"/>
-    <p:sldId id="263" r:id="rId8"/>
+    <p:sldId id="272" r:id="rId8"/>
     <p:sldId id="262" r:id="rId9"/>
     <p:sldId id="269" r:id="rId10"/>
     <p:sldId id="265" r:id="rId11"/>
@@ -242,7 +242,7 @@
           <a:p>
             <a:fld id="{580D7FDF-C8ED-1445-A0F8-888DB6C12010}" type="datetimeFigureOut">
               <a:rPr lang="en-BR" smtClean="0"/>
-              <a:t>27/08/25</a:t>
+              <a:t>30/08/25</a:t>
             </a:fld>
             <a:endParaRPr lang="en-BR"/>
           </a:p>
@@ -990,7 +990,7 @@
             <a:fld id="{1D8BD707-D9CF-40AE-B4C6-C98DA3205C09}" type="datetimeFigureOut">
               <a:rPr lang="en-US" smtClean="0"/>
               <a:pPr/>
-              <a:t>8/27/25</a:t>
+              <a:t>8/30/25</a:t>
             </a:fld>
             <a:endParaRPr lang="en-US"/>
           </a:p>
@@ -1155,7 +1155,7 @@
             <a:fld id="{1D8BD707-D9CF-40AE-B4C6-C98DA3205C09}" type="datetimeFigureOut">
               <a:rPr lang="en-US" smtClean="0"/>
               <a:pPr/>
-              <a:t>8/27/25</a:t>
+              <a:t>8/30/25</a:t>
             </a:fld>
             <a:endParaRPr lang="en-US"/>
           </a:p>
@@ -1330,7 +1330,7 @@
             <a:fld id="{1D8BD707-D9CF-40AE-B4C6-C98DA3205C09}" type="datetimeFigureOut">
               <a:rPr lang="en-US" smtClean="0"/>
               <a:pPr/>
-              <a:t>8/27/25</a:t>
+              <a:t>8/30/25</a:t>
             </a:fld>
             <a:endParaRPr lang="en-US"/>
           </a:p>
@@ -1495,7 +1495,7 @@
             <a:fld id="{1D8BD707-D9CF-40AE-B4C6-C98DA3205C09}" type="datetimeFigureOut">
               <a:rPr lang="en-US" smtClean="0"/>
               <a:pPr/>
-              <a:t>8/27/25</a:t>
+              <a:t>8/30/25</a:t>
             </a:fld>
             <a:endParaRPr lang="en-US"/>
           </a:p>
@@ -1737,7 +1737,7 @@
             <a:fld id="{1D8BD707-D9CF-40AE-B4C6-C98DA3205C09}" type="datetimeFigureOut">
               <a:rPr lang="en-US" smtClean="0"/>
               <a:pPr/>
-              <a:t>8/27/25</a:t>
+              <a:t>8/30/25</a:t>
             </a:fld>
             <a:endParaRPr lang="en-US"/>
           </a:p>
@@ -2019,7 +2019,7 @@
             <a:fld id="{1D8BD707-D9CF-40AE-B4C6-C98DA3205C09}" type="datetimeFigureOut">
               <a:rPr lang="en-US" smtClean="0"/>
               <a:pPr/>
-              <a:t>8/27/25</a:t>
+              <a:t>8/30/25</a:t>
             </a:fld>
             <a:endParaRPr lang="en-US"/>
           </a:p>
@@ -2435,7 +2435,7 @@
             <a:fld id="{1D8BD707-D9CF-40AE-B4C6-C98DA3205C09}" type="datetimeFigureOut">
               <a:rPr lang="en-US" smtClean="0"/>
               <a:pPr/>
-              <a:t>8/27/25</a:t>
+              <a:t>8/30/25</a:t>
             </a:fld>
             <a:endParaRPr lang="en-US"/>
           </a:p>
@@ -2549,7 +2549,7 @@
             <a:fld id="{1D8BD707-D9CF-40AE-B4C6-C98DA3205C09}" type="datetimeFigureOut">
               <a:rPr lang="en-US" smtClean="0"/>
               <a:pPr/>
-              <a:t>8/27/25</a:t>
+              <a:t>8/30/25</a:t>
             </a:fld>
             <a:endParaRPr lang="en-US"/>
           </a:p>
@@ -2641,7 +2641,7 @@
             <a:fld id="{1D8BD707-D9CF-40AE-B4C6-C98DA3205C09}" type="datetimeFigureOut">
               <a:rPr lang="en-US" smtClean="0"/>
               <a:pPr/>
-              <a:t>8/27/25</a:t>
+              <a:t>8/30/25</a:t>
             </a:fld>
             <a:endParaRPr lang="en-US"/>
           </a:p>
@@ -2913,7 +2913,7 @@
             <a:fld id="{1D8BD707-D9CF-40AE-B4C6-C98DA3205C09}" type="datetimeFigureOut">
               <a:rPr lang="en-US" smtClean="0"/>
               <a:pPr/>
-              <a:t>8/27/25</a:t>
+              <a:t>8/30/25</a:t>
             </a:fld>
             <a:endParaRPr lang="en-US"/>
           </a:p>
@@ -3162,7 +3162,7 @@
             <a:fld id="{1D8BD707-D9CF-40AE-B4C6-C98DA3205C09}" type="datetimeFigureOut">
               <a:rPr lang="en-US" smtClean="0"/>
               <a:pPr/>
-              <a:t>8/27/25</a:t>
+              <a:t>8/30/25</a:t>
             </a:fld>
             <a:endParaRPr lang="en-US"/>
           </a:p>
@@ -3370,7 +3370,7 @@
             <a:fld id="{1D8BD707-D9CF-40AE-B4C6-C98DA3205C09}" type="datetimeFigureOut">
               <a:rPr lang="en-US" smtClean="0"/>
               <a:pPr/>
-              <a:t>8/27/25</a:t>
+              <a:t>8/30/25</a:t>
             </a:fld>
             <a:endParaRPr lang="en-US"/>
           </a:p>
@@ -28884,7 +28884,13 @@
   <p:cSld>
     <p:spTree>
       <p:nvGrpSpPr>
-        <p:cNvPr id="1" name=""/>
+        <p:cNvPr id="1" name="">
+          <a:extLst>
+            <a:ext uri="{FF2B5EF4-FFF2-40B4-BE49-F238E27FC236}">
+              <a16:creationId xmlns:a16="http://schemas.microsoft.com/office/drawing/2014/main" id="{DE1E9990-2C11-6EB1-21B2-6BB55E7124D3}"/>
+            </a:ext>
+          </a:extLst>
+        </p:cNvPr>
         <p:cNvGrpSpPr/>
         <p:nvPr/>
       </p:nvGrpSpPr>
@@ -28901,7 +28907,7 @@
           <p:cNvPr id="52" name="Rounded Rectangle 51">
             <a:extLst>
               <a:ext uri="{FF2B5EF4-FFF2-40B4-BE49-F238E27FC236}">
-                <a16:creationId xmlns:a16="http://schemas.microsoft.com/office/drawing/2014/main" id="{CC5C3124-AD7E-2E53-446B-69749886ED9D}"/>
+                <a16:creationId xmlns:a16="http://schemas.microsoft.com/office/drawing/2014/main" id="{DA2149C2-9A8E-9465-20F9-5B45DB69218B}"/>
               </a:ext>
             </a:extLst>
           </p:cNvPr>
@@ -28910,8 +28916,8 @@
         </p:nvSpPr>
         <p:spPr>
           <a:xfrm>
-            <a:off x="898189" y="4000500"/>
-            <a:ext cx="5311706" cy="5418944"/>
+            <a:off x="846640" y="3589349"/>
+            <a:ext cx="5294393" cy="5973751"/>
           </a:xfrm>
           <a:prstGeom prst="roundRect">
             <a:avLst>
@@ -28966,7 +28972,7 @@
           <p:cNvPr id="10" name="Rounded Rectangle 9">
             <a:extLst>
               <a:ext uri="{FF2B5EF4-FFF2-40B4-BE49-F238E27FC236}">
-                <a16:creationId xmlns:a16="http://schemas.microsoft.com/office/drawing/2014/main" id="{8E754218-7A97-1596-9636-C7F6F31A8C7C}"/>
+                <a16:creationId xmlns:a16="http://schemas.microsoft.com/office/drawing/2014/main" id="{B7EB35CE-CF38-4F86-DA61-EEB0BD4A0142}"/>
               </a:ext>
             </a:extLst>
           </p:cNvPr>
@@ -28975,8 +28981,8 @@
         </p:nvSpPr>
         <p:spPr>
           <a:xfrm>
-            <a:off x="1095326" y="7681076"/>
-            <a:ext cx="4597315" cy="1328942"/>
+            <a:off x="1095326" y="7942964"/>
+            <a:ext cx="4772074" cy="1373860"/>
           </a:xfrm>
           <a:prstGeom prst="roundRect">
             <a:avLst/>
@@ -29012,7 +29018,13 @@
       </p:sp>
       <p:sp>
         <p:nvSpPr>
-          <p:cNvPr id="2" name="AutoShape 2"/>
+          <p:cNvPr id="2" name="AutoShape 2">
+            <a:extLst>
+              <a:ext uri="{FF2B5EF4-FFF2-40B4-BE49-F238E27FC236}">
+                <a16:creationId xmlns:a16="http://schemas.microsoft.com/office/drawing/2014/main" id="{F815AAE4-1012-442E-D75A-287D51D277FD}"/>
+              </a:ext>
+            </a:extLst>
+          </p:cNvPr>
           <p:cNvSpPr/>
           <p:nvPr/>
         </p:nvSpPr>
@@ -29043,7 +29055,13 @@
       </p:sp>
       <p:sp>
         <p:nvSpPr>
-          <p:cNvPr id="26" name="TextBox 26"/>
+          <p:cNvPr id="26" name="TextBox 26">
+            <a:extLst>
+              <a:ext uri="{FF2B5EF4-FFF2-40B4-BE49-F238E27FC236}">
+                <a16:creationId xmlns:a16="http://schemas.microsoft.com/office/drawing/2014/main" id="{B3A91F3C-8DA6-7A50-09FC-85CF50B368FB}"/>
+              </a:ext>
+            </a:extLst>
+          </p:cNvPr>
           <p:cNvSpPr txBox="1"/>
           <p:nvPr/>
         </p:nvSpPr>
@@ -29084,7 +29102,13 @@
       </p:sp>
       <p:sp>
         <p:nvSpPr>
-          <p:cNvPr id="40" name="TextBox 40"/>
+          <p:cNvPr id="40" name="TextBox 40">
+            <a:extLst>
+              <a:ext uri="{FF2B5EF4-FFF2-40B4-BE49-F238E27FC236}">
+                <a16:creationId xmlns:a16="http://schemas.microsoft.com/office/drawing/2014/main" id="{27280E4C-5C96-23F5-13D9-D414345DB0D7}"/>
+              </a:ext>
+            </a:extLst>
+          </p:cNvPr>
           <p:cNvSpPr txBox="1"/>
           <p:nvPr/>
         </p:nvSpPr>
@@ -29125,7 +29149,13 @@
       </p:sp>
       <p:sp>
         <p:nvSpPr>
-          <p:cNvPr id="43" name="TextBox 43"/>
+          <p:cNvPr id="43" name="TextBox 43">
+            <a:extLst>
+              <a:ext uri="{FF2B5EF4-FFF2-40B4-BE49-F238E27FC236}">
+                <a16:creationId xmlns:a16="http://schemas.microsoft.com/office/drawing/2014/main" id="{560A8FB7-A6BC-07E9-1F2B-682BE1F3450E}"/>
+              </a:ext>
+            </a:extLst>
+          </p:cNvPr>
           <p:cNvSpPr txBox="1"/>
           <p:nvPr/>
         </p:nvSpPr>
@@ -29172,7 +29202,7 @@
           <p:cNvPr id="44" name="TextBox 3">
             <a:extLst>
               <a:ext uri="{FF2B5EF4-FFF2-40B4-BE49-F238E27FC236}">
-                <a16:creationId xmlns:a16="http://schemas.microsoft.com/office/drawing/2014/main" id="{0AEFF1E0-AA5E-8B4F-1EED-C3EC28B130FE}"/>
+                <a16:creationId xmlns:a16="http://schemas.microsoft.com/office/drawing/2014/main" id="{BC5D266B-E266-5E34-993A-578A4E173BB8}"/>
               </a:ext>
             </a:extLst>
           </p:cNvPr>
@@ -29219,7 +29249,7 @@
           <p:cNvPr id="56" name="TextBox 35">
             <a:extLst>
               <a:ext uri="{FF2B5EF4-FFF2-40B4-BE49-F238E27FC236}">
-                <a16:creationId xmlns:a16="http://schemas.microsoft.com/office/drawing/2014/main" id="{DD36609E-221C-2BF1-1765-BFDE15086E7C}"/>
+                <a16:creationId xmlns:a16="http://schemas.microsoft.com/office/drawing/2014/main" id="{9ECA5C35-F216-C2D6-9699-1D2F5D3D7454}"/>
               </a:ext>
             </a:extLst>
           </p:cNvPr>
@@ -29228,55 +29258,8 @@
         </p:nvSpPr>
         <p:spPr>
           <a:xfrm>
-            <a:off x="1254787" y="5091251"/>
-            <a:ext cx="663750" cy="1400255"/>
-          </a:xfrm>
-          <a:prstGeom prst="rect">
-            <a:avLst/>
-          </a:prstGeom>
-        </p:spPr>
-        <p:txBody>
-          <a:bodyPr wrap="square" lIns="0" tIns="0" rIns="0" bIns="0" rtlCol="0" anchor="t">
-            <a:spAutoFit/>
-          </a:bodyPr>
-          <a:lstStyle/>
-          <a:p>
-            <a:pPr algn="ctr">
-              <a:lnSpc>
-                <a:spcPts val="2189"/>
-              </a:lnSpc>
-            </a:pPr>
-            <a:r>
-              <a:rPr lang="en-US" sz="1563" dirty="0">
-                <a:solidFill>
-                  <a:srgbClr val="7A7A7A"/>
-                </a:solidFill>
-                <a:latin typeface="Poppins"/>
-                <a:ea typeface="Poppins"/>
-                <a:cs typeface="Poppins"/>
-                <a:sym typeface="Poppins"/>
-              </a:rPr>
-              <a:t>{{modulos_quantidade1}}</a:t>
-            </a:r>
-          </a:p>
-        </p:txBody>
-      </p:sp>
-      <p:sp>
-        <p:nvSpPr>
-          <p:cNvPr id="57" name="TextBox 35">
-            <a:extLst>
-              <a:ext uri="{FF2B5EF4-FFF2-40B4-BE49-F238E27FC236}">
-                <a16:creationId xmlns:a16="http://schemas.microsoft.com/office/drawing/2014/main" id="{686DEF26-BF3E-3B46-6DDD-DDDA34D116F4}"/>
-              </a:ext>
-            </a:extLst>
-          </p:cNvPr>
-          <p:cNvSpPr txBox="1"/>
-          <p:nvPr/>
-        </p:nvSpPr>
-        <p:spPr>
-          <a:xfrm>
-            <a:off x="2464281" y="4765198"/>
-            <a:ext cx="3351311" cy="280846"/>
+            <a:off x="2661849" y="4302639"/>
+            <a:ext cx="2992042" cy="271741"/>
           </a:xfrm>
           <a:prstGeom prst="rect">
             <a:avLst/>
@@ -29294,7 +29277,7 @@
               </a:lnSpc>
             </a:pPr>
             <a:r>
-              <a:rPr lang="en-US" dirty="0">
+              <a:rPr lang="en-US" sz="1563" dirty="0">
                 <a:solidFill>
                   <a:srgbClr val="7A7A7A"/>
                 </a:solidFill>
@@ -29303,31 +29286,7 @@
                 <a:cs typeface="Poppins"/>
                 <a:sym typeface="Poppins"/>
               </a:rPr>
-              <a:t>{{</a:t>
-            </a:r>
-            <a:r>
-              <a:rPr lang="en-US" sz="1560" dirty="0">
-                <a:solidFill>
-                  <a:srgbClr val="7A7A7A"/>
-                </a:solidFill>
-                <a:latin typeface="Poppins"/>
-                <a:ea typeface="Poppins"/>
-                <a:cs typeface="Poppins"/>
-                <a:sym typeface="Poppins"/>
-              </a:rPr>
-              <a:t>modulos1</a:t>
-            </a:r>
-            <a:r>
-              <a:rPr lang="en-US" dirty="0">
-                <a:solidFill>
-                  <a:srgbClr val="7A7A7A"/>
-                </a:solidFill>
-                <a:latin typeface="Poppins"/>
-                <a:ea typeface="Poppins"/>
-                <a:cs typeface="Poppins"/>
-                <a:sym typeface="Poppins"/>
-              </a:rPr>
-              <a:t>}}</a:t>
+              <a:t>{{modulos_quantidade1}}</a:t>
             </a:r>
           </a:p>
         </p:txBody>
@@ -29337,7 +29296,7 @@
           <p:cNvPr id="58" name="TextBox 35">
             <a:extLst>
               <a:ext uri="{FF2B5EF4-FFF2-40B4-BE49-F238E27FC236}">
-                <a16:creationId xmlns:a16="http://schemas.microsoft.com/office/drawing/2014/main" id="{0BD8C870-48B7-C600-17E3-19B52A73E635}"/>
+                <a16:creationId xmlns:a16="http://schemas.microsoft.com/office/drawing/2014/main" id="{8BC994BB-C175-8401-B964-EA5AEE87F349}"/>
               </a:ext>
             </a:extLst>
           </p:cNvPr>
@@ -29346,7 +29305,7 @@
         </p:nvSpPr>
         <p:spPr>
           <a:xfrm>
-            <a:off x="2464280" y="5453977"/>
+            <a:off x="2668489" y="6106867"/>
             <a:ext cx="3351311" cy="275003"/>
           </a:xfrm>
           <a:prstGeom prst="rect">
@@ -29384,7 +29343,7 @@
           <p:cNvPr id="59" name="TextBox 35">
             <a:extLst>
               <a:ext uri="{FF2B5EF4-FFF2-40B4-BE49-F238E27FC236}">
-                <a16:creationId xmlns:a16="http://schemas.microsoft.com/office/drawing/2014/main" id="{B30A2591-0154-0273-B5BA-07336E295A3F}"/>
+                <a16:creationId xmlns:a16="http://schemas.microsoft.com/office/drawing/2014/main" id="{9385D078-6C97-483C-E0CB-59867472BD05}"/>
               </a:ext>
             </a:extLst>
           </p:cNvPr>
@@ -29393,8 +29352,8 @@
         </p:nvSpPr>
         <p:spPr>
           <a:xfrm>
-            <a:off x="1254787" y="5777973"/>
-            <a:ext cx="663750" cy="1118127"/>
+            <a:off x="2665991" y="5637002"/>
+            <a:ext cx="3313565" cy="271741"/>
           </a:xfrm>
           <a:prstGeom prst="rect">
             <a:avLst/>
@@ -29406,7 +29365,7 @@
           </a:bodyPr>
           <a:lstStyle/>
           <a:p>
-            <a:pPr algn="ctr">
+            <a:pPr>
               <a:lnSpc>
                 <a:spcPts val="2189"/>
               </a:lnSpc>
@@ -29431,7 +29390,7 @@
           <p:cNvPr id="69" name="Group 7">
             <a:extLst>
               <a:ext uri="{FF2B5EF4-FFF2-40B4-BE49-F238E27FC236}">
-                <a16:creationId xmlns:a16="http://schemas.microsoft.com/office/drawing/2014/main" id="{C5F77534-BFA6-389B-7A04-9CE1BEA728DB}"/>
+                <a16:creationId xmlns:a16="http://schemas.microsoft.com/office/drawing/2014/main" id="{195D8F89-CD0C-8BCD-C736-53D2E5152DC9}"/>
               </a:ext>
             </a:extLst>
           </p:cNvPr>
@@ -29440,8 +29399,8 @@
         </p:nvGrpSpPr>
         <p:grpSpPr>
           <a:xfrm>
-            <a:off x="846640" y="2958277"/>
-            <a:ext cx="5311706" cy="632747"/>
+            <a:off x="846640" y="2894713"/>
+            <a:ext cx="5311706" cy="636422"/>
             <a:chOff x="0" y="-16427"/>
             <a:chExt cx="1467171" cy="179586"/>
           </a:xfrm>
@@ -29451,7 +29410,7 @@
             <p:cNvPr id="70" name="Freeform 8">
               <a:extLst>
                 <a:ext uri="{FF2B5EF4-FFF2-40B4-BE49-F238E27FC236}">
-                  <a16:creationId xmlns:a16="http://schemas.microsoft.com/office/drawing/2014/main" id="{72B7E7BA-A8D8-BD00-89E5-31DCB2AA5B52}"/>
+                  <a16:creationId xmlns:a16="http://schemas.microsoft.com/office/drawing/2014/main" id="{F4EA8690-9E3A-208A-E994-784079A33247}"/>
                 </a:ext>
               </a:extLst>
             </p:cNvPr>
@@ -29527,7 +29486,7 @@
             <p:cNvPr id="71" name="TextBox 9">
               <a:extLst>
                 <a:ext uri="{FF2B5EF4-FFF2-40B4-BE49-F238E27FC236}">
-                  <a16:creationId xmlns:a16="http://schemas.microsoft.com/office/drawing/2014/main" id="{29D8074A-FD7E-2C0C-405E-E23F9ADA7C5C}"/>
+                  <a16:creationId xmlns:a16="http://schemas.microsoft.com/office/drawing/2014/main" id="{BD6ABB59-F6AB-E691-1EC1-7C6C8C614E93}"/>
                 </a:ext>
               </a:extLst>
             </p:cNvPr>
@@ -29573,7 +29532,7 @@
           <p:cNvPr id="73" name="Group 7">
             <a:extLst>
               <a:ext uri="{FF2B5EF4-FFF2-40B4-BE49-F238E27FC236}">
-                <a16:creationId xmlns:a16="http://schemas.microsoft.com/office/drawing/2014/main" id="{566B8466-C50E-10E5-1476-92B2A52D068B}"/>
+                <a16:creationId xmlns:a16="http://schemas.microsoft.com/office/drawing/2014/main" id="{CCA22B62-6584-5C77-4DC6-BA5D43A0FEDB}"/>
               </a:ext>
             </a:extLst>
           </p:cNvPr>
@@ -29582,8 +29541,8 @@
         </p:nvGrpSpPr>
         <p:grpSpPr>
           <a:xfrm>
-            <a:off x="6553200" y="2910309"/>
-            <a:ext cx="5311706" cy="632747"/>
+            <a:off x="6488147" y="2846745"/>
+            <a:ext cx="5311706" cy="636422"/>
             <a:chOff x="0" y="-16427"/>
             <a:chExt cx="1467171" cy="179586"/>
           </a:xfrm>
@@ -29593,7 +29552,7 @@
             <p:cNvPr id="74" name="Freeform 8">
               <a:extLst>
                 <a:ext uri="{FF2B5EF4-FFF2-40B4-BE49-F238E27FC236}">
-                  <a16:creationId xmlns:a16="http://schemas.microsoft.com/office/drawing/2014/main" id="{B859266B-9A10-4810-7E77-C06777EE52D2}"/>
+                  <a16:creationId xmlns:a16="http://schemas.microsoft.com/office/drawing/2014/main" id="{C42A45A2-F0CB-CBF9-1D89-322072453C63}"/>
                 </a:ext>
               </a:extLst>
             </p:cNvPr>
@@ -29669,7 +29628,7 @@
             <p:cNvPr id="75" name="TextBox 9">
               <a:extLst>
                 <a:ext uri="{FF2B5EF4-FFF2-40B4-BE49-F238E27FC236}">
-                  <a16:creationId xmlns:a16="http://schemas.microsoft.com/office/drawing/2014/main" id="{F49D62F9-51D7-1541-4D98-25E11465E33D}"/>
+                  <a16:creationId xmlns:a16="http://schemas.microsoft.com/office/drawing/2014/main" id="{4B394A59-8329-B825-D593-E76DB424CEBA}"/>
                 </a:ext>
               </a:extLst>
             </p:cNvPr>
@@ -29715,7 +29674,7 @@
           <p:cNvPr id="76" name="Group 7">
             <a:extLst>
               <a:ext uri="{FF2B5EF4-FFF2-40B4-BE49-F238E27FC236}">
-                <a16:creationId xmlns:a16="http://schemas.microsoft.com/office/drawing/2014/main" id="{F9A7A9AA-A46D-AF9B-E8E5-079411513013}"/>
+                <a16:creationId xmlns:a16="http://schemas.microsoft.com/office/drawing/2014/main" id="{95DB8E84-43A2-7153-0315-26F27055DA9F}"/>
               </a:ext>
             </a:extLst>
           </p:cNvPr>
@@ -29724,8 +29683,8 @@
         </p:nvGrpSpPr>
         <p:grpSpPr>
           <a:xfrm>
-            <a:off x="12243955" y="2910309"/>
-            <a:ext cx="5311706" cy="632747"/>
+            <a:off x="12225617" y="2832591"/>
+            <a:ext cx="5311706" cy="636422"/>
             <a:chOff x="0" y="-16427"/>
             <a:chExt cx="1467171" cy="179586"/>
           </a:xfrm>
@@ -29735,7 +29694,7 @@
             <p:cNvPr id="77" name="Freeform 8">
               <a:extLst>
                 <a:ext uri="{FF2B5EF4-FFF2-40B4-BE49-F238E27FC236}">
-                  <a16:creationId xmlns:a16="http://schemas.microsoft.com/office/drawing/2014/main" id="{4A5843BD-B07F-49D6-B9FC-C0DED615304D}"/>
+                  <a16:creationId xmlns:a16="http://schemas.microsoft.com/office/drawing/2014/main" id="{F0954618-E41C-2AF8-1A17-4F2FF0017CEB}"/>
                 </a:ext>
               </a:extLst>
             </p:cNvPr>
@@ -29811,7 +29770,7 @@
             <p:cNvPr id="78" name="TextBox 9">
               <a:extLst>
                 <a:ext uri="{FF2B5EF4-FFF2-40B4-BE49-F238E27FC236}">
-                  <a16:creationId xmlns:a16="http://schemas.microsoft.com/office/drawing/2014/main" id="{DAA60631-BE8C-B047-BF4F-6D91DE92DC83}"/>
+                  <a16:creationId xmlns:a16="http://schemas.microsoft.com/office/drawing/2014/main" id="{23BC14A7-22C3-E0D2-8747-C216D06C3526}"/>
                 </a:ext>
               </a:extLst>
             </p:cNvPr>
@@ -29857,7 +29816,7 @@
           <p:cNvPr id="3" name="TextBox 20">
             <a:extLst>
               <a:ext uri="{FF2B5EF4-FFF2-40B4-BE49-F238E27FC236}">
-                <a16:creationId xmlns:a16="http://schemas.microsoft.com/office/drawing/2014/main" id="{78C723F5-9B0E-6C26-CD3F-4BC4E6E4B5BB}"/>
+                <a16:creationId xmlns:a16="http://schemas.microsoft.com/office/drawing/2014/main" id="{55084B78-555C-169F-2044-AF837AD03AC4}"/>
               </a:ext>
             </a:extLst>
           </p:cNvPr>
@@ -29866,8 +29825,8 @@
         </p:nvSpPr>
         <p:spPr>
           <a:xfrm>
-            <a:off x="2473570" y="4104943"/>
-            <a:ext cx="2160944" cy="434734"/>
+            <a:off x="2285438" y="3652788"/>
+            <a:ext cx="2416796" cy="457818"/>
           </a:xfrm>
           <a:prstGeom prst="rect">
             <a:avLst/>
@@ -29885,9 +29844,9 @@
               </a:lnSpc>
             </a:pPr>
             <a:r>
-              <a:rPr lang="en-US" b="1" dirty="0">
-                <a:solidFill>
-                  <a:srgbClr val="7A7A7A"/>
+              <a:rPr lang="en-US" sz="2400" b="1" dirty="0">
+                <a:solidFill>
+                  <a:srgbClr val="124E4A"/>
                 </a:solidFill>
                 <a:latin typeface="Poppins Bold"/>
                 <a:ea typeface="Poppins Bold"/>
@@ -29904,7 +29863,7 @@
           <p:cNvPr id="7" name="TextBox 6">
             <a:extLst>
               <a:ext uri="{FF2B5EF4-FFF2-40B4-BE49-F238E27FC236}">
-                <a16:creationId xmlns:a16="http://schemas.microsoft.com/office/drawing/2014/main" id="{6E2D126E-51D4-C4CC-D6AF-3466432D318D}"/>
+                <a16:creationId xmlns:a16="http://schemas.microsoft.com/office/drawing/2014/main" id="{1496CA59-7EE5-D7DF-CDD0-5B145A815009}"/>
               </a:ext>
             </a:extLst>
           </p:cNvPr>
@@ -29913,8 +29872,8 @@
         </p:nvSpPr>
         <p:spPr>
           <a:xfrm>
-            <a:off x="1195178" y="8151462"/>
-            <a:ext cx="4597315" cy="400110"/>
+            <a:off x="1087918" y="8682011"/>
+            <a:ext cx="4772074" cy="400110"/>
           </a:xfrm>
           <a:prstGeom prst="rect">
             <a:avLst/>
@@ -29949,7 +29908,7 @@
           <p:cNvPr id="4" name="TextBox 35">
             <a:extLst>
               <a:ext uri="{FF2B5EF4-FFF2-40B4-BE49-F238E27FC236}">
-                <a16:creationId xmlns:a16="http://schemas.microsoft.com/office/drawing/2014/main" id="{7CAEAFA3-A953-B942-5E1B-BB5DB83A66DA}"/>
+                <a16:creationId xmlns:a16="http://schemas.microsoft.com/office/drawing/2014/main" id="{1E0D3D72-9847-A794-138E-A1FBBB6A6CA6}"/>
               </a:ext>
             </a:extLst>
           </p:cNvPr>
@@ -29958,7 +29917,7 @@
         </p:nvSpPr>
         <p:spPr>
           <a:xfrm>
-            <a:off x="1218278" y="4762076"/>
+            <a:off x="1218278" y="4304929"/>
             <a:ext cx="1207008" cy="280846"/>
           </a:xfrm>
           <a:prstGeom prst="rect">
@@ -29996,7 +29955,7 @@
           <p:cNvPr id="6" name="TextBox 35">
             <a:extLst>
               <a:ext uri="{FF2B5EF4-FFF2-40B4-BE49-F238E27FC236}">
-                <a16:creationId xmlns:a16="http://schemas.microsoft.com/office/drawing/2014/main" id="{B5767D85-D4D1-3010-173B-A2F4B10642A2}"/>
+                <a16:creationId xmlns:a16="http://schemas.microsoft.com/office/drawing/2014/main" id="{9539A654-E414-7A4A-AA17-A2C9B9FDDFF3}"/>
               </a:ext>
             </a:extLst>
           </p:cNvPr>
@@ -30005,7 +29964,7 @@
         </p:nvSpPr>
         <p:spPr>
           <a:xfrm>
-            <a:off x="1218277" y="5448135"/>
+            <a:off x="1218277" y="5633988"/>
             <a:ext cx="1207009" cy="280846"/>
           </a:xfrm>
           <a:prstGeom prst="rect">
@@ -30043,7 +30002,7 @@
           <p:cNvPr id="9" name="TextBox 35">
             <a:extLst>
               <a:ext uri="{FF2B5EF4-FFF2-40B4-BE49-F238E27FC236}">
-                <a16:creationId xmlns:a16="http://schemas.microsoft.com/office/drawing/2014/main" id="{913C2D5D-9F98-9FA3-D6CD-7CF1D5816489}"/>
+                <a16:creationId xmlns:a16="http://schemas.microsoft.com/office/drawing/2014/main" id="{CBF7DBCE-5256-6B4B-0F30-1224F2F50CE7}"/>
               </a:ext>
             </a:extLst>
           </p:cNvPr>
@@ -30052,8 +30011,8 @@
         </p:nvSpPr>
         <p:spPr>
           <a:xfrm>
-            <a:off x="1218277" y="6177005"/>
-            <a:ext cx="2058323" cy="280846"/>
+            <a:off x="1217384" y="6945588"/>
+            <a:ext cx="1169053" cy="280846"/>
           </a:xfrm>
           <a:prstGeom prst="rect">
             <a:avLst/>
@@ -30092,54 +30051,6 @@
                 <a:cs typeface="Poppins"/>
                 <a:sym typeface="Poppins"/>
               </a:rPr>
-              <a:t> </a:t>
-            </a:r>
-            <a:r>
-              <a:rPr lang="en-US" b="1" dirty="0" err="1">
-                <a:solidFill>
-                  <a:srgbClr val="7A7A7A"/>
-                </a:solidFill>
-                <a:latin typeface="Poppins"/>
-                <a:ea typeface="Poppins"/>
-                <a:cs typeface="Poppins"/>
-                <a:sym typeface="Poppins"/>
-              </a:rPr>
-              <a:t>por</a:t>
-            </a:r>
-            <a:r>
-              <a:rPr lang="en-US" b="1" dirty="0">
-                <a:solidFill>
-                  <a:srgbClr val="7A7A7A"/>
-                </a:solidFill>
-                <a:latin typeface="Poppins"/>
-                <a:ea typeface="Poppins"/>
-                <a:cs typeface="Poppins"/>
-                <a:sym typeface="Poppins"/>
-              </a:rPr>
-              <a:t> </a:t>
-            </a:r>
-            <a:r>
-              <a:rPr lang="en-US" b="1" dirty="0" err="1">
-                <a:solidFill>
-                  <a:srgbClr val="7A7A7A"/>
-                </a:solidFill>
-                <a:latin typeface="Poppins"/>
-                <a:ea typeface="Poppins"/>
-                <a:cs typeface="Poppins"/>
-                <a:sym typeface="Poppins"/>
-              </a:rPr>
-              <a:t>ano</a:t>
-            </a:r>
-            <a:r>
-              <a:rPr lang="en-US" b="1" dirty="0">
-                <a:solidFill>
-                  <a:srgbClr val="7A7A7A"/>
-                </a:solidFill>
-                <a:latin typeface="Poppins"/>
-                <a:ea typeface="Poppins"/>
-                <a:cs typeface="Poppins"/>
-                <a:sym typeface="Poppins"/>
-              </a:rPr>
               <a:t>:</a:t>
             </a:r>
           </a:p>
@@ -30150,7 +30061,7 @@
           <p:cNvPr id="25" name="TextBox 35">
             <a:extLst>
               <a:ext uri="{FF2B5EF4-FFF2-40B4-BE49-F238E27FC236}">
-                <a16:creationId xmlns:a16="http://schemas.microsoft.com/office/drawing/2014/main" id="{E3B7B639-213B-BF85-6593-43B8999777A1}"/>
+                <a16:creationId xmlns:a16="http://schemas.microsoft.com/office/drawing/2014/main" id="{10996775-3560-728D-5870-5F6924A192F9}"/>
               </a:ext>
             </a:extLst>
           </p:cNvPr>
@@ -30159,7 +30070,7 @@
         </p:nvSpPr>
         <p:spPr>
           <a:xfrm>
-            <a:off x="3391932" y="6182847"/>
+            <a:off x="2667387" y="6950149"/>
             <a:ext cx="2423659" cy="275003"/>
           </a:xfrm>
           <a:prstGeom prst="rect">
@@ -30194,10 +30105,359 @@
       </p:sp>
       <p:sp>
         <p:nvSpPr>
-          <p:cNvPr id="27" name="Rounded Rectangle 26">
+          <p:cNvPr id="5" name="TextBox 35">
             <a:extLst>
               <a:ext uri="{FF2B5EF4-FFF2-40B4-BE49-F238E27FC236}">
-                <a16:creationId xmlns:a16="http://schemas.microsoft.com/office/drawing/2014/main" id="{A2997F27-8A4A-5C8F-609B-6D5CEE1BDE66}"/>
+                <a16:creationId xmlns:a16="http://schemas.microsoft.com/office/drawing/2014/main" id="{645CDD85-CFA6-99FD-3113-6CEFBE0833D8}"/>
+              </a:ext>
+            </a:extLst>
+          </p:cNvPr>
+          <p:cNvSpPr txBox="1"/>
+          <p:nvPr/>
+        </p:nvSpPr>
+        <p:spPr>
+          <a:xfrm>
+            <a:off x="2668488" y="4784615"/>
+            <a:ext cx="3351311" cy="280846"/>
+          </a:xfrm>
+          <a:prstGeom prst="rect">
+            <a:avLst/>
+          </a:prstGeom>
+        </p:spPr>
+        <p:txBody>
+          <a:bodyPr wrap="square" lIns="0" tIns="0" rIns="0" bIns="0" rtlCol="0" anchor="t">
+            <a:spAutoFit/>
+          </a:bodyPr>
+          <a:lstStyle/>
+          <a:p>
+            <a:pPr>
+              <a:lnSpc>
+                <a:spcPts val="2189"/>
+              </a:lnSpc>
+            </a:pPr>
+            <a:r>
+              <a:rPr lang="en-US" sz="1560" dirty="0">
+                <a:solidFill>
+                  <a:srgbClr val="7A7A7A"/>
+                </a:solidFill>
+                <a:latin typeface="Poppins"/>
+                <a:ea typeface="Poppins"/>
+                <a:cs typeface="Poppins"/>
+                <a:sym typeface="Poppins"/>
+              </a:rPr>
+              <a:t>{{modulos1}}</a:t>
+            </a:r>
+          </a:p>
+        </p:txBody>
+      </p:sp>
+      <p:sp>
+        <p:nvSpPr>
+          <p:cNvPr id="11" name="TextBox 10">
+            <a:extLst>
+              <a:ext uri="{FF2B5EF4-FFF2-40B4-BE49-F238E27FC236}">
+                <a16:creationId xmlns:a16="http://schemas.microsoft.com/office/drawing/2014/main" id="{765D2C60-C7AD-8C85-8436-1692D24FEF6A}"/>
+              </a:ext>
+            </a:extLst>
+          </p:cNvPr>
+          <p:cNvSpPr txBox="1"/>
+          <p:nvPr/>
+        </p:nvSpPr>
+        <p:spPr>
+          <a:xfrm>
+            <a:off x="1122091" y="8013471"/>
+            <a:ext cx="4737901" cy="400110"/>
+          </a:xfrm>
+          <a:prstGeom prst="rect">
+            <a:avLst/>
+          </a:prstGeom>
+          <a:noFill/>
+        </p:spPr>
+        <p:txBody>
+          <a:bodyPr wrap="square">
+            <a:spAutoFit/>
+          </a:bodyPr>
+          <a:lstStyle/>
+          <a:p>
+            <a:pPr algn="ctr"/>
+            <a:r>
+              <a:rPr lang="en-US" sz="2000" b="1" dirty="0" err="1">
+                <a:solidFill>
+                  <a:srgbClr val="CDFBF1"/>
+                </a:solidFill>
+                <a:latin typeface="Poppins Bold"/>
+                <a:ea typeface="Poppins Bold"/>
+                <a:cs typeface="Poppins Bold"/>
+                <a:sym typeface="Poppins Bold"/>
+              </a:rPr>
+              <a:t>Geração</a:t>
+            </a:r>
+            <a:r>
+              <a:rPr lang="en-US" sz="2000" b="1" dirty="0">
+                <a:solidFill>
+                  <a:srgbClr val="CDFBF1"/>
+                </a:solidFill>
+                <a:latin typeface="Poppins Bold"/>
+                <a:ea typeface="Poppins Bold"/>
+                <a:cs typeface="Poppins Bold"/>
+                <a:sym typeface="Poppins Bold"/>
+              </a:rPr>
+              <a:t> </a:t>
+            </a:r>
+            <a:r>
+              <a:rPr lang="en-US" sz="2000" b="1" dirty="0" err="1">
+                <a:solidFill>
+                  <a:srgbClr val="CDFBF1"/>
+                </a:solidFill>
+                <a:latin typeface="Poppins Bold"/>
+                <a:ea typeface="Poppins Bold"/>
+                <a:cs typeface="Poppins Bold"/>
+                <a:sym typeface="Poppins Bold"/>
+              </a:rPr>
+              <a:t>Média</a:t>
+            </a:r>
+            <a:r>
+              <a:rPr lang="en-US" sz="2000" b="1" dirty="0">
+                <a:solidFill>
+                  <a:srgbClr val="CDFBF1"/>
+                </a:solidFill>
+                <a:latin typeface="Poppins Bold"/>
+                <a:ea typeface="Poppins Bold"/>
+                <a:cs typeface="Poppins Bold"/>
+                <a:sym typeface="Poppins Bold"/>
+              </a:rPr>
+              <a:t>:</a:t>
+            </a:r>
+            <a:endParaRPr lang="en-BR" sz="2000" dirty="0"/>
+          </a:p>
+        </p:txBody>
+      </p:sp>
+      <p:sp>
+        <p:nvSpPr>
+          <p:cNvPr id="18" name="TextBox 35">
+            <a:extLst>
+              <a:ext uri="{FF2B5EF4-FFF2-40B4-BE49-F238E27FC236}">
+                <a16:creationId xmlns:a16="http://schemas.microsoft.com/office/drawing/2014/main" id="{59DA1BD3-F686-893E-6CA5-6B151D10FC48}"/>
+              </a:ext>
+            </a:extLst>
+          </p:cNvPr>
+          <p:cNvSpPr txBox="1"/>
+          <p:nvPr/>
+        </p:nvSpPr>
+        <p:spPr>
+          <a:xfrm>
+            <a:off x="1218278" y="4784615"/>
+            <a:ext cx="1207008" cy="280846"/>
+          </a:xfrm>
+          <a:prstGeom prst="rect">
+            <a:avLst/>
+          </a:prstGeom>
+        </p:spPr>
+        <p:txBody>
+          <a:bodyPr wrap="square" lIns="0" tIns="0" rIns="0" bIns="0" rtlCol="0" anchor="t">
+            <a:spAutoFit/>
+          </a:bodyPr>
+          <a:lstStyle/>
+          <a:p>
+            <a:pPr>
+              <a:lnSpc>
+                <a:spcPts val="2189"/>
+              </a:lnSpc>
+            </a:pPr>
+            <a:r>
+              <a:rPr lang="en-US" b="1" dirty="0" err="1">
+                <a:solidFill>
+                  <a:srgbClr val="7A7A7A"/>
+                </a:solidFill>
+                <a:latin typeface="Poppins"/>
+                <a:ea typeface="Poppins"/>
+                <a:cs typeface="Poppins"/>
+                <a:sym typeface="Poppins"/>
+              </a:rPr>
+              <a:t>Modelo</a:t>
+            </a:r>
+            <a:r>
+              <a:rPr lang="en-US" b="1" dirty="0">
+                <a:solidFill>
+                  <a:srgbClr val="7A7A7A"/>
+                </a:solidFill>
+                <a:latin typeface="Poppins"/>
+                <a:ea typeface="Poppins"/>
+                <a:cs typeface="Poppins"/>
+                <a:sym typeface="Poppins"/>
+              </a:rPr>
+              <a:t>:</a:t>
+            </a:r>
+          </a:p>
+        </p:txBody>
+      </p:sp>
+      <p:sp>
+        <p:nvSpPr>
+          <p:cNvPr id="19" name="TextBox 35">
+            <a:extLst>
+              <a:ext uri="{FF2B5EF4-FFF2-40B4-BE49-F238E27FC236}">
+                <a16:creationId xmlns:a16="http://schemas.microsoft.com/office/drawing/2014/main" id="{5603F229-7EBA-63CD-7FD1-DD337DAB5CD0}"/>
+              </a:ext>
+            </a:extLst>
+          </p:cNvPr>
+          <p:cNvSpPr txBox="1"/>
+          <p:nvPr/>
+        </p:nvSpPr>
+        <p:spPr>
+          <a:xfrm>
+            <a:off x="1218278" y="6104605"/>
+            <a:ext cx="1207008" cy="280846"/>
+          </a:xfrm>
+          <a:prstGeom prst="rect">
+            <a:avLst/>
+          </a:prstGeom>
+        </p:spPr>
+        <p:txBody>
+          <a:bodyPr wrap="square" lIns="0" tIns="0" rIns="0" bIns="0" rtlCol="0" anchor="t">
+            <a:spAutoFit/>
+          </a:bodyPr>
+          <a:lstStyle/>
+          <a:p>
+            <a:pPr>
+              <a:lnSpc>
+                <a:spcPts val="2189"/>
+              </a:lnSpc>
+            </a:pPr>
+            <a:r>
+              <a:rPr lang="en-US" b="1" dirty="0" err="1">
+                <a:solidFill>
+                  <a:srgbClr val="7A7A7A"/>
+                </a:solidFill>
+                <a:latin typeface="Poppins"/>
+                <a:ea typeface="Poppins"/>
+                <a:cs typeface="Poppins"/>
+                <a:sym typeface="Poppins"/>
+              </a:rPr>
+              <a:t>Modelo</a:t>
+            </a:r>
+            <a:r>
+              <a:rPr lang="en-US" b="1" dirty="0">
+                <a:solidFill>
+                  <a:srgbClr val="7A7A7A"/>
+                </a:solidFill>
+                <a:latin typeface="Poppins"/>
+                <a:ea typeface="Poppins"/>
+                <a:cs typeface="Poppins"/>
+                <a:sym typeface="Poppins"/>
+              </a:rPr>
+              <a:t>:</a:t>
+            </a:r>
+          </a:p>
+        </p:txBody>
+      </p:sp>
+      <p:sp>
+        <p:nvSpPr>
+          <p:cNvPr id="20" name="TextBox 35">
+            <a:extLst>
+              <a:ext uri="{FF2B5EF4-FFF2-40B4-BE49-F238E27FC236}">
+                <a16:creationId xmlns:a16="http://schemas.microsoft.com/office/drawing/2014/main" id="{C6748793-BE7B-F8F1-EAF3-27367B4E5E3B}"/>
+              </a:ext>
+            </a:extLst>
+          </p:cNvPr>
+          <p:cNvSpPr txBox="1"/>
+          <p:nvPr/>
+        </p:nvSpPr>
+        <p:spPr>
+          <a:xfrm>
+            <a:off x="1220835" y="7423507"/>
+            <a:ext cx="1065999" cy="280846"/>
+          </a:xfrm>
+          <a:prstGeom prst="rect">
+            <a:avLst/>
+          </a:prstGeom>
+        </p:spPr>
+        <p:txBody>
+          <a:bodyPr wrap="square" lIns="0" tIns="0" rIns="0" bIns="0" rtlCol="0" anchor="t">
+            <a:spAutoFit/>
+          </a:bodyPr>
+          <a:lstStyle/>
+          <a:p>
+            <a:pPr>
+              <a:lnSpc>
+                <a:spcPts val="2189"/>
+              </a:lnSpc>
+            </a:pPr>
+            <a:r>
+              <a:rPr lang="en-US" b="1" dirty="0">
+                <a:solidFill>
+                  <a:srgbClr val="7A7A7A"/>
+                </a:solidFill>
+                <a:latin typeface="Poppins"/>
+                <a:ea typeface="Poppins"/>
+                <a:cs typeface="Poppins"/>
+                <a:sym typeface="Poppins"/>
+              </a:rPr>
+              <a:t>Seguro:</a:t>
+            </a:r>
+          </a:p>
+        </p:txBody>
+      </p:sp>
+      <p:sp>
+        <p:nvSpPr>
+          <p:cNvPr id="21" name="TextBox 35">
+            <a:extLst>
+              <a:ext uri="{FF2B5EF4-FFF2-40B4-BE49-F238E27FC236}">
+                <a16:creationId xmlns:a16="http://schemas.microsoft.com/office/drawing/2014/main" id="{DA2BBF97-C714-E405-4EC1-1811B8F8F51D}"/>
+              </a:ext>
+            </a:extLst>
+          </p:cNvPr>
+          <p:cNvSpPr txBox="1"/>
+          <p:nvPr/>
+        </p:nvSpPr>
+        <p:spPr>
+          <a:xfrm>
+            <a:off x="2667387" y="7430551"/>
+            <a:ext cx="522410" cy="271741"/>
+          </a:xfrm>
+          <a:prstGeom prst="rect">
+            <a:avLst/>
+          </a:prstGeom>
+        </p:spPr>
+        <p:txBody>
+          <a:bodyPr wrap="square" lIns="0" tIns="0" rIns="0" bIns="0" rtlCol="0" anchor="t">
+            <a:spAutoFit/>
+          </a:bodyPr>
+          <a:lstStyle/>
+          <a:p>
+            <a:pPr>
+              <a:lnSpc>
+                <a:spcPts val="2189"/>
+              </a:lnSpc>
+            </a:pPr>
+            <a:r>
+              <a:rPr lang="en-US" sz="1563" dirty="0" err="1">
+                <a:solidFill>
+                  <a:srgbClr val="7A7A7A"/>
+                </a:solidFill>
+                <a:latin typeface="Poppins"/>
+                <a:ea typeface="Poppins"/>
+                <a:cs typeface="Poppins"/>
+                <a:sym typeface="Poppins"/>
+              </a:rPr>
+              <a:t>Não</a:t>
+            </a:r>
+            <a:endParaRPr lang="en-US" sz="1563" dirty="0">
+              <a:solidFill>
+                <a:srgbClr val="7A7A7A"/>
+              </a:solidFill>
+              <a:latin typeface="Poppins"/>
+              <a:ea typeface="Poppins"/>
+              <a:cs typeface="Poppins"/>
+              <a:sym typeface="Poppins"/>
+            </a:endParaRPr>
+          </a:p>
+        </p:txBody>
+      </p:sp>
+      <p:sp>
+        <p:nvSpPr>
+          <p:cNvPr id="22" name="Rounded Rectangle 21">
+            <a:extLst>
+              <a:ext uri="{FF2B5EF4-FFF2-40B4-BE49-F238E27FC236}">
+                <a16:creationId xmlns:a16="http://schemas.microsoft.com/office/drawing/2014/main" id="{6D75F056-9803-53EB-69E9-548C41CF14DD}"/>
               </a:ext>
             </a:extLst>
           </p:cNvPr>
@@ -30206,8 +30466,8 @@
         </p:nvSpPr>
         <p:spPr>
           <a:xfrm>
-            <a:off x="6566493" y="4000500"/>
-            <a:ext cx="5311706" cy="5418944"/>
+            <a:off x="6553200" y="3589349"/>
+            <a:ext cx="5294393" cy="5973751"/>
           </a:xfrm>
           <a:prstGeom prst="roundRect">
             <a:avLst>
@@ -30259,10 +30519,10 @@
       </p:sp>
       <p:sp>
         <p:nvSpPr>
-          <p:cNvPr id="35" name="Rounded Rectangle 34">
+          <p:cNvPr id="23" name="Rounded Rectangle 22">
             <a:extLst>
               <a:ext uri="{FF2B5EF4-FFF2-40B4-BE49-F238E27FC236}">
-                <a16:creationId xmlns:a16="http://schemas.microsoft.com/office/drawing/2014/main" id="{7A349362-757B-A02E-B4FF-48E81B5C288E}"/>
+                <a16:creationId xmlns:a16="http://schemas.microsoft.com/office/drawing/2014/main" id="{BDBFBE8F-3EC4-CDF3-631A-B08B804EC5E1}"/>
               </a:ext>
             </a:extLst>
           </p:cNvPr>
@@ -30271,8 +30531,8 @@
         </p:nvSpPr>
         <p:spPr>
           <a:xfrm>
-            <a:off x="6763630" y="7681076"/>
-            <a:ext cx="4597315" cy="1328942"/>
+            <a:off x="6801886" y="7942964"/>
+            <a:ext cx="4772074" cy="1373860"/>
           </a:xfrm>
           <a:prstGeom prst="roundRect">
             <a:avLst/>
@@ -30308,10 +30568,10 @@
       </p:sp>
       <p:sp>
         <p:nvSpPr>
-          <p:cNvPr id="37" name="TextBox 35">
+          <p:cNvPr id="24" name="TextBox 35">
             <a:extLst>
               <a:ext uri="{FF2B5EF4-FFF2-40B4-BE49-F238E27FC236}">
-                <a16:creationId xmlns:a16="http://schemas.microsoft.com/office/drawing/2014/main" id="{835CC425-BE53-1B6D-A835-731A98EE775B}"/>
+                <a16:creationId xmlns:a16="http://schemas.microsoft.com/office/drawing/2014/main" id="{1C520357-B50A-51F4-CD9C-90BA4A635E29}"/>
               </a:ext>
             </a:extLst>
           </p:cNvPr>
@@ -30320,55 +30580,8 @@
         </p:nvSpPr>
         <p:spPr>
           <a:xfrm>
-            <a:off x="6923091" y="5091251"/>
-            <a:ext cx="663750" cy="1400255"/>
-          </a:xfrm>
-          <a:prstGeom prst="rect">
-            <a:avLst/>
-          </a:prstGeom>
-        </p:spPr>
-        <p:txBody>
-          <a:bodyPr wrap="square" lIns="0" tIns="0" rIns="0" bIns="0" rtlCol="0" anchor="t">
-            <a:spAutoFit/>
-          </a:bodyPr>
-          <a:lstStyle/>
-          <a:p>
-            <a:pPr algn="ctr">
-              <a:lnSpc>
-                <a:spcPts val="2189"/>
-              </a:lnSpc>
-            </a:pPr>
-            <a:r>
-              <a:rPr lang="en-US" sz="1563" dirty="0">
-                <a:solidFill>
-                  <a:srgbClr val="7A7A7A"/>
-                </a:solidFill>
-                <a:latin typeface="Poppins"/>
-                <a:ea typeface="Poppins"/>
-                <a:cs typeface="Poppins"/>
-                <a:sym typeface="Poppins"/>
-              </a:rPr>
-              <a:t>{{modulos_quantidade}}</a:t>
-            </a:r>
-          </a:p>
-        </p:txBody>
-      </p:sp>
-      <p:sp>
-        <p:nvSpPr>
-          <p:cNvPr id="38" name="TextBox 35">
-            <a:extLst>
-              <a:ext uri="{FF2B5EF4-FFF2-40B4-BE49-F238E27FC236}">
-                <a16:creationId xmlns:a16="http://schemas.microsoft.com/office/drawing/2014/main" id="{75EBBFDC-A2DD-328F-2EB8-9D91E3DCE32F}"/>
-              </a:ext>
-            </a:extLst>
-          </p:cNvPr>
-          <p:cNvSpPr txBox="1"/>
-          <p:nvPr/>
-        </p:nvSpPr>
-        <p:spPr>
-          <a:xfrm>
-            <a:off x="8132585" y="4765198"/>
-            <a:ext cx="3351311" cy="280846"/>
+            <a:off x="8368409" y="4302639"/>
+            <a:ext cx="2992042" cy="271741"/>
           </a:xfrm>
           <a:prstGeom prst="rect">
             <a:avLst/>
@@ -30386,7 +30599,7 @@
               </a:lnSpc>
             </a:pPr>
             <a:r>
-              <a:rPr lang="en-US" dirty="0">
+              <a:rPr lang="en-US" sz="1563" dirty="0">
                 <a:solidFill>
                   <a:srgbClr val="7A7A7A"/>
                 </a:solidFill>
@@ -30395,41 +30608,17 @@
                 <a:cs typeface="Poppins"/>
                 <a:sym typeface="Poppins"/>
               </a:rPr>
-              <a:t>{{</a:t>
-            </a:r>
-            <a:r>
-              <a:rPr lang="en-US" sz="1560" dirty="0">
-                <a:solidFill>
-                  <a:srgbClr val="7A7A7A"/>
-                </a:solidFill>
-                <a:latin typeface="Poppins"/>
-                <a:ea typeface="Poppins"/>
-                <a:cs typeface="Poppins"/>
-                <a:sym typeface="Poppins"/>
-              </a:rPr>
-              <a:t>modulos</a:t>
-            </a:r>
-            <a:r>
-              <a:rPr lang="en-US" dirty="0">
-                <a:solidFill>
-                  <a:srgbClr val="7A7A7A"/>
-                </a:solidFill>
-                <a:latin typeface="Poppins"/>
-                <a:ea typeface="Poppins"/>
-                <a:cs typeface="Poppins"/>
-                <a:sym typeface="Poppins"/>
-              </a:rPr>
-              <a:t>}}</a:t>
-            </a:r>
-          </a:p>
-        </p:txBody>
-      </p:sp>
-      <p:sp>
-        <p:nvSpPr>
-          <p:cNvPr id="39" name="TextBox 35">
+              <a:t>{{modulos_quantidade}}</a:t>
+            </a:r>
+          </a:p>
+        </p:txBody>
+      </p:sp>
+      <p:sp>
+        <p:nvSpPr>
+          <p:cNvPr id="28" name="TextBox 35">
             <a:extLst>
               <a:ext uri="{FF2B5EF4-FFF2-40B4-BE49-F238E27FC236}">
-                <a16:creationId xmlns:a16="http://schemas.microsoft.com/office/drawing/2014/main" id="{075C7F38-B16C-7DDB-F676-6EAA7FF8AEC1}"/>
+                <a16:creationId xmlns:a16="http://schemas.microsoft.com/office/drawing/2014/main" id="{D3EB2C96-3014-B04D-A6A5-A6A6257BC647}"/>
               </a:ext>
             </a:extLst>
           </p:cNvPr>
@@ -30438,7 +30627,7 @@
         </p:nvSpPr>
         <p:spPr>
           <a:xfrm>
-            <a:off x="8132584" y="5453977"/>
+            <a:off x="8375049" y="6106867"/>
             <a:ext cx="3351311" cy="275003"/>
           </a:xfrm>
           <a:prstGeom prst="rect">
@@ -30466,17 +30655,17 @@
                 <a:cs typeface="Poppins"/>
                 <a:sym typeface="Poppins"/>
               </a:rPr>
-              <a:t>{{inversor1}}</a:t>
-            </a:r>
-          </a:p>
-        </p:txBody>
-      </p:sp>
-      <p:sp>
-        <p:nvSpPr>
-          <p:cNvPr id="41" name="TextBox 35">
+              <a:t>{{inversor}}</a:t>
+            </a:r>
+          </a:p>
+        </p:txBody>
+      </p:sp>
+      <p:sp>
+        <p:nvSpPr>
+          <p:cNvPr id="29" name="TextBox 35">
             <a:extLst>
               <a:ext uri="{FF2B5EF4-FFF2-40B4-BE49-F238E27FC236}">
-                <a16:creationId xmlns:a16="http://schemas.microsoft.com/office/drawing/2014/main" id="{5712B2B2-EA96-6B12-65C7-EC415DFF159E}"/>
+                <a16:creationId xmlns:a16="http://schemas.microsoft.com/office/drawing/2014/main" id="{36A5936C-1108-2F8B-4014-8D9C1007A369}"/>
               </a:ext>
             </a:extLst>
           </p:cNvPr>
@@ -30485,8 +30674,8 @@
         </p:nvSpPr>
         <p:spPr>
           <a:xfrm>
-            <a:off x="6923091" y="5777973"/>
-            <a:ext cx="663750" cy="1118127"/>
+            <a:off x="8372551" y="5637002"/>
+            <a:ext cx="3313565" cy="271741"/>
           </a:xfrm>
           <a:prstGeom prst="rect">
             <a:avLst/>
@@ -30498,7 +30687,7 @@
           </a:bodyPr>
           <a:lstStyle/>
           <a:p>
-            <a:pPr algn="ctr">
+            <a:pPr>
               <a:lnSpc>
                 <a:spcPts val="2189"/>
               </a:lnSpc>
@@ -30520,10 +30709,10 @@
       </p:sp>
       <p:sp>
         <p:nvSpPr>
-          <p:cNvPr id="42" name="TextBox 20">
+          <p:cNvPr id="30" name="TextBox 20">
             <a:extLst>
               <a:ext uri="{FF2B5EF4-FFF2-40B4-BE49-F238E27FC236}">
-                <a16:creationId xmlns:a16="http://schemas.microsoft.com/office/drawing/2014/main" id="{8897B6DE-BA6A-B0AE-214E-BF039C2CB61C}"/>
+                <a16:creationId xmlns:a16="http://schemas.microsoft.com/office/drawing/2014/main" id="{0648E3BC-7324-780F-219F-F4771497AB3C}"/>
               </a:ext>
             </a:extLst>
           </p:cNvPr>
@@ -30532,8 +30721,8 @@
         </p:nvSpPr>
         <p:spPr>
           <a:xfrm>
-            <a:off x="8141874" y="4104943"/>
-            <a:ext cx="2160944" cy="434734"/>
+            <a:off x="7991998" y="3652788"/>
+            <a:ext cx="2416796" cy="457818"/>
           </a:xfrm>
           <a:prstGeom prst="rect">
             <a:avLst/>
@@ -30551,9 +30740,9 @@
               </a:lnSpc>
             </a:pPr>
             <a:r>
-              <a:rPr lang="en-US" b="1" dirty="0">
-                <a:solidFill>
-                  <a:srgbClr val="7A7A7A"/>
+              <a:rPr lang="en-US" sz="2400" b="1" dirty="0">
+                <a:solidFill>
+                  <a:srgbClr val="124E4A"/>
                 </a:solidFill>
                 <a:latin typeface="Poppins Bold"/>
                 <a:ea typeface="Poppins Bold"/>
@@ -30567,10 +30756,10 @@
       </p:sp>
       <p:sp>
         <p:nvSpPr>
-          <p:cNvPr id="45" name="TextBox 44">
+          <p:cNvPr id="31" name="TextBox 30">
             <a:extLst>
               <a:ext uri="{FF2B5EF4-FFF2-40B4-BE49-F238E27FC236}">
-                <a16:creationId xmlns:a16="http://schemas.microsoft.com/office/drawing/2014/main" id="{FDCE9B6E-921A-8A9C-52BB-7220211B3BAF}"/>
+                <a16:creationId xmlns:a16="http://schemas.microsoft.com/office/drawing/2014/main" id="{AEEC7BC6-274D-EA07-81D5-E31983D1DC70}"/>
               </a:ext>
             </a:extLst>
           </p:cNvPr>
@@ -30579,8 +30768,8 @@
         </p:nvSpPr>
         <p:spPr>
           <a:xfrm>
-            <a:off x="6863482" y="8151462"/>
-            <a:ext cx="4597315" cy="400110"/>
+            <a:off x="6794478" y="8682011"/>
+            <a:ext cx="4772074" cy="400110"/>
           </a:xfrm>
           <a:prstGeom prst="rect">
             <a:avLst/>
@@ -30604,31 +30793,7 @@
                 <a:cs typeface="Poppins Bold"/>
                 <a:sym typeface="Poppins Bold"/>
               </a:rPr>
-              <a:t>{{</a:t>
-            </a:r>
-            <a:r>
-              <a:rPr lang="en-US" sz="2000" b="1" dirty="0" err="1">
-                <a:solidFill>
-                  <a:srgbClr val="CDFBF1"/>
-                </a:solidFill>
-                <a:latin typeface="Poppins Bold"/>
-                <a:ea typeface="Poppins Bold"/>
-                <a:cs typeface="Poppins Bold"/>
-                <a:sym typeface="Poppins Bold"/>
-              </a:rPr>
-              <a:t>geracao_media</a:t>
-            </a:r>
-            <a:r>
-              <a:rPr lang="en-US" sz="2000" b="1" dirty="0">
-                <a:solidFill>
-                  <a:srgbClr val="CDFBF1"/>
-                </a:solidFill>
-                <a:latin typeface="Poppins Bold"/>
-                <a:ea typeface="Poppins Bold"/>
-                <a:cs typeface="Poppins Bold"/>
-                <a:sym typeface="Poppins Bold"/>
-              </a:rPr>
-              <a:t>}}</a:t>
+              <a:t>{{geracao_media}}</a:t>
             </a:r>
             <a:endParaRPr lang="en-BR" sz="2000" dirty="0"/>
           </a:p>
@@ -30636,10 +30801,10 @@
       </p:sp>
       <p:sp>
         <p:nvSpPr>
-          <p:cNvPr id="46" name="TextBox 35">
+          <p:cNvPr id="32" name="TextBox 35">
             <a:extLst>
               <a:ext uri="{FF2B5EF4-FFF2-40B4-BE49-F238E27FC236}">
-                <a16:creationId xmlns:a16="http://schemas.microsoft.com/office/drawing/2014/main" id="{BDFD9AE2-FAF0-BF68-EC30-59A72BE822D7}"/>
+                <a16:creationId xmlns:a16="http://schemas.microsoft.com/office/drawing/2014/main" id="{54770F7F-F4BA-094A-DD7A-89674483A8DF}"/>
               </a:ext>
             </a:extLst>
           </p:cNvPr>
@@ -30648,7 +30813,7 @@
         </p:nvSpPr>
         <p:spPr>
           <a:xfrm>
-            <a:off x="6886582" y="4762076"/>
+            <a:off x="6924838" y="4304929"/>
             <a:ext cx="1207008" cy="280846"/>
           </a:xfrm>
           <a:prstGeom prst="rect">
@@ -30683,10 +30848,10 @@
       </p:sp>
       <p:sp>
         <p:nvSpPr>
-          <p:cNvPr id="47" name="TextBox 35">
+          <p:cNvPr id="33" name="TextBox 35">
             <a:extLst>
               <a:ext uri="{FF2B5EF4-FFF2-40B4-BE49-F238E27FC236}">
-                <a16:creationId xmlns:a16="http://schemas.microsoft.com/office/drawing/2014/main" id="{F9042EA1-DDE7-38AF-B630-86A147F797CB}"/>
+                <a16:creationId xmlns:a16="http://schemas.microsoft.com/office/drawing/2014/main" id="{6A58B781-E99E-850D-05AB-8D79780C78CC}"/>
               </a:ext>
             </a:extLst>
           </p:cNvPr>
@@ -30695,7 +30860,7 @@
         </p:nvSpPr>
         <p:spPr>
           <a:xfrm>
-            <a:off x="6886581" y="5448135"/>
+            <a:off x="6924837" y="5633988"/>
             <a:ext cx="1207009" cy="280846"/>
           </a:xfrm>
           <a:prstGeom prst="rect">
@@ -30730,10 +30895,10 @@
       </p:sp>
       <p:sp>
         <p:nvSpPr>
-          <p:cNvPr id="48" name="TextBox 35">
+          <p:cNvPr id="34" name="TextBox 35">
             <a:extLst>
               <a:ext uri="{FF2B5EF4-FFF2-40B4-BE49-F238E27FC236}">
-                <a16:creationId xmlns:a16="http://schemas.microsoft.com/office/drawing/2014/main" id="{D3B5E9F2-DCE0-B385-59B2-5AF82C03AF7D}"/>
+                <a16:creationId xmlns:a16="http://schemas.microsoft.com/office/drawing/2014/main" id="{6BE51164-A790-A89B-DCB2-79E08459A163}"/>
               </a:ext>
             </a:extLst>
           </p:cNvPr>
@@ -30742,8 +30907,8 @@
         </p:nvSpPr>
         <p:spPr>
           <a:xfrm>
-            <a:off x="6886581" y="6177005"/>
-            <a:ext cx="2058323" cy="280846"/>
+            <a:off x="6923944" y="6945588"/>
+            <a:ext cx="1169053" cy="280846"/>
           </a:xfrm>
           <a:prstGeom prst="rect">
             <a:avLst/>
@@ -30782,54 +30947,6 @@
                 <a:cs typeface="Poppins"/>
                 <a:sym typeface="Poppins"/>
               </a:rPr>
-              <a:t> </a:t>
-            </a:r>
-            <a:r>
-              <a:rPr lang="en-US" b="1" dirty="0" err="1">
-                <a:solidFill>
-                  <a:srgbClr val="7A7A7A"/>
-                </a:solidFill>
-                <a:latin typeface="Poppins"/>
-                <a:ea typeface="Poppins"/>
-                <a:cs typeface="Poppins"/>
-                <a:sym typeface="Poppins"/>
-              </a:rPr>
-              <a:t>por</a:t>
-            </a:r>
-            <a:r>
-              <a:rPr lang="en-US" b="1" dirty="0">
-                <a:solidFill>
-                  <a:srgbClr val="7A7A7A"/>
-                </a:solidFill>
-                <a:latin typeface="Poppins"/>
-                <a:ea typeface="Poppins"/>
-                <a:cs typeface="Poppins"/>
-                <a:sym typeface="Poppins"/>
-              </a:rPr>
-              <a:t> </a:t>
-            </a:r>
-            <a:r>
-              <a:rPr lang="en-US" b="1" dirty="0" err="1">
-                <a:solidFill>
-                  <a:srgbClr val="7A7A7A"/>
-                </a:solidFill>
-                <a:latin typeface="Poppins"/>
-                <a:ea typeface="Poppins"/>
-                <a:cs typeface="Poppins"/>
-                <a:sym typeface="Poppins"/>
-              </a:rPr>
-              <a:t>ano</a:t>
-            </a:r>
-            <a:r>
-              <a:rPr lang="en-US" b="1" dirty="0">
-                <a:solidFill>
-                  <a:srgbClr val="7A7A7A"/>
-                </a:solidFill>
-                <a:latin typeface="Poppins"/>
-                <a:ea typeface="Poppins"/>
-                <a:cs typeface="Poppins"/>
-                <a:sym typeface="Poppins"/>
-              </a:rPr>
               <a:t>:</a:t>
             </a:r>
           </a:p>
@@ -30837,10 +30954,10 @@
       </p:sp>
       <p:sp>
         <p:nvSpPr>
-          <p:cNvPr id="49" name="TextBox 35">
+          <p:cNvPr id="36" name="TextBox 35">
             <a:extLst>
               <a:ext uri="{FF2B5EF4-FFF2-40B4-BE49-F238E27FC236}">
-                <a16:creationId xmlns:a16="http://schemas.microsoft.com/office/drawing/2014/main" id="{75884EED-38EC-2DAC-E40B-1606CD8E7F19}"/>
+                <a16:creationId xmlns:a16="http://schemas.microsoft.com/office/drawing/2014/main" id="{3F54390B-EAD7-1375-2323-A1F72C71DA19}"/>
               </a:ext>
             </a:extLst>
           </p:cNvPr>
@@ -30849,7 +30966,7 @@
         </p:nvSpPr>
         <p:spPr>
           <a:xfrm>
-            <a:off x="9060236" y="6182847"/>
+            <a:off x="8373947" y="6950149"/>
             <a:ext cx="2423659" cy="275003"/>
           </a:xfrm>
           <a:prstGeom prst="rect">
@@ -30884,10 +31001,350 @@
       </p:sp>
       <p:sp>
         <p:nvSpPr>
-          <p:cNvPr id="50" name="Rounded Rectangle 49">
+          <p:cNvPr id="38" name="TextBox 35">
             <a:extLst>
               <a:ext uri="{FF2B5EF4-FFF2-40B4-BE49-F238E27FC236}">
-                <a16:creationId xmlns:a16="http://schemas.microsoft.com/office/drawing/2014/main" id="{928E9C23-4A93-87A6-10C3-DF03F24FE737}"/>
+                <a16:creationId xmlns:a16="http://schemas.microsoft.com/office/drawing/2014/main" id="{96463C04-58C5-844C-8D4E-A0C038462BD5}"/>
+              </a:ext>
+            </a:extLst>
+          </p:cNvPr>
+          <p:cNvSpPr txBox="1"/>
+          <p:nvPr/>
+        </p:nvSpPr>
+        <p:spPr>
+          <a:xfrm>
+            <a:off x="8375048" y="4784615"/>
+            <a:ext cx="3351311" cy="280846"/>
+          </a:xfrm>
+          <a:prstGeom prst="rect">
+            <a:avLst/>
+          </a:prstGeom>
+        </p:spPr>
+        <p:txBody>
+          <a:bodyPr wrap="square" lIns="0" tIns="0" rIns="0" bIns="0" rtlCol="0" anchor="t">
+            <a:spAutoFit/>
+          </a:bodyPr>
+          <a:lstStyle/>
+          <a:p>
+            <a:pPr>
+              <a:lnSpc>
+                <a:spcPts val="2189"/>
+              </a:lnSpc>
+            </a:pPr>
+            <a:r>
+              <a:rPr lang="en-US" sz="1560" dirty="0">
+                <a:solidFill>
+                  <a:srgbClr val="7A7A7A"/>
+                </a:solidFill>
+                <a:latin typeface="Poppins"/>
+                <a:ea typeface="Poppins"/>
+                <a:cs typeface="Poppins"/>
+                <a:sym typeface="Poppins"/>
+              </a:rPr>
+              <a:t>{{modulos}}</a:t>
+            </a:r>
+          </a:p>
+        </p:txBody>
+      </p:sp>
+      <p:sp>
+        <p:nvSpPr>
+          <p:cNvPr id="51" name="TextBox 50">
+            <a:extLst>
+              <a:ext uri="{FF2B5EF4-FFF2-40B4-BE49-F238E27FC236}">
+                <a16:creationId xmlns:a16="http://schemas.microsoft.com/office/drawing/2014/main" id="{953F6AEA-92FB-7890-85DA-237380D81C8C}"/>
+              </a:ext>
+            </a:extLst>
+          </p:cNvPr>
+          <p:cNvSpPr txBox="1"/>
+          <p:nvPr/>
+        </p:nvSpPr>
+        <p:spPr>
+          <a:xfrm>
+            <a:off x="6828651" y="8013471"/>
+            <a:ext cx="4737901" cy="400110"/>
+          </a:xfrm>
+          <a:prstGeom prst="rect">
+            <a:avLst/>
+          </a:prstGeom>
+          <a:noFill/>
+        </p:spPr>
+        <p:txBody>
+          <a:bodyPr wrap="square">
+            <a:spAutoFit/>
+          </a:bodyPr>
+          <a:lstStyle/>
+          <a:p>
+            <a:pPr algn="ctr"/>
+            <a:r>
+              <a:rPr lang="en-US" sz="2000" b="1" dirty="0" err="1">
+                <a:solidFill>
+                  <a:srgbClr val="CDFBF1"/>
+                </a:solidFill>
+                <a:latin typeface="Poppins Bold"/>
+                <a:ea typeface="Poppins Bold"/>
+                <a:cs typeface="Poppins Bold"/>
+                <a:sym typeface="Poppins Bold"/>
+              </a:rPr>
+              <a:t>Geração</a:t>
+            </a:r>
+            <a:r>
+              <a:rPr lang="en-US" sz="2000" b="1" dirty="0">
+                <a:solidFill>
+                  <a:srgbClr val="CDFBF1"/>
+                </a:solidFill>
+                <a:latin typeface="Poppins Bold"/>
+                <a:ea typeface="Poppins Bold"/>
+                <a:cs typeface="Poppins Bold"/>
+                <a:sym typeface="Poppins Bold"/>
+              </a:rPr>
+              <a:t> </a:t>
+            </a:r>
+            <a:r>
+              <a:rPr lang="en-US" sz="2000" b="1" dirty="0" err="1">
+                <a:solidFill>
+                  <a:srgbClr val="CDFBF1"/>
+                </a:solidFill>
+                <a:latin typeface="Poppins Bold"/>
+                <a:ea typeface="Poppins Bold"/>
+                <a:cs typeface="Poppins Bold"/>
+                <a:sym typeface="Poppins Bold"/>
+              </a:rPr>
+              <a:t>Média</a:t>
+            </a:r>
+            <a:r>
+              <a:rPr lang="en-US" sz="2000" b="1" dirty="0">
+                <a:solidFill>
+                  <a:srgbClr val="CDFBF1"/>
+                </a:solidFill>
+                <a:latin typeface="Poppins Bold"/>
+                <a:ea typeface="Poppins Bold"/>
+                <a:cs typeface="Poppins Bold"/>
+                <a:sym typeface="Poppins Bold"/>
+              </a:rPr>
+              <a:t>:</a:t>
+            </a:r>
+            <a:endParaRPr lang="en-BR" sz="2000" dirty="0"/>
+          </a:p>
+        </p:txBody>
+      </p:sp>
+      <p:sp>
+        <p:nvSpPr>
+          <p:cNvPr id="57" name="TextBox 35">
+            <a:extLst>
+              <a:ext uri="{FF2B5EF4-FFF2-40B4-BE49-F238E27FC236}">
+                <a16:creationId xmlns:a16="http://schemas.microsoft.com/office/drawing/2014/main" id="{0A2F16F6-5F79-A25B-406D-2F7B31C4B7BB}"/>
+              </a:ext>
+            </a:extLst>
+          </p:cNvPr>
+          <p:cNvSpPr txBox="1"/>
+          <p:nvPr/>
+        </p:nvSpPr>
+        <p:spPr>
+          <a:xfrm>
+            <a:off x="6924838" y="4784615"/>
+            <a:ext cx="1207008" cy="280846"/>
+          </a:xfrm>
+          <a:prstGeom prst="rect">
+            <a:avLst/>
+          </a:prstGeom>
+        </p:spPr>
+        <p:txBody>
+          <a:bodyPr wrap="square" lIns="0" tIns="0" rIns="0" bIns="0" rtlCol="0" anchor="t">
+            <a:spAutoFit/>
+          </a:bodyPr>
+          <a:lstStyle/>
+          <a:p>
+            <a:pPr>
+              <a:lnSpc>
+                <a:spcPts val="2189"/>
+              </a:lnSpc>
+            </a:pPr>
+            <a:r>
+              <a:rPr lang="en-US" b="1" dirty="0" err="1">
+                <a:solidFill>
+                  <a:srgbClr val="7A7A7A"/>
+                </a:solidFill>
+                <a:latin typeface="Poppins"/>
+                <a:ea typeface="Poppins"/>
+                <a:cs typeface="Poppins"/>
+                <a:sym typeface="Poppins"/>
+              </a:rPr>
+              <a:t>Modelo</a:t>
+            </a:r>
+            <a:r>
+              <a:rPr lang="en-US" b="1" dirty="0">
+                <a:solidFill>
+                  <a:srgbClr val="7A7A7A"/>
+                </a:solidFill>
+                <a:latin typeface="Poppins"/>
+                <a:ea typeface="Poppins"/>
+                <a:cs typeface="Poppins"/>
+                <a:sym typeface="Poppins"/>
+              </a:rPr>
+              <a:t>:</a:t>
+            </a:r>
+          </a:p>
+        </p:txBody>
+      </p:sp>
+      <p:sp>
+        <p:nvSpPr>
+          <p:cNvPr id="60" name="TextBox 35">
+            <a:extLst>
+              <a:ext uri="{FF2B5EF4-FFF2-40B4-BE49-F238E27FC236}">
+                <a16:creationId xmlns:a16="http://schemas.microsoft.com/office/drawing/2014/main" id="{F621FA56-42E0-8CD4-8B58-BBBEA08BD48B}"/>
+              </a:ext>
+            </a:extLst>
+          </p:cNvPr>
+          <p:cNvSpPr txBox="1"/>
+          <p:nvPr/>
+        </p:nvSpPr>
+        <p:spPr>
+          <a:xfrm>
+            <a:off x="6924838" y="6104605"/>
+            <a:ext cx="1207008" cy="280846"/>
+          </a:xfrm>
+          <a:prstGeom prst="rect">
+            <a:avLst/>
+          </a:prstGeom>
+        </p:spPr>
+        <p:txBody>
+          <a:bodyPr wrap="square" lIns="0" tIns="0" rIns="0" bIns="0" rtlCol="0" anchor="t">
+            <a:spAutoFit/>
+          </a:bodyPr>
+          <a:lstStyle/>
+          <a:p>
+            <a:pPr>
+              <a:lnSpc>
+                <a:spcPts val="2189"/>
+              </a:lnSpc>
+            </a:pPr>
+            <a:r>
+              <a:rPr lang="en-US" b="1" dirty="0" err="1">
+                <a:solidFill>
+                  <a:srgbClr val="7A7A7A"/>
+                </a:solidFill>
+                <a:latin typeface="Poppins"/>
+                <a:ea typeface="Poppins"/>
+                <a:cs typeface="Poppins"/>
+                <a:sym typeface="Poppins"/>
+              </a:rPr>
+              <a:t>Modelo</a:t>
+            </a:r>
+            <a:r>
+              <a:rPr lang="en-US" b="1" dirty="0">
+                <a:solidFill>
+                  <a:srgbClr val="7A7A7A"/>
+                </a:solidFill>
+                <a:latin typeface="Poppins"/>
+                <a:ea typeface="Poppins"/>
+                <a:cs typeface="Poppins"/>
+                <a:sym typeface="Poppins"/>
+              </a:rPr>
+              <a:t>:</a:t>
+            </a:r>
+          </a:p>
+        </p:txBody>
+      </p:sp>
+      <p:sp>
+        <p:nvSpPr>
+          <p:cNvPr id="72" name="TextBox 35">
+            <a:extLst>
+              <a:ext uri="{FF2B5EF4-FFF2-40B4-BE49-F238E27FC236}">
+                <a16:creationId xmlns:a16="http://schemas.microsoft.com/office/drawing/2014/main" id="{8C5C3A24-B62B-C410-348A-50858E9C7215}"/>
+              </a:ext>
+            </a:extLst>
+          </p:cNvPr>
+          <p:cNvSpPr txBox="1"/>
+          <p:nvPr/>
+        </p:nvSpPr>
+        <p:spPr>
+          <a:xfrm>
+            <a:off x="6927395" y="7423507"/>
+            <a:ext cx="1065999" cy="280846"/>
+          </a:xfrm>
+          <a:prstGeom prst="rect">
+            <a:avLst/>
+          </a:prstGeom>
+        </p:spPr>
+        <p:txBody>
+          <a:bodyPr wrap="square" lIns="0" tIns="0" rIns="0" bIns="0" rtlCol="0" anchor="t">
+            <a:spAutoFit/>
+          </a:bodyPr>
+          <a:lstStyle/>
+          <a:p>
+            <a:pPr>
+              <a:lnSpc>
+                <a:spcPts val="2189"/>
+              </a:lnSpc>
+            </a:pPr>
+            <a:r>
+              <a:rPr lang="en-US" b="1" dirty="0">
+                <a:solidFill>
+                  <a:srgbClr val="7A7A7A"/>
+                </a:solidFill>
+                <a:latin typeface="Poppins"/>
+                <a:ea typeface="Poppins"/>
+                <a:cs typeface="Poppins"/>
+                <a:sym typeface="Poppins"/>
+              </a:rPr>
+              <a:t>Seguro:</a:t>
+            </a:r>
+          </a:p>
+        </p:txBody>
+      </p:sp>
+      <p:sp>
+        <p:nvSpPr>
+          <p:cNvPr id="79" name="TextBox 35">
+            <a:extLst>
+              <a:ext uri="{FF2B5EF4-FFF2-40B4-BE49-F238E27FC236}">
+                <a16:creationId xmlns:a16="http://schemas.microsoft.com/office/drawing/2014/main" id="{EE282259-C085-2899-A91F-CE67DE8D6C01}"/>
+              </a:ext>
+            </a:extLst>
+          </p:cNvPr>
+          <p:cNvSpPr txBox="1"/>
+          <p:nvPr/>
+        </p:nvSpPr>
+        <p:spPr>
+          <a:xfrm>
+            <a:off x="8373947" y="7430551"/>
+            <a:ext cx="2423658" cy="271741"/>
+          </a:xfrm>
+          <a:prstGeom prst="rect">
+            <a:avLst/>
+          </a:prstGeom>
+        </p:spPr>
+        <p:txBody>
+          <a:bodyPr wrap="square" lIns="0" tIns="0" rIns="0" bIns="0" rtlCol="0" anchor="t">
+            <a:spAutoFit/>
+          </a:bodyPr>
+          <a:lstStyle/>
+          <a:p>
+            <a:pPr>
+              <a:lnSpc>
+                <a:spcPts val="2189"/>
+              </a:lnSpc>
+            </a:pPr>
+            <a:r>
+              <a:rPr lang="en-US" sz="1563" dirty="0">
+                <a:solidFill>
+                  <a:srgbClr val="7A7A7A"/>
+                </a:solidFill>
+                <a:latin typeface="Poppins"/>
+                <a:ea typeface="Poppins"/>
+                <a:cs typeface="Poppins"/>
+                <a:sym typeface="Poppins"/>
+              </a:rPr>
+              <a:t>12 meses</a:t>
+            </a:r>
+          </a:p>
+        </p:txBody>
+      </p:sp>
+      <p:sp>
+        <p:nvSpPr>
+          <p:cNvPr id="80" name="Rounded Rectangle 79">
+            <a:extLst>
+              <a:ext uri="{FF2B5EF4-FFF2-40B4-BE49-F238E27FC236}">
+                <a16:creationId xmlns:a16="http://schemas.microsoft.com/office/drawing/2014/main" id="{8B7890C5-DEC4-CDEF-C557-60D750F911C8}"/>
               </a:ext>
             </a:extLst>
           </p:cNvPr>
@@ -30896,8 +31353,8 @@
         </p:nvSpPr>
         <p:spPr>
           <a:xfrm>
-            <a:off x="12238423" y="4000500"/>
-            <a:ext cx="5311706" cy="5418944"/>
+            <a:off x="12254155" y="3589349"/>
+            <a:ext cx="5294393" cy="5973751"/>
           </a:xfrm>
           <a:prstGeom prst="roundRect">
             <a:avLst>
@@ -30949,10 +31406,10 @@
       </p:sp>
       <p:sp>
         <p:nvSpPr>
-          <p:cNvPr id="53" name="Rounded Rectangle 52">
+          <p:cNvPr id="81" name="Rounded Rectangle 80">
             <a:extLst>
               <a:ext uri="{FF2B5EF4-FFF2-40B4-BE49-F238E27FC236}">
-                <a16:creationId xmlns:a16="http://schemas.microsoft.com/office/drawing/2014/main" id="{D5DD6D89-4DBB-034B-DA75-F741C885769E}"/>
+                <a16:creationId xmlns:a16="http://schemas.microsoft.com/office/drawing/2014/main" id="{B0D09104-FC58-1C74-C35F-3B97C63C6F66}"/>
               </a:ext>
             </a:extLst>
           </p:cNvPr>
@@ -30961,8 +31418,8 @@
         </p:nvSpPr>
         <p:spPr>
           <a:xfrm>
-            <a:off x="12435560" y="7681076"/>
-            <a:ext cx="4597315" cy="1328942"/>
+            <a:off x="12502841" y="7942964"/>
+            <a:ext cx="4772074" cy="1373860"/>
           </a:xfrm>
           <a:prstGeom prst="roundRect">
             <a:avLst/>
@@ -30998,10 +31455,10 @@
       </p:sp>
       <p:sp>
         <p:nvSpPr>
-          <p:cNvPr id="54" name="TextBox 35">
+          <p:cNvPr id="82" name="TextBox 35">
             <a:extLst>
               <a:ext uri="{FF2B5EF4-FFF2-40B4-BE49-F238E27FC236}">
-                <a16:creationId xmlns:a16="http://schemas.microsoft.com/office/drawing/2014/main" id="{E15ECD78-A951-06BB-3B11-48E7596BDAD7}"/>
+                <a16:creationId xmlns:a16="http://schemas.microsoft.com/office/drawing/2014/main" id="{893777C4-3F0A-3A1D-7207-2D88E2CD3FBC}"/>
               </a:ext>
             </a:extLst>
           </p:cNvPr>
@@ -31010,55 +31467,8 @@
         </p:nvSpPr>
         <p:spPr>
           <a:xfrm>
-            <a:off x="12595021" y="5091251"/>
-            <a:ext cx="663750" cy="1400255"/>
-          </a:xfrm>
-          <a:prstGeom prst="rect">
-            <a:avLst/>
-          </a:prstGeom>
-        </p:spPr>
-        <p:txBody>
-          <a:bodyPr wrap="square" lIns="0" tIns="0" rIns="0" bIns="0" rtlCol="0" anchor="t">
-            <a:spAutoFit/>
-          </a:bodyPr>
-          <a:lstStyle/>
-          <a:p>
-            <a:pPr algn="ctr">
-              <a:lnSpc>
-                <a:spcPts val="2189"/>
-              </a:lnSpc>
-            </a:pPr>
-            <a:r>
-              <a:rPr lang="en-US" sz="1563" dirty="0">
-                <a:solidFill>
-                  <a:srgbClr val="7A7A7A"/>
-                </a:solidFill>
-                <a:latin typeface="Poppins"/>
-                <a:ea typeface="Poppins"/>
-                <a:cs typeface="Poppins"/>
-                <a:sym typeface="Poppins"/>
-              </a:rPr>
-              <a:t>{{modulos_quantidade3}}</a:t>
-            </a:r>
-          </a:p>
-        </p:txBody>
-      </p:sp>
-      <p:sp>
-        <p:nvSpPr>
-          <p:cNvPr id="55" name="TextBox 35">
-            <a:extLst>
-              <a:ext uri="{FF2B5EF4-FFF2-40B4-BE49-F238E27FC236}">
-                <a16:creationId xmlns:a16="http://schemas.microsoft.com/office/drawing/2014/main" id="{B0B4CB87-4A4F-32A1-D05C-485D38D5B770}"/>
-              </a:ext>
-            </a:extLst>
-          </p:cNvPr>
-          <p:cNvSpPr txBox="1"/>
-          <p:nvPr/>
-        </p:nvSpPr>
-        <p:spPr>
-          <a:xfrm>
-            <a:off x="13804515" y="4765198"/>
-            <a:ext cx="3351311" cy="280846"/>
+            <a:off x="14069364" y="4302639"/>
+            <a:ext cx="2992042" cy="271741"/>
           </a:xfrm>
           <a:prstGeom prst="rect">
             <a:avLst/>
@@ -31076,7 +31486,7 @@
               </a:lnSpc>
             </a:pPr>
             <a:r>
-              <a:rPr lang="en-US" dirty="0">
+              <a:rPr lang="en-US" sz="1563" dirty="0">
                 <a:solidFill>
                   <a:srgbClr val="7A7A7A"/>
                 </a:solidFill>
@@ -31085,41 +31495,17 @@
                 <a:cs typeface="Poppins"/>
                 <a:sym typeface="Poppins"/>
               </a:rPr>
-              <a:t>{{</a:t>
-            </a:r>
-            <a:r>
-              <a:rPr lang="en-US" sz="1560" dirty="0">
-                <a:solidFill>
-                  <a:srgbClr val="7A7A7A"/>
-                </a:solidFill>
-                <a:latin typeface="Poppins"/>
-                <a:ea typeface="Poppins"/>
-                <a:cs typeface="Poppins"/>
-                <a:sym typeface="Poppins"/>
-              </a:rPr>
-              <a:t>modulos3</a:t>
-            </a:r>
-            <a:r>
-              <a:rPr lang="en-US" dirty="0">
-                <a:solidFill>
-                  <a:srgbClr val="7A7A7A"/>
-                </a:solidFill>
-                <a:latin typeface="Poppins"/>
-                <a:ea typeface="Poppins"/>
-                <a:cs typeface="Poppins"/>
-                <a:sym typeface="Poppins"/>
-              </a:rPr>
-              <a:t>}}</a:t>
-            </a:r>
-          </a:p>
-        </p:txBody>
-      </p:sp>
-      <p:sp>
-        <p:nvSpPr>
-          <p:cNvPr id="61" name="TextBox 35">
+              <a:t>{{modulos_quantidade3}}</a:t>
+            </a:r>
+          </a:p>
+        </p:txBody>
+      </p:sp>
+      <p:sp>
+        <p:nvSpPr>
+          <p:cNvPr id="83" name="TextBox 35">
             <a:extLst>
               <a:ext uri="{FF2B5EF4-FFF2-40B4-BE49-F238E27FC236}">
-                <a16:creationId xmlns:a16="http://schemas.microsoft.com/office/drawing/2014/main" id="{73EE8301-9A71-A970-3AAF-C2308F16A021}"/>
+                <a16:creationId xmlns:a16="http://schemas.microsoft.com/office/drawing/2014/main" id="{0FD7D8A6-5280-B83C-E9FA-A2ACF3D9982D}"/>
               </a:ext>
             </a:extLst>
           </p:cNvPr>
@@ -31128,7 +31514,7 @@
         </p:nvSpPr>
         <p:spPr>
           <a:xfrm>
-            <a:off x="13804514" y="5453977"/>
+            <a:off x="14076004" y="6106867"/>
             <a:ext cx="3351311" cy="275003"/>
           </a:xfrm>
           <a:prstGeom prst="rect">
@@ -31163,10 +31549,10 @@
       </p:sp>
       <p:sp>
         <p:nvSpPr>
-          <p:cNvPr id="62" name="TextBox 35">
+          <p:cNvPr id="84" name="TextBox 35">
             <a:extLst>
               <a:ext uri="{FF2B5EF4-FFF2-40B4-BE49-F238E27FC236}">
-                <a16:creationId xmlns:a16="http://schemas.microsoft.com/office/drawing/2014/main" id="{2CE57295-48EB-F3A1-720E-6DEE25031447}"/>
+                <a16:creationId xmlns:a16="http://schemas.microsoft.com/office/drawing/2014/main" id="{F83FB4F3-68E4-4EFA-96B0-B6EE3AAAEFA9}"/>
               </a:ext>
             </a:extLst>
           </p:cNvPr>
@@ -31175,8 +31561,8 @@
         </p:nvSpPr>
         <p:spPr>
           <a:xfrm>
-            <a:off x="12595021" y="5777973"/>
-            <a:ext cx="663750" cy="1400255"/>
+            <a:off x="14073506" y="5637002"/>
+            <a:ext cx="3313565" cy="271741"/>
           </a:xfrm>
           <a:prstGeom prst="rect">
             <a:avLst/>
@@ -31188,7 +31574,7 @@
           </a:bodyPr>
           <a:lstStyle/>
           <a:p>
-            <a:pPr algn="ctr">
+            <a:pPr>
               <a:lnSpc>
                 <a:spcPts val="2189"/>
               </a:lnSpc>
@@ -31210,10 +31596,10 @@
       </p:sp>
       <p:sp>
         <p:nvSpPr>
-          <p:cNvPr id="63" name="TextBox 20">
+          <p:cNvPr id="85" name="TextBox 20">
             <a:extLst>
               <a:ext uri="{FF2B5EF4-FFF2-40B4-BE49-F238E27FC236}">
-                <a16:creationId xmlns:a16="http://schemas.microsoft.com/office/drawing/2014/main" id="{3F69B59D-30E2-FA73-5DDE-BE21632952A2}"/>
+                <a16:creationId xmlns:a16="http://schemas.microsoft.com/office/drawing/2014/main" id="{DD827F0A-D40E-2F22-8411-A1F6379E95F3}"/>
               </a:ext>
             </a:extLst>
           </p:cNvPr>
@@ -31222,8 +31608,8 @@
         </p:nvSpPr>
         <p:spPr>
           <a:xfrm>
-            <a:off x="13813804" y="4104943"/>
-            <a:ext cx="2160944" cy="434734"/>
+            <a:off x="13692953" y="3652788"/>
+            <a:ext cx="2416796" cy="457818"/>
           </a:xfrm>
           <a:prstGeom prst="rect">
             <a:avLst/>
@@ -31241,9 +31627,9 @@
               </a:lnSpc>
             </a:pPr>
             <a:r>
-              <a:rPr lang="en-US" b="1" dirty="0">
-                <a:solidFill>
-                  <a:srgbClr val="7A7A7A"/>
+              <a:rPr lang="en-US" sz="2400" b="1" dirty="0">
+                <a:solidFill>
+                  <a:srgbClr val="124E4A"/>
                 </a:solidFill>
                 <a:latin typeface="Poppins Bold"/>
                 <a:ea typeface="Poppins Bold"/>
@@ -31257,10 +31643,10 @@
       </p:sp>
       <p:sp>
         <p:nvSpPr>
-          <p:cNvPr id="64" name="TextBox 63">
+          <p:cNvPr id="86" name="TextBox 85">
             <a:extLst>
               <a:ext uri="{FF2B5EF4-FFF2-40B4-BE49-F238E27FC236}">
-                <a16:creationId xmlns:a16="http://schemas.microsoft.com/office/drawing/2014/main" id="{411155AB-17F7-9F0A-C06D-27B192C04DCB}"/>
+                <a16:creationId xmlns:a16="http://schemas.microsoft.com/office/drawing/2014/main" id="{F61AA668-5EC1-C867-7F4E-8AB4215EFE8F}"/>
               </a:ext>
             </a:extLst>
           </p:cNvPr>
@@ -31269,8 +31655,8 @@
         </p:nvSpPr>
         <p:spPr>
           <a:xfrm>
-            <a:off x="12535412" y="8151462"/>
-            <a:ext cx="4597315" cy="400110"/>
+            <a:off x="12495433" y="8682011"/>
+            <a:ext cx="4772074" cy="400110"/>
           </a:xfrm>
           <a:prstGeom prst="rect">
             <a:avLst/>
@@ -31302,10 +31688,10 @@
       </p:sp>
       <p:sp>
         <p:nvSpPr>
-          <p:cNvPr id="65" name="TextBox 35">
+          <p:cNvPr id="87" name="TextBox 35">
             <a:extLst>
               <a:ext uri="{FF2B5EF4-FFF2-40B4-BE49-F238E27FC236}">
-                <a16:creationId xmlns:a16="http://schemas.microsoft.com/office/drawing/2014/main" id="{9C791DA0-D200-7085-1701-94CBCA51FAF2}"/>
+                <a16:creationId xmlns:a16="http://schemas.microsoft.com/office/drawing/2014/main" id="{F4527B22-0D98-E1AF-D5E9-B1FBF00486F0}"/>
               </a:ext>
             </a:extLst>
           </p:cNvPr>
@@ -31314,7 +31700,7 @@
         </p:nvSpPr>
         <p:spPr>
           <a:xfrm>
-            <a:off x="12558512" y="4762076"/>
+            <a:off x="12625793" y="4304929"/>
             <a:ext cx="1207008" cy="280846"/>
           </a:xfrm>
           <a:prstGeom prst="rect">
@@ -31349,10 +31735,10 @@
       </p:sp>
       <p:sp>
         <p:nvSpPr>
-          <p:cNvPr id="66" name="TextBox 35">
+          <p:cNvPr id="88" name="TextBox 35">
             <a:extLst>
               <a:ext uri="{FF2B5EF4-FFF2-40B4-BE49-F238E27FC236}">
-                <a16:creationId xmlns:a16="http://schemas.microsoft.com/office/drawing/2014/main" id="{42ABCDCE-CDF2-E6CF-2369-7F0F9CC99CE5}"/>
+                <a16:creationId xmlns:a16="http://schemas.microsoft.com/office/drawing/2014/main" id="{B56BE86E-2844-2A23-E8F8-8E54A161F686}"/>
               </a:ext>
             </a:extLst>
           </p:cNvPr>
@@ -31361,7 +31747,7 @@
         </p:nvSpPr>
         <p:spPr>
           <a:xfrm>
-            <a:off x="12558511" y="5448135"/>
+            <a:off x="12625792" y="5633988"/>
             <a:ext cx="1207009" cy="280846"/>
           </a:xfrm>
           <a:prstGeom prst="rect">
@@ -31396,10 +31782,10 @@
       </p:sp>
       <p:sp>
         <p:nvSpPr>
-          <p:cNvPr id="67" name="TextBox 35">
+          <p:cNvPr id="89" name="TextBox 35">
             <a:extLst>
               <a:ext uri="{FF2B5EF4-FFF2-40B4-BE49-F238E27FC236}">
-                <a16:creationId xmlns:a16="http://schemas.microsoft.com/office/drawing/2014/main" id="{7BE5C0BE-7C2F-C00C-92DF-526A933EEF5B}"/>
+                <a16:creationId xmlns:a16="http://schemas.microsoft.com/office/drawing/2014/main" id="{3E55556B-FC62-3882-C0DB-5C2A0833230F}"/>
               </a:ext>
             </a:extLst>
           </p:cNvPr>
@@ -31408,8 +31794,8 @@
         </p:nvSpPr>
         <p:spPr>
           <a:xfrm>
-            <a:off x="12558511" y="6177005"/>
-            <a:ext cx="2058323" cy="280846"/>
+            <a:off x="12624899" y="6945588"/>
+            <a:ext cx="1169053" cy="280846"/>
           </a:xfrm>
           <a:prstGeom prst="rect">
             <a:avLst/>
@@ -31448,54 +31834,6 @@
                 <a:cs typeface="Poppins"/>
                 <a:sym typeface="Poppins"/>
               </a:rPr>
-              <a:t> </a:t>
-            </a:r>
-            <a:r>
-              <a:rPr lang="en-US" b="1" dirty="0" err="1">
-                <a:solidFill>
-                  <a:srgbClr val="7A7A7A"/>
-                </a:solidFill>
-                <a:latin typeface="Poppins"/>
-                <a:ea typeface="Poppins"/>
-                <a:cs typeface="Poppins"/>
-                <a:sym typeface="Poppins"/>
-              </a:rPr>
-              <a:t>por</a:t>
-            </a:r>
-            <a:r>
-              <a:rPr lang="en-US" b="1" dirty="0">
-                <a:solidFill>
-                  <a:srgbClr val="7A7A7A"/>
-                </a:solidFill>
-                <a:latin typeface="Poppins"/>
-                <a:ea typeface="Poppins"/>
-                <a:cs typeface="Poppins"/>
-                <a:sym typeface="Poppins"/>
-              </a:rPr>
-              <a:t> </a:t>
-            </a:r>
-            <a:r>
-              <a:rPr lang="en-US" b="1" dirty="0" err="1">
-                <a:solidFill>
-                  <a:srgbClr val="7A7A7A"/>
-                </a:solidFill>
-                <a:latin typeface="Poppins"/>
-                <a:ea typeface="Poppins"/>
-                <a:cs typeface="Poppins"/>
-                <a:sym typeface="Poppins"/>
-              </a:rPr>
-              <a:t>ano</a:t>
-            </a:r>
-            <a:r>
-              <a:rPr lang="en-US" b="1" dirty="0">
-                <a:solidFill>
-                  <a:srgbClr val="7A7A7A"/>
-                </a:solidFill>
-                <a:latin typeface="Poppins"/>
-                <a:ea typeface="Poppins"/>
-                <a:cs typeface="Poppins"/>
-                <a:sym typeface="Poppins"/>
-              </a:rPr>
               <a:t>:</a:t>
             </a:r>
           </a:p>
@@ -31503,10 +31841,10 @@
       </p:sp>
       <p:sp>
         <p:nvSpPr>
-          <p:cNvPr id="68" name="TextBox 35">
+          <p:cNvPr id="90" name="TextBox 35">
             <a:extLst>
               <a:ext uri="{FF2B5EF4-FFF2-40B4-BE49-F238E27FC236}">
-                <a16:creationId xmlns:a16="http://schemas.microsoft.com/office/drawing/2014/main" id="{1C30C42E-FB9E-D23B-BFD0-86580F76D9D0}"/>
+                <a16:creationId xmlns:a16="http://schemas.microsoft.com/office/drawing/2014/main" id="{826ACAE3-9E32-18E9-F3E8-446F9758615C}"/>
               </a:ext>
             </a:extLst>
           </p:cNvPr>
@@ -31515,7 +31853,7 @@
         </p:nvSpPr>
         <p:spPr>
           <a:xfrm>
-            <a:off x="14732166" y="6182847"/>
+            <a:off x="14074902" y="6950149"/>
             <a:ext cx="2423659" cy="275003"/>
           </a:xfrm>
           <a:prstGeom prst="rect">
@@ -31548,7 +31886,352 @@
           </a:p>
         </p:txBody>
       </p:sp>
+      <p:sp>
+        <p:nvSpPr>
+          <p:cNvPr id="91" name="TextBox 35">
+            <a:extLst>
+              <a:ext uri="{FF2B5EF4-FFF2-40B4-BE49-F238E27FC236}">
+                <a16:creationId xmlns:a16="http://schemas.microsoft.com/office/drawing/2014/main" id="{2286A4EE-B0B6-6EBD-D584-1627996EB4CB}"/>
+              </a:ext>
+            </a:extLst>
+          </p:cNvPr>
+          <p:cNvSpPr txBox="1"/>
+          <p:nvPr/>
+        </p:nvSpPr>
+        <p:spPr>
+          <a:xfrm>
+            <a:off x="14076003" y="4784615"/>
+            <a:ext cx="3351311" cy="280846"/>
+          </a:xfrm>
+          <a:prstGeom prst="rect">
+            <a:avLst/>
+          </a:prstGeom>
+        </p:spPr>
+        <p:txBody>
+          <a:bodyPr wrap="square" lIns="0" tIns="0" rIns="0" bIns="0" rtlCol="0" anchor="t">
+            <a:spAutoFit/>
+          </a:bodyPr>
+          <a:lstStyle/>
+          <a:p>
+            <a:pPr>
+              <a:lnSpc>
+                <a:spcPts val="2189"/>
+              </a:lnSpc>
+            </a:pPr>
+            <a:r>
+              <a:rPr lang="en-US" sz="1560" dirty="0">
+                <a:solidFill>
+                  <a:srgbClr val="7A7A7A"/>
+                </a:solidFill>
+                <a:latin typeface="Poppins"/>
+                <a:ea typeface="Poppins"/>
+                <a:cs typeface="Poppins"/>
+                <a:sym typeface="Poppins"/>
+              </a:rPr>
+              <a:t>{{modulos3}}</a:t>
+            </a:r>
+          </a:p>
+        </p:txBody>
+      </p:sp>
+      <p:sp>
+        <p:nvSpPr>
+          <p:cNvPr id="92" name="TextBox 91">
+            <a:extLst>
+              <a:ext uri="{FF2B5EF4-FFF2-40B4-BE49-F238E27FC236}">
+                <a16:creationId xmlns:a16="http://schemas.microsoft.com/office/drawing/2014/main" id="{25D06A97-931A-167F-209B-11D6D7359210}"/>
+              </a:ext>
+            </a:extLst>
+          </p:cNvPr>
+          <p:cNvSpPr txBox="1"/>
+          <p:nvPr/>
+        </p:nvSpPr>
+        <p:spPr>
+          <a:xfrm>
+            <a:off x="12529606" y="8013471"/>
+            <a:ext cx="4737901" cy="400110"/>
+          </a:xfrm>
+          <a:prstGeom prst="rect">
+            <a:avLst/>
+          </a:prstGeom>
+          <a:noFill/>
+        </p:spPr>
+        <p:txBody>
+          <a:bodyPr wrap="square">
+            <a:spAutoFit/>
+          </a:bodyPr>
+          <a:lstStyle/>
+          <a:p>
+            <a:pPr algn="ctr"/>
+            <a:r>
+              <a:rPr lang="en-US" sz="2000" b="1" dirty="0" err="1">
+                <a:solidFill>
+                  <a:srgbClr val="CDFBF1"/>
+                </a:solidFill>
+                <a:latin typeface="Poppins Bold"/>
+                <a:ea typeface="Poppins Bold"/>
+                <a:cs typeface="Poppins Bold"/>
+                <a:sym typeface="Poppins Bold"/>
+              </a:rPr>
+              <a:t>Geração</a:t>
+            </a:r>
+            <a:r>
+              <a:rPr lang="en-US" sz="2000" b="1" dirty="0">
+                <a:solidFill>
+                  <a:srgbClr val="CDFBF1"/>
+                </a:solidFill>
+                <a:latin typeface="Poppins Bold"/>
+                <a:ea typeface="Poppins Bold"/>
+                <a:cs typeface="Poppins Bold"/>
+                <a:sym typeface="Poppins Bold"/>
+              </a:rPr>
+              <a:t> </a:t>
+            </a:r>
+            <a:r>
+              <a:rPr lang="en-US" sz="2000" b="1" dirty="0" err="1">
+                <a:solidFill>
+                  <a:srgbClr val="CDFBF1"/>
+                </a:solidFill>
+                <a:latin typeface="Poppins Bold"/>
+                <a:ea typeface="Poppins Bold"/>
+                <a:cs typeface="Poppins Bold"/>
+                <a:sym typeface="Poppins Bold"/>
+              </a:rPr>
+              <a:t>Média</a:t>
+            </a:r>
+            <a:r>
+              <a:rPr lang="en-US" sz="2000" b="1" dirty="0">
+                <a:solidFill>
+                  <a:srgbClr val="CDFBF1"/>
+                </a:solidFill>
+                <a:latin typeface="Poppins Bold"/>
+                <a:ea typeface="Poppins Bold"/>
+                <a:cs typeface="Poppins Bold"/>
+                <a:sym typeface="Poppins Bold"/>
+              </a:rPr>
+              <a:t>:</a:t>
+            </a:r>
+            <a:endParaRPr lang="en-BR" sz="2000" dirty="0"/>
+          </a:p>
+        </p:txBody>
+      </p:sp>
+      <p:sp>
+        <p:nvSpPr>
+          <p:cNvPr id="93" name="TextBox 35">
+            <a:extLst>
+              <a:ext uri="{FF2B5EF4-FFF2-40B4-BE49-F238E27FC236}">
+                <a16:creationId xmlns:a16="http://schemas.microsoft.com/office/drawing/2014/main" id="{1BB9F19C-C539-F8E4-AD5C-B951F8C64D14}"/>
+              </a:ext>
+            </a:extLst>
+          </p:cNvPr>
+          <p:cNvSpPr txBox="1"/>
+          <p:nvPr/>
+        </p:nvSpPr>
+        <p:spPr>
+          <a:xfrm>
+            <a:off x="12625793" y="4784615"/>
+            <a:ext cx="1207008" cy="280846"/>
+          </a:xfrm>
+          <a:prstGeom prst="rect">
+            <a:avLst/>
+          </a:prstGeom>
+        </p:spPr>
+        <p:txBody>
+          <a:bodyPr wrap="square" lIns="0" tIns="0" rIns="0" bIns="0" rtlCol="0" anchor="t">
+            <a:spAutoFit/>
+          </a:bodyPr>
+          <a:lstStyle/>
+          <a:p>
+            <a:pPr>
+              <a:lnSpc>
+                <a:spcPts val="2189"/>
+              </a:lnSpc>
+            </a:pPr>
+            <a:r>
+              <a:rPr lang="en-US" b="1" dirty="0" err="1">
+                <a:solidFill>
+                  <a:srgbClr val="7A7A7A"/>
+                </a:solidFill>
+                <a:latin typeface="Poppins"/>
+                <a:ea typeface="Poppins"/>
+                <a:cs typeface="Poppins"/>
+                <a:sym typeface="Poppins"/>
+              </a:rPr>
+              <a:t>Modelo</a:t>
+            </a:r>
+            <a:r>
+              <a:rPr lang="en-US" b="1" dirty="0">
+                <a:solidFill>
+                  <a:srgbClr val="7A7A7A"/>
+                </a:solidFill>
+                <a:latin typeface="Poppins"/>
+                <a:ea typeface="Poppins"/>
+                <a:cs typeface="Poppins"/>
+                <a:sym typeface="Poppins"/>
+              </a:rPr>
+              <a:t>:</a:t>
+            </a:r>
+          </a:p>
+        </p:txBody>
+      </p:sp>
+      <p:sp>
+        <p:nvSpPr>
+          <p:cNvPr id="94" name="TextBox 35">
+            <a:extLst>
+              <a:ext uri="{FF2B5EF4-FFF2-40B4-BE49-F238E27FC236}">
+                <a16:creationId xmlns:a16="http://schemas.microsoft.com/office/drawing/2014/main" id="{CA66E74D-1E42-9D36-8096-B10C04683AB8}"/>
+              </a:ext>
+            </a:extLst>
+          </p:cNvPr>
+          <p:cNvSpPr txBox="1"/>
+          <p:nvPr/>
+        </p:nvSpPr>
+        <p:spPr>
+          <a:xfrm>
+            <a:off x="12625793" y="6104605"/>
+            <a:ext cx="1207008" cy="280846"/>
+          </a:xfrm>
+          <a:prstGeom prst="rect">
+            <a:avLst/>
+          </a:prstGeom>
+        </p:spPr>
+        <p:txBody>
+          <a:bodyPr wrap="square" lIns="0" tIns="0" rIns="0" bIns="0" rtlCol="0" anchor="t">
+            <a:spAutoFit/>
+          </a:bodyPr>
+          <a:lstStyle/>
+          <a:p>
+            <a:pPr>
+              <a:lnSpc>
+                <a:spcPts val="2189"/>
+              </a:lnSpc>
+            </a:pPr>
+            <a:r>
+              <a:rPr lang="en-US" b="1" dirty="0" err="1">
+                <a:solidFill>
+                  <a:srgbClr val="7A7A7A"/>
+                </a:solidFill>
+                <a:latin typeface="Poppins"/>
+                <a:ea typeface="Poppins"/>
+                <a:cs typeface="Poppins"/>
+                <a:sym typeface="Poppins"/>
+              </a:rPr>
+              <a:t>Modelo</a:t>
+            </a:r>
+            <a:r>
+              <a:rPr lang="en-US" b="1" dirty="0">
+                <a:solidFill>
+                  <a:srgbClr val="7A7A7A"/>
+                </a:solidFill>
+                <a:latin typeface="Poppins"/>
+                <a:ea typeface="Poppins"/>
+                <a:cs typeface="Poppins"/>
+                <a:sym typeface="Poppins"/>
+              </a:rPr>
+              <a:t>:</a:t>
+            </a:r>
+          </a:p>
+        </p:txBody>
+      </p:sp>
+      <p:sp>
+        <p:nvSpPr>
+          <p:cNvPr id="95" name="TextBox 35">
+            <a:extLst>
+              <a:ext uri="{FF2B5EF4-FFF2-40B4-BE49-F238E27FC236}">
+                <a16:creationId xmlns:a16="http://schemas.microsoft.com/office/drawing/2014/main" id="{96AC0ADD-BCD8-07B0-DC80-4C01E2F8BA59}"/>
+              </a:ext>
+            </a:extLst>
+          </p:cNvPr>
+          <p:cNvSpPr txBox="1"/>
+          <p:nvPr/>
+        </p:nvSpPr>
+        <p:spPr>
+          <a:xfrm>
+            <a:off x="12628350" y="7423507"/>
+            <a:ext cx="1065999" cy="280846"/>
+          </a:xfrm>
+          <a:prstGeom prst="rect">
+            <a:avLst/>
+          </a:prstGeom>
+        </p:spPr>
+        <p:txBody>
+          <a:bodyPr wrap="square" lIns="0" tIns="0" rIns="0" bIns="0" rtlCol="0" anchor="t">
+            <a:spAutoFit/>
+          </a:bodyPr>
+          <a:lstStyle/>
+          <a:p>
+            <a:pPr>
+              <a:lnSpc>
+                <a:spcPts val="2189"/>
+              </a:lnSpc>
+            </a:pPr>
+            <a:r>
+              <a:rPr lang="en-US" b="1" dirty="0">
+                <a:solidFill>
+                  <a:srgbClr val="7A7A7A"/>
+                </a:solidFill>
+                <a:latin typeface="Poppins"/>
+                <a:ea typeface="Poppins"/>
+                <a:cs typeface="Poppins"/>
+                <a:sym typeface="Poppins"/>
+              </a:rPr>
+              <a:t>Seguro:</a:t>
+            </a:r>
+          </a:p>
+        </p:txBody>
+      </p:sp>
+      <p:sp>
+        <p:nvSpPr>
+          <p:cNvPr id="96" name="TextBox 35">
+            <a:extLst>
+              <a:ext uri="{FF2B5EF4-FFF2-40B4-BE49-F238E27FC236}">
+                <a16:creationId xmlns:a16="http://schemas.microsoft.com/office/drawing/2014/main" id="{F9299114-59EA-BFD6-076D-DE693D654782}"/>
+              </a:ext>
+            </a:extLst>
+          </p:cNvPr>
+          <p:cNvSpPr txBox="1"/>
+          <p:nvPr/>
+        </p:nvSpPr>
+        <p:spPr>
+          <a:xfrm>
+            <a:off x="14074901" y="7430551"/>
+            <a:ext cx="1545711" cy="271741"/>
+          </a:xfrm>
+          <a:prstGeom prst="rect">
+            <a:avLst/>
+          </a:prstGeom>
+        </p:spPr>
+        <p:txBody>
+          <a:bodyPr wrap="square" lIns="0" tIns="0" rIns="0" bIns="0" rtlCol="0" anchor="t">
+            <a:spAutoFit/>
+          </a:bodyPr>
+          <a:lstStyle/>
+          <a:p>
+            <a:pPr>
+              <a:lnSpc>
+                <a:spcPts val="2189"/>
+              </a:lnSpc>
+            </a:pPr>
+            <a:r>
+              <a:rPr lang="en-US" sz="1563" dirty="0">
+                <a:solidFill>
+                  <a:srgbClr val="7A7A7A"/>
+                </a:solidFill>
+                <a:latin typeface="Poppins"/>
+                <a:ea typeface="Poppins"/>
+                <a:cs typeface="Poppins"/>
+                <a:sym typeface="Poppins"/>
+              </a:rPr>
+              <a:t>12 meses</a:t>
+            </a:r>
+          </a:p>
+        </p:txBody>
+      </p:sp>
     </p:spTree>
+    <p:extLst>
+      <p:ext uri="{BB962C8B-B14F-4D97-AF65-F5344CB8AC3E}">
+        <p14:creationId xmlns:p14="http://schemas.microsoft.com/office/powerpoint/2010/main" val="2115223447"/>
+      </p:ext>
+    </p:extLst>
   </p:cSld>
   <p:clrMapOvr>
     <a:masterClrMapping/>

--- a/templates/modelo.pptx
+++ b/templates/modelo.pptx
@@ -242,7 +242,7 @@
           <a:p>
             <a:fld id="{580D7FDF-C8ED-1445-A0F8-888DB6C12010}" type="datetimeFigureOut">
               <a:rPr lang="en-BR" smtClean="0"/>
-              <a:t>30/08/25</a:t>
+              <a:t>09/09/25</a:t>
             </a:fld>
             <a:endParaRPr lang="en-BR"/>
           </a:p>
@@ -990,7 +990,7 @@
             <a:fld id="{1D8BD707-D9CF-40AE-B4C6-C98DA3205C09}" type="datetimeFigureOut">
               <a:rPr lang="en-US" smtClean="0"/>
               <a:pPr/>
-              <a:t>8/30/25</a:t>
+              <a:t>9/9/25</a:t>
             </a:fld>
             <a:endParaRPr lang="en-US"/>
           </a:p>
@@ -1155,7 +1155,7 @@
             <a:fld id="{1D8BD707-D9CF-40AE-B4C6-C98DA3205C09}" type="datetimeFigureOut">
               <a:rPr lang="en-US" smtClean="0"/>
               <a:pPr/>
-              <a:t>8/30/25</a:t>
+              <a:t>9/9/25</a:t>
             </a:fld>
             <a:endParaRPr lang="en-US"/>
           </a:p>
@@ -1330,7 +1330,7 @@
             <a:fld id="{1D8BD707-D9CF-40AE-B4C6-C98DA3205C09}" type="datetimeFigureOut">
               <a:rPr lang="en-US" smtClean="0"/>
               <a:pPr/>
-              <a:t>8/30/25</a:t>
+              <a:t>9/9/25</a:t>
             </a:fld>
             <a:endParaRPr lang="en-US"/>
           </a:p>
@@ -1495,7 +1495,7 @@
             <a:fld id="{1D8BD707-D9CF-40AE-B4C6-C98DA3205C09}" type="datetimeFigureOut">
               <a:rPr lang="en-US" smtClean="0"/>
               <a:pPr/>
-              <a:t>8/30/25</a:t>
+              <a:t>9/9/25</a:t>
             </a:fld>
             <a:endParaRPr lang="en-US"/>
           </a:p>
@@ -1737,7 +1737,7 @@
             <a:fld id="{1D8BD707-D9CF-40AE-B4C6-C98DA3205C09}" type="datetimeFigureOut">
               <a:rPr lang="en-US" smtClean="0"/>
               <a:pPr/>
-              <a:t>8/30/25</a:t>
+              <a:t>9/9/25</a:t>
             </a:fld>
             <a:endParaRPr lang="en-US"/>
           </a:p>
@@ -2019,7 +2019,7 @@
             <a:fld id="{1D8BD707-D9CF-40AE-B4C6-C98DA3205C09}" type="datetimeFigureOut">
               <a:rPr lang="en-US" smtClean="0"/>
               <a:pPr/>
-              <a:t>8/30/25</a:t>
+              <a:t>9/9/25</a:t>
             </a:fld>
             <a:endParaRPr lang="en-US"/>
           </a:p>
@@ -2435,7 +2435,7 @@
             <a:fld id="{1D8BD707-D9CF-40AE-B4C6-C98DA3205C09}" type="datetimeFigureOut">
               <a:rPr lang="en-US" smtClean="0"/>
               <a:pPr/>
-              <a:t>8/30/25</a:t>
+              <a:t>9/9/25</a:t>
             </a:fld>
             <a:endParaRPr lang="en-US"/>
           </a:p>
@@ -2549,7 +2549,7 @@
             <a:fld id="{1D8BD707-D9CF-40AE-B4C6-C98DA3205C09}" type="datetimeFigureOut">
               <a:rPr lang="en-US" smtClean="0"/>
               <a:pPr/>
-              <a:t>8/30/25</a:t>
+              <a:t>9/9/25</a:t>
             </a:fld>
             <a:endParaRPr lang="en-US"/>
           </a:p>
@@ -2641,7 +2641,7 @@
             <a:fld id="{1D8BD707-D9CF-40AE-B4C6-C98DA3205C09}" type="datetimeFigureOut">
               <a:rPr lang="en-US" smtClean="0"/>
               <a:pPr/>
-              <a:t>8/30/25</a:t>
+              <a:t>9/9/25</a:t>
             </a:fld>
             <a:endParaRPr lang="en-US"/>
           </a:p>
@@ -2913,7 +2913,7 @@
             <a:fld id="{1D8BD707-D9CF-40AE-B4C6-C98DA3205C09}" type="datetimeFigureOut">
               <a:rPr lang="en-US" smtClean="0"/>
               <a:pPr/>
-              <a:t>8/30/25</a:t>
+              <a:t>9/9/25</a:t>
             </a:fld>
             <a:endParaRPr lang="en-US"/>
           </a:p>
@@ -3162,7 +3162,7 @@
             <a:fld id="{1D8BD707-D9CF-40AE-B4C6-C98DA3205C09}" type="datetimeFigureOut">
               <a:rPr lang="en-US" smtClean="0"/>
               <a:pPr/>
-              <a:t>8/30/25</a:t>
+              <a:t>9/9/25</a:t>
             </a:fld>
             <a:endParaRPr lang="en-US"/>
           </a:p>
@@ -3370,7 +3370,7 @@
             <a:fld id="{1D8BD707-D9CF-40AE-B4C6-C98DA3205C09}" type="datetimeFigureOut">
               <a:rPr lang="en-US" smtClean="0"/>
               <a:pPr/>
-              <a:t>8/30/25</a:t>
+              <a:t>9/9/25</a:t>
             </a:fld>
             <a:endParaRPr lang="en-US"/>
           </a:p>
@@ -4193,7 +4193,7 @@
         <p:spPr>
           <a:xfrm>
             <a:off x="1028700" y="6108966"/>
-            <a:ext cx="4800600" cy="314607"/>
+            <a:ext cx="11772900" cy="314607"/>
           </a:xfrm>
           <a:prstGeom prst="rect">
             <a:avLst/>
@@ -23764,7 +23764,7 @@
               </a:lnSpc>
             </a:pPr>
             <a:r>
-              <a:rPr lang="en-US" sz="1563">
+              <a:rPr lang="en-US" sz="1563" dirty="0" err="1">
                 <a:solidFill>
                   <a:srgbClr val="134E4A"/>
                 </a:solidFill>
@@ -23773,7 +23773,115 @@
                 <a:cs typeface="Poppins"/>
                 <a:sym typeface="Poppins"/>
               </a:rPr>
-              <a:t>Proposta valida por 7 dias após data de elaboração.</a:t>
+              <a:t>Proposta</a:t>
+            </a:r>
+            <a:r>
+              <a:rPr lang="en-US" sz="1563" dirty="0">
+                <a:solidFill>
+                  <a:srgbClr val="134E4A"/>
+                </a:solidFill>
+                <a:latin typeface="Poppins"/>
+                <a:ea typeface="Poppins"/>
+                <a:cs typeface="Poppins"/>
+                <a:sym typeface="Poppins"/>
+              </a:rPr>
+              <a:t> </a:t>
+            </a:r>
+            <a:r>
+              <a:rPr lang="en-US" sz="1563" dirty="0" err="1">
+                <a:solidFill>
+                  <a:srgbClr val="134E4A"/>
+                </a:solidFill>
+                <a:latin typeface="Poppins"/>
+                <a:ea typeface="Poppins"/>
+                <a:cs typeface="Poppins"/>
+                <a:sym typeface="Poppins"/>
+              </a:rPr>
+              <a:t>valida</a:t>
+            </a:r>
+            <a:r>
+              <a:rPr lang="en-US" sz="1563" dirty="0">
+                <a:solidFill>
+                  <a:srgbClr val="134E4A"/>
+                </a:solidFill>
+                <a:latin typeface="Poppins"/>
+                <a:ea typeface="Poppins"/>
+                <a:cs typeface="Poppins"/>
+                <a:sym typeface="Poppins"/>
+              </a:rPr>
+              <a:t> </a:t>
+            </a:r>
+            <a:r>
+              <a:rPr lang="en-US" sz="1563" dirty="0" err="1">
+                <a:solidFill>
+                  <a:srgbClr val="134E4A"/>
+                </a:solidFill>
+                <a:latin typeface="Poppins"/>
+                <a:ea typeface="Poppins"/>
+                <a:cs typeface="Poppins"/>
+                <a:sym typeface="Poppins"/>
+              </a:rPr>
+              <a:t>por</a:t>
+            </a:r>
+            <a:r>
+              <a:rPr lang="en-US" sz="1563" dirty="0">
+                <a:solidFill>
+                  <a:srgbClr val="134E4A"/>
+                </a:solidFill>
+                <a:latin typeface="Poppins"/>
+                <a:ea typeface="Poppins"/>
+                <a:cs typeface="Poppins"/>
+                <a:sym typeface="Poppins"/>
+              </a:rPr>
+              <a:t> 3 </a:t>
+            </a:r>
+            <a:r>
+              <a:rPr lang="en-US" sz="1563" dirty="0" err="1">
+                <a:solidFill>
+                  <a:srgbClr val="134E4A"/>
+                </a:solidFill>
+                <a:latin typeface="Poppins"/>
+                <a:ea typeface="Poppins"/>
+                <a:cs typeface="Poppins"/>
+                <a:sym typeface="Poppins"/>
+              </a:rPr>
+              <a:t>dias</a:t>
+            </a:r>
+            <a:r>
+              <a:rPr lang="en-US" sz="1563" dirty="0">
+                <a:solidFill>
+                  <a:srgbClr val="134E4A"/>
+                </a:solidFill>
+                <a:latin typeface="Poppins"/>
+                <a:ea typeface="Poppins"/>
+                <a:cs typeface="Poppins"/>
+                <a:sym typeface="Poppins"/>
+              </a:rPr>
+              <a:t> </a:t>
+            </a:r>
+            <a:r>
+              <a:rPr lang="en-US" sz="1563" dirty="0" err="1">
+                <a:solidFill>
+                  <a:srgbClr val="134E4A"/>
+                </a:solidFill>
+                <a:latin typeface="Poppins"/>
+                <a:ea typeface="Poppins"/>
+                <a:cs typeface="Poppins"/>
+                <a:sym typeface="Poppins"/>
+              </a:rPr>
+              <a:t>após</a:t>
+            </a:r>
+            <a:r>
+              <a:rPr lang="en-US" sz="1563" dirty="0">
+                <a:solidFill>
+                  <a:srgbClr val="134E4A"/>
+                </a:solidFill>
+                <a:latin typeface="Poppins"/>
+                <a:ea typeface="Poppins"/>
+                <a:cs typeface="Poppins"/>
+                <a:sym typeface="Poppins"/>
+              </a:rPr>
+              <a:t> data de elaboração.</a:t>
             </a:r>
           </a:p>
         </p:txBody>
